--- a/docs/dac-2016.pptx
+++ b/docs/dac-2016.pptx
@@ -11,24 +11,24 @@
     <p:sldId id="256" r:id="rId2"/>
     <p:sldId id="257" r:id="rId3"/>
     <p:sldId id="258" r:id="rId4"/>
-    <p:sldId id="266" r:id="rId5"/>
-    <p:sldId id="259" r:id="rId6"/>
-    <p:sldId id="276" r:id="rId7"/>
-    <p:sldId id="260" r:id="rId8"/>
-    <p:sldId id="275" r:id="rId9"/>
-    <p:sldId id="265" r:id="rId10"/>
-    <p:sldId id="262" r:id="rId11"/>
-    <p:sldId id="263" r:id="rId12"/>
-    <p:sldId id="261" r:id="rId13"/>
-    <p:sldId id="277" r:id="rId14"/>
-    <p:sldId id="278" r:id="rId15"/>
-    <p:sldId id="269" r:id="rId16"/>
-    <p:sldId id="270" r:id="rId17"/>
-    <p:sldId id="268" r:id="rId18"/>
-    <p:sldId id="271" r:id="rId19"/>
-    <p:sldId id="272" r:id="rId20"/>
-    <p:sldId id="279" r:id="rId21"/>
-    <p:sldId id="274" r:id="rId22"/>
+    <p:sldId id="259" r:id="rId5"/>
+    <p:sldId id="276" r:id="rId6"/>
+    <p:sldId id="260" r:id="rId7"/>
+    <p:sldId id="275" r:id="rId8"/>
+    <p:sldId id="265" r:id="rId9"/>
+    <p:sldId id="262" r:id="rId10"/>
+    <p:sldId id="263" r:id="rId11"/>
+    <p:sldId id="280" r:id="rId12"/>
+    <p:sldId id="277" r:id="rId13"/>
+    <p:sldId id="278" r:id="rId14"/>
+    <p:sldId id="269" r:id="rId15"/>
+    <p:sldId id="270" r:id="rId16"/>
+    <p:sldId id="268" r:id="rId17"/>
+    <p:sldId id="271" r:id="rId18"/>
+    <p:sldId id="272" r:id="rId19"/>
+    <p:sldId id="279" r:id="rId20"/>
+    <p:sldId id="274" r:id="rId21"/>
+    <p:sldId id="266" r:id="rId22"/>
   </p:sldIdLst>
   <p:sldSz cx="9144000" cy="6858000" type="screen4x3"/>
   <p:notesSz cx="6858000" cy="9144000"/>
@@ -156,10 +156,10 @@
           <c:layoutTarget val="inner"/>
           <c:xMode val="edge"/>
           <c:yMode val="edge"/>
-          <c:x val="0.15669934311227743"/>
-          <c:y val="3.6282744068756242E-2"/>
-          <c:w val="0.81280091359695461"/>
-          <c:h val="0.74905743399722102"/>
+          <c:x val="0.156699343112277"/>
+          <c:y val="0.0362827440687562"/>
+          <c:w val="0.812800913596955"/>
+          <c:h val="0.749057433997221"/>
         </c:manualLayout>
       </c:layout>
       <c:scatterChart>
@@ -196,34 +196,34 @@
                 <c:formatCode>General</c:formatCode>
                 <c:ptCount val="10"/>
                 <c:pt idx="0">
-                  <c:v>1</c:v>
+                  <c:v>1.0</c:v>
                 </c:pt>
                 <c:pt idx="1">
-                  <c:v>2</c:v>
+                  <c:v>2.0</c:v>
                 </c:pt>
                 <c:pt idx="2">
-                  <c:v>3</c:v>
+                  <c:v>3.0</c:v>
                 </c:pt>
                 <c:pt idx="3">
-                  <c:v>4</c:v>
+                  <c:v>4.0</c:v>
                 </c:pt>
                 <c:pt idx="4">
-                  <c:v>5</c:v>
+                  <c:v>5.0</c:v>
                 </c:pt>
                 <c:pt idx="5">
-                  <c:v>6</c:v>
+                  <c:v>6.0</c:v>
                 </c:pt>
                 <c:pt idx="6">
-                  <c:v>7</c:v>
+                  <c:v>7.0</c:v>
                 </c:pt>
                 <c:pt idx="7">
-                  <c:v>8</c:v>
+                  <c:v>8.0</c:v>
                 </c:pt>
                 <c:pt idx="8">
-                  <c:v>9</c:v>
+                  <c:v>9.0</c:v>
                 </c:pt>
                 <c:pt idx="9">
-                  <c:v>10</c:v>
+                  <c:v>10.0</c:v>
                 </c:pt>
               </c:numCache>
             </c:numRef>
@@ -235,34 +235,34 @@
                 <c:formatCode>0.0</c:formatCode>
                 <c:ptCount val="10"/>
                 <c:pt idx="0">
-                  <c:v>248.26816321842421</c:v>
+                  <c:v>248.2681632184242</c:v>
                 </c:pt>
                 <c:pt idx="1">
-                  <c:v>173.78771425289699</c:v>
+                  <c:v>173.787714252897</c:v>
                 </c:pt>
                 <c:pt idx="2">
                   <c:v>148.9608979310546</c:v>
                 </c:pt>
                 <c:pt idx="3">
-                  <c:v>136.54748977013341</c:v>
+                  <c:v>136.5474897701334</c:v>
                 </c:pt>
                 <c:pt idx="4">
-                  <c:v>129.09944487358061</c:v>
+                  <c:v>129.0994448735806</c:v>
                 </c:pt>
                 <c:pt idx="5">
-                  <c:v>124.13408160921249</c:v>
+                  <c:v>124.1340816092125</c:v>
                 </c:pt>
                 <c:pt idx="6">
                   <c:v>120.5873935632346</c:v>
                 </c:pt>
                 <c:pt idx="7">
-                  <c:v>117.92737752875099</c:v>
+                  <c:v>117.927377528751</c:v>
                 </c:pt>
                 <c:pt idx="8">
-                  <c:v>115.85847616859726</c:v>
+                  <c:v>115.8584761685972</c:v>
                 </c:pt>
                 <c:pt idx="9">
-                  <c:v>114.20335508047512</c:v>
+                  <c:v>114.2033550804751</c:v>
                 </c:pt>
               </c:numCache>
             </c:numRef>
@@ -306,34 +306,34 @@
                 <c:formatCode>General</c:formatCode>
                 <c:ptCount val="10"/>
                 <c:pt idx="0">
-                  <c:v>1</c:v>
+                  <c:v>1.0</c:v>
                 </c:pt>
                 <c:pt idx="1">
-                  <c:v>2</c:v>
+                  <c:v>2.0</c:v>
                 </c:pt>
                 <c:pt idx="2">
-                  <c:v>3</c:v>
+                  <c:v>3.0</c:v>
                 </c:pt>
                 <c:pt idx="3">
-                  <c:v>4</c:v>
+                  <c:v>4.0</c:v>
                 </c:pt>
                 <c:pt idx="4">
-                  <c:v>5</c:v>
+                  <c:v>5.0</c:v>
                 </c:pt>
                 <c:pt idx="5">
-                  <c:v>6</c:v>
+                  <c:v>6.0</c:v>
                 </c:pt>
                 <c:pt idx="6">
-                  <c:v>7</c:v>
+                  <c:v>7.0</c:v>
                 </c:pt>
                 <c:pt idx="7">
-                  <c:v>8</c:v>
+                  <c:v>8.0</c:v>
                 </c:pt>
                 <c:pt idx="8">
-                  <c:v>9</c:v>
+                  <c:v>9.0</c:v>
                 </c:pt>
                 <c:pt idx="9">
-                  <c:v>10</c:v>
+                  <c:v>10.0</c:v>
                 </c:pt>
               </c:numCache>
             </c:numRef>
@@ -348,31 +348,31 @@
                   <c:v>158.51363832894</c:v>
                 </c:pt>
                 <c:pt idx="1">
-                  <c:v>110.95954683025788</c:v>
+                  <c:v>110.9595468302579</c:v>
                 </c:pt>
                 <c:pt idx="2">
-                  <c:v>95.108182997363457</c:v>
+                  <c:v>95.10818299736336</c:v>
                 </c:pt>
                 <c:pt idx="3">
-                  <c:v>87.182501080916879</c:v>
+                  <c:v>87.18250108091688</c:v>
                 </c:pt>
                 <c:pt idx="4">
-                  <c:v>82.427091931048736</c:v>
+                  <c:v>82.42709193104873</c:v>
                 </c:pt>
                 <c:pt idx="5">
-                  <c:v>79.256819164469718</c:v>
+                  <c:v>79.25681916446968</c:v>
                 </c:pt>
                 <c:pt idx="6">
-                  <c:v>76.992338616913258</c:v>
+                  <c:v>76.99233861691317</c:v>
                 </c:pt>
                 <c:pt idx="7">
-                  <c:v>75.293978206246408</c:v>
+                  <c:v>75.29397820624641</c:v>
                 </c:pt>
                 <c:pt idx="8">
-                  <c:v>73.973031220171848</c:v>
+                  <c:v>73.97303122017185</c:v>
                 </c:pt>
                 <c:pt idx="9">
-                  <c:v>72.916273631313189</c:v>
+                  <c:v>72.9162736313132</c:v>
                 </c:pt>
               </c:numCache>
             </c:numRef>
@@ -416,34 +416,34 @@
                 <c:formatCode>General</c:formatCode>
                 <c:ptCount val="10"/>
                 <c:pt idx="0">
-                  <c:v>1</c:v>
+                  <c:v>1.0</c:v>
                 </c:pt>
                 <c:pt idx="1">
-                  <c:v>2</c:v>
+                  <c:v>2.0</c:v>
                 </c:pt>
                 <c:pt idx="2">
-                  <c:v>3</c:v>
+                  <c:v>3.0</c:v>
                 </c:pt>
                 <c:pt idx="3">
-                  <c:v>4</c:v>
+                  <c:v>4.0</c:v>
                 </c:pt>
                 <c:pt idx="4">
-                  <c:v>5</c:v>
+                  <c:v>5.0</c:v>
                 </c:pt>
                 <c:pt idx="5">
-                  <c:v>6</c:v>
+                  <c:v>6.0</c:v>
                 </c:pt>
                 <c:pt idx="6">
-                  <c:v>7</c:v>
+                  <c:v>7.0</c:v>
                 </c:pt>
                 <c:pt idx="7">
-                  <c:v>8</c:v>
+                  <c:v>8.0</c:v>
                 </c:pt>
                 <c:pt idx="8">
-                  <c:v>9</c:v>
+                  <c:v>9.0</c:v>
                 </c:pt>
                 <c:pt idx="9">
-                  <c:v>10</c:v>
+                  <c:v>10.0</c:v>
                 </c:pt>
               </c:numCache>
             </c:numRef>
@@ -455,34 +455,34 @@
                 <c:formatCode>0.0</c:formatCode>
                 <c:ptCount val="10"/>
                 <c:pt idx="0">
-                  <c:v>87.692596872078596</c:v>
+                  <c:v>87.69259687207847</c:v>
                 </c:pt>
                 <c:pt idx="1">
-                  <c:v>61.384817810455395</c:v>
+                  <c:v>61.3848178104554</c:v>
                 </c:pt>
                 <c:pt idx="2">
-                  <c:v>52.615558123247546</c:v>
+                  <c:v>52.61555812324755</c:v>
                 </c:pt>
                 <c:pt idx="3">
-                  <c:v>48.2309282796434</c:v>
+                  <c:v>48.23092827964339</c:v>
                 </c:pt>
                 <c:pt idx="4">
-                  <c:v>45.600150373481263</c:v>
+                  <c:v>45.60015037348126</c:v>
                 </c:pt>
                 <c:pt idx="5">
-                  <c:v>43.846298436039596</c:v>
+                  <c:v>43.8462984360396</c:v>
                 </c:pt>
                 <c:pt idx="6">
-                  <c:v>42.593547052152779</c:v>
+                  <c:v>42.59354705215278</c:v>
                 </c:pt>
                 <c:pt idx="7">
-                  <c:v>41.653983514237304</c:v>
+                  <c:v>41.65398351423724</c:v>
                 </c:pt>
                 <c:pt idx="8">
-                  <c:v>40.923211873636902</c:v>
+                  <c:v>40.92321187363689</c:v>
                 </c:pt>
                 <c:pt idx="9">
-                  <c:v>40.338594561156214</c:v>
+                  <c:v>40.33859456115619</c:v>
                 </c:pt>
               </c:numCache>
             </c:numRef>
@@ -502,15 +502,15 @@
           <c:showPercent val="0"/>
           <c:showBubbleSize val="0"/>
         </c:dLbls>
-        <c:axId val="-2130250832"/>
-        <c:axId val="-2130255184"/>
+        <c:axId val="2142788480"/>
+        <c:axId val="2137460416"/>
       </c:scatterChart>
       <c:valAx>
-        <c:axId val="-2130250832"/>
+        <c:axId val="2142788480"/>
         <c:scaling>
           <c:orientation val="minMax"/>
-          <c:max val="10"/>
-          <c:min val="1"/>
+          <c:max val="10.0"/>
+          <c:min val="1.0"/>
         </c:scaling>
         <c:delete val="0"/>
         <c:axPos val="b"/>
@@ -534,8 +534,8 @@
             <c:manualLayout>
               <c:xMode val="edge"/>
               <c:yMode val="edge"/>
-              <c:x val="0.2892932183211846"/>
-              <c:y val="0.88571428571428601"/>
+              <c:x val="0.289293218321185"/>
+              <c:y val="0.885714285714286"/>
             </c:manualLayout>
           </c:layout>
           <c:overlay val="0"/>
@@ -554,17 +554,17 @@
             <a:endParaRPr lang="zh-CN"/>
           </a:p>
         </c:txPr>
-        <c:crossAx val="-2130255184"/>
+        <c:crossAx val="2137460416"/>
         <c:crosses val="autoZero"/>
         <c:crossBetween val="midCat"/>
-        <c:majorUnit val="1"/>
+        <c:majorUnit val="1.0"/>
       </c:valAx>
       <c:valAx>
-        <c:axId val="-2130255184"/>
+        <c:axId val="2137460416"/>
         <c:scaling>
           <c:orientation val="minMax"/>
-          <c:max val="300"/>
-          <c:min val="0"/>
+          <c:max val="300.0"/>
+          <c:min val="0.0"/>
         </c:scaling>
         <c:delete val="0"/>
         <c:axPos val="l"/>
@@ -643,7 +643,7 @@
             <a:endParaRPr lang="zh-CN"/>
           </a:p>
         </c:txPr>
-        <c:crossAx val="-2130250832"/>
+        <c:crossAx val="2142788480"/>
         <c:crosses val="autoZero"/>
         <c:crossBetween val="midCat"/>
       </c:valAx>
@@ -661,10 +661,10 @@
         <c:manualLayout>
           <c:xMode val="edge"/>
           <c:yMode val="edge"/>
-          <c:x val="0.21302136636103519"/>
-          <c:y val="0.16759020507052019"/>
-          <c:w val="0.72801896447294179"/>
-          <c:h val="0.10967275244440607"/>
+          <c:x val="0.213021366361035"/>
+          <c:y val="0.16759020507052"/>
+          <c:w val="0.728018964472942"/>
+          <c:h val="0.109672752444406"/>
         </c:manualLayout>
       </c:layout>
       <c:overlay val="0"/>
@@ -797,7 +797,7 @@
           <a:p>
             <a:fld id="{748D271C-352D-4CAD-B906-3CBED421147B}" type="datetimeFigureOut">
               <a:rPr lang="zh-CN" altLang="en-US" smtClean="0"/>
-              <a:t>2016/5/6</a:t>
+              <a:t>16/6/8</a:t>
             </a:fld>
             <a:endParaRPr lang="zh-CN" altLang="en-US"/>
           </a:p>
@@ -1108,28 +1108,83 @@
           <a:bodyPr/>
           <a:lstStyle/>
           <a:p>
+            <a:pPr marL="228600" indent="-228600">
+              <a:buAutoNum type="arabicPeriod"/>
+            </a:pPr>
             <a:r>
               <a:rPr lang="en-US" altLang="zh-CN" dirty="0"/>
-              <a:t>1. The</a:t>
+              <a:t>The GPGPU have been widely employed</a:t>
             </a:r>
             <a:r>
               <a:rPr lang="en-US" altLang="zh-CN" baseline="0" dirty="0"/>
-              <a:t> write driver is redesigned to enable a fine-grained access control on how many of STT-RAM bits can be read/write at the same time.</a:t>
-            </a:r>
-          </a:p>
-          <a:p>
+              <a:t> in computing system, thanks to its high throughput and high energy-efficiency for Watt per float point operations, </a:t>
+            </a:r>
+          </a:p>
+          <a:p>
+            <a:pPr marL="0" indent="0">
+              <a:buNone/>
+            </a:pPr>
             <a:r>
               <a:rPr lang="en-US" altLang="zh-CN" baseline="0" dirty="0"/>
-              <a:t>2. To minimize the control complexity, a bits group of 32-bit is controlled together as a unit. </a:t>
-            </a:r>
-          </a:p>
-          <a:p>
+              <a:t>   including deep learning, datacenter, and supercomputer. </a:t>
+            </a:r>
+          </a:p>
+          <a:p>
+            <a:pPr marL="0" indent="0">
+              <a:buNone/>
+            </a:pPr>
+            <a:endParaRPr lang="en-US" altLang="zh-CN" baseline="0" dirty="0" smtClean="0"/>
+          </a:p>
+          <a:p>
+            <a:pPr marL="0" indent="0">
+              <a:buNone/>
+            </a:pPr>
+            <a:r>
+              <a:rPr lang="en-US" altLang="zh-CN" baseline="0" dirty="0" smtClean="0"/>
+              <a:t>2. Google have used 176 GPUs to train the </a:t>
+            </a:r>
+            <a:r>
+              <a:rPr lang="en-US" altLang="zh-CN" baseline="0" dirty="0" err="1" smtClean="0"/>
+              <a:t>AlphaGO</a:t>
+            </a:r>
+            <a:r>
+              <a:rPr lang="en-US" altLang="zh-CN" baseline="0" dirty="0" smtClean="0"/>
+              <a:t> algorithm to beat human GO players. </a:t>
+            </a:r>
+          </a:p>
+          <a:p>
+            <a:pPr marL="0" indent="0">
+              <a:buNone/>
+            </a:pPr>
+            <a:endParaRPr lang="en-US" altLang="zh-CN" baseline="0" dirty="0"/>
+          </a:p>
+          <a:p>
+            <a:pPr marL="0" indent="0">
+              <a:buNone/>
+            </a:pPr>
             <a:r>
               <a:rPr lang="en-US" altLang="zh-CN" baseline="0" dirty="0"/>
-              <a:t>3. The signals from the compression engine are fed in as the control enabler.</a:t>
-            </a:r>
-          </a:p>
-          <a:p>
+              <a:t>2. The energy-efficiency of GPU becomes critical for future computing </a:t>
+            </a:r>
+            <a:r>
+              <a:rPr lang="en-US" altLang="zh-CN" baseline="0" dirty="0" smtClean="0"/>
+              <a:t>system</a:t>
+            </a:r>
+          </a:p>
+          <a:p>
+            <a:pPr marL="0" indent="0">
+              <a:buNone/>
+            </a:pPr>
+            <a:endParaRPr lang="en-US" altLang="zh-CN" baseline="0" dirty="0" smtClean="0"/>
+          </a:p>
+          <a:p>
+            <a:pPr marL="0" indent="0">
+              <a:buNone/>
+            </a:pPr>
+            <a:r>
+              <a:rPr lang="en-US" altLang="zh-CN" baseline="0" dirty="0" smtClean="0"/>
+              <a:t>.</a:t>
+            </a:r>
             <a:endParaRPr lang="en-US" altLang="zh-CN" baseline="0" dirty="0"/>
           </a:p>
         </p:txBody>
@@ -1151,7 +1206,113 @@
           <a:p>
             <a:fld id="{D02574DA-FECD-461B-9E18-DC6F3F06CF37}" type="slidenum">
               <a:rPr lang="zh-CN" altLang="en-US" smtClean="0"/>
-              <a:t>11</a:t>
+              <a:t>3</a:t>
+            </a:fld>
+            <a:endParaRPr lang="zh-CN" altLang="en-US"/>
+          </a:p>
+        </p:txBody>
+      </p:sp>
+    </p:spTree>
+    <p:extLst>
+      <p:ext uri="{BB962C8B-B14F-4D97-AF65-F5344CB8AC3E}">
+        <p14:creationId xmlns:p14="http://schemas.microsoft.com/office/powerpoint/2010/main" val="1830979176"/>
+      </p:ext>
+    </p:extLst>
+  </p:cSld>
+  <p:clrMapOvr>
+    <a:masterClrMapping/>
+  </p:clrMapOvr>
+</p:notes>
+</file>
+
+<file path=ppt/notesSlides/notesSlide2.xml><?xml version="1.0" encoding="utf-8"?>
+<p:notes xmlns:a="http://schemas.openxmlformats.org/drawingml/2006/main" xmlns:r="http://schemas.openxmlformats.org/officeDocument/2006/relationships" xmlns:p="http://schemas.openxmlformats.org/presentationml/2006/main">
+  <p:cSld>
+    <p:spTree>
+      <p:nvGrpSpPr>
+        <p:cNvPr id="1" name=""/>
+        <p:cNvGrpSpPr/>
+        <p:nvPr/>
+      </p:nvGrpSpPr>
+      <p:grpSpPr>
+        <a:xfrm>
+          <a:off x="0" y="0"/>
+          <a:ext cx="0" cy="0"/>
+          <a:chOff x="0" y="0"/>
+          <a:chExt cx="0" cy="0"/>
+        </a:xfrm>
+      </p:grpSpPr>
+      <p:sp>
+        <p:nvSpPr>
+          <p:cNvPr id="2" name="幻灯片图像占位符 1"/>
+          <p:cNvSpPr>
+            <a:spLocks noGrp="1" noRot="1" noChangeAspect="1"/>
+          </p:cNvSpPr>
+          <p:nvPr>
+            <p:ph type="sldImg"/>
+          </p:nvPr>
+        </p:nvSpPr>
+        <p:spPr/>
+      </p:sp>
+      <p:sp>
+        <p:nvSpPr>
+          <p:cNvPr id="3" name="备注占位符 2"/>
+          <p:cNvSpPr>
+            <a:spLocks noGrp="1"/>
+          </p:cNvSpPr>
+          <p:nvPr>
+            <p:ph type="body" idx="1"/>
+          </p:nvPr>
+        </p:nvSpPr>
+        <p:spPr/>
+        <p:txBody>
+          <a:bodyPr/>
+          <a:lstStyle/>
+          <a:p>
+            <a:r>
+              <a:rPr lang="en-US" altLang="zh-CN" dirty="0"/>
+              <a:t>1. The</a:t>
+            </a:r>
+            <a:r>
+              <a:rPr lang="en-US" altLang="zh-CN" baseline="0" dirty="0"/>
+              <a:t> write driver is redesigned to enable a fine-grained access control on how many of STT-RAM bits can be read/write at the same time.</a:t>
+            </a:r>
+          </a:p>
+          <a:p>
+            <a:r>
+              <a:rPr lang="en-US" altLang="zh-CN" baseline="0" dirty="0"/>
+              <a:t>2. To minimize the control complexity, a bits group of 32-bit is controlled together as a unit. </a:t>
+            </a:r>
+          </a:p>
+          <a:p>
+            <a:r>
+              <a:rPr lang="en-US" altLang="zh-CN" baseline="0" dirty="0"/>
+              <a:t>3. The signals from the compression engine are fed in as the control enabler.</a:t>
+            </a:r>
+          </a:p>
+          <a:p>
+            <a:endParaRPr lang="en-US" altLang="zh-CN" baseline="0" dirty="0"/>
+          </a:p>
+        </p:txBody>
+      </p:sp>
+      <p:sp>
+        <p:nvSpPr>
+          <p:cNvPr id="4" name="灯片编号占位符 3"/>
+          <p:cNvSpPr>
+            <a:spLocks noGrp="1"/>
+          </p:cNvSpPr>
+          <p:nvPr>
+            <p:ph type="sldNum" sz="quarter" idx="10"/>
+          </p:nvPr>
+        </p:nvSpPr>
+        <p:spPr/>
+        <p:txBody>
+          <a:bodyPr/>
+          <a:lstStyle/>
+          <a:p>
+            <a:fld id="{D02574DA-FECD-461B-9E18-DC6F3F06CF37}" type="slidenum">
+              <a:rPr lang="zh-CN" altLang="en-US" smtClean="0"/>
+              <a:t>10</a:t>
             </a:fld>
             <a:endParaRPr lang="zh-CN" altLang="en-US"/>
           </a:p>
@@ -1301,7 +1462,7 @@
           <a:p>
             <a:fld id="{E911C8FD-4810-4F75-855F-CC80D866E0AA}" type="datetime1">
               <a:rPr lang="zh-CN" altLang="en-US" smtClean="0"/>
-              <a:t>2016/5/6</a:t>
+              <a:t>16/6/8</a:t>
             </a:fld>
             <a:endParaRPr lang="zh-CN" altLang="en-US"/>
           </a:p>
@@ -1471,7 +1632,7 @@
           <a:p>
             <a:fld id="{4661ED03-F437-45C3-943F-4523BF91DF5B}" type="datetime1">
               <a:rPr lang="zh-CN" altLang="en-US" smtClean="0"/>
-              <a:t>2016/5/6</a:t>
+              <a:t>16/6/8</a:t>
             </a:fld>
             <a:endParaRPr lang="zh-CN" altLang="en-US"/>
           </a:p>
@@ -1651,7 +1812,7 @@
           <a:p>
             <a:fld id="{53937024-13D6-454F-999B-E213E25AB395}" type="datetime1">
               <a:rPr lang="zh-CN" altLang="en-US" smtClean="0"/>
-              <a:t>2016/5/6</a:t>
+              <a:t>16/6/8</a:t>
             </a:fld>
             <a:endParaRPr lang="zh-CN" altLang="en-US"/>
           </a:p>
@@ -1860,7 +2021,7 @@
           <a:p>
             <a:fld id="{6CF48468-B600-4F30-8020-DC631E9FD0D1}" type="datetime1">
               <a:rPr lang="zh-CN" altLang="en-US" smtClean="0"/>
-              <a:t>2016/5/6</a:t>
+              <a:t>16/6/8</a:t>
             </a:fld>
             <a:endParaRPr lang="zh-CN" altLang="en-US"/>
           </a:p>
@@ -2152,7 +2313,7 @@
           <a:p>
             <a:fld id="{373EA27A-E7BD-4556-9A56-CCA0D3D3B46E}" type="datetime1">
               <a:rPr lang="zh-CN" altLang="en-US" smtClean="0"/>
-              <a:t>2016/5/6</a:t>
+              <a:t>16/6/8</a:t>
             </a:fld>
             <a:endParaRPr lang="zh-CN" altLang="en-US"/>
           </a:p>
@@ -2384,7 +2545,7 @@
           <a:p>
             <a:fld id="{26CED171-AC69-4E54-B2CB-4B71B928064B}" type="datetime1">
               <a:rPr lang="zh-CN" altLang="en-US" smtClean="0"/>
-              <a:t>2016/5/6</a:t>
+              <a:t>16/6/8</a:t>
             </a:fld>
             <a:endParaRPr lang="zh-CN" altLang="en-US"/>
           </a:p>
@@ -2751,7 +2912,7 @@
           <a:p>
             <a:fld id="{3C5FAF92-6469-429A-A32B-F58BE5B2E146}" type="datetime1">
               <a:rPr lang="zh-CN" altLang="en-US" smtClean="0"/>
-              <a:t>2016/5/6</a:t>
+              <a:t>16/6/8</a:t>
             </a:fld>
             <a:endParaRPr lang="zh-CN" altLang="en-US"/>
           </a:p>
@@ -2869,7 +3030,7 @@
           <a:p>
             <a:fld id="{38B8541B-4461-42C2-A8A2-3ADEE9AE1073}" type="datetime1">
               <a:rPr lang="zh-CN" altLang="en-US" smtClean="0"/>
-              <a:t>2016/5/6</a:t>
+              <a:t>16/6/8</a:t>
             </a:fld>
             <a:endParaRPr lang="zh-CN" altLang="en-US"/>
           </a:p>
@@ -2964,7 +3125,7 @@
           <a:p>
             <a:fld id="{96D32555-47CA-488C-A0FD-8D67740B9F4B}" type="datetime1">
               <a:rPr lang="zh-CN" altLang="en-US" smtClean="0"/>
-              <a:t>2016/5/6</a:t>
+              <a:t>16/6/8</a:t>
             </a:fld>
             <a:endParaRPr lang="zh-CN" altLang="en-US"/>
           </a:p>
@@ -3241,7 +3402,7 @@
           <a:p>
             <a:fld id="{136DDF2A-CF9D-4C4F-BB36-2E20A1026A6F}" type="datetime1">
               <a:rPr lang="zh-CN" altLang="en-US" smtClean="0"/>
-              <a:t>2016/5/6</a:t>
+              <a:t>16/6/8</a:t>
             </a:fld>
             <a:endParaRPr lang="zh-CN" altLang="en-US"/>
           </a:p>
@@ -3498,7 +3659,7 @@
           <a:p>
             <a:fld id="{0259FB9F-1900-4F15-9BC4-246BB19C5C5F}" type="datetime1">
               <a:rPr lang="zh-CN" altLang="en-US" smtClean="0"/>
-              <a:t>2016/5/6</a:t>
+              <a:t>16/6/8</a:t>
             </a:fld>
             <a:endParaRPr lang="zh-CN" altLang="en-US"/>
           </a:p>
@@ -3711,7 +3872,7 @@
           <a:p>
             <a:fld id="{D57794B1-AAD2-4EB9-8486-6CBA3141C7B3}" type="datetime1">
               <a:rPr lang="zh-CN" altLang="en-US" smtClean="0"/>
-              <a:t>2016/5/6</a:t>
+              <a:t>16/6/8</a:t>
             </a:fld>
             <a:endParaRPr lang="zh-CN" altLang="en-US"/>
           </a:p>
@@ -4215,6 +4376,14 @@
               <a:t>Hang Zhang</a:t>
             </a:r>
             <a:r>
+              <a:rPr lang="en-US" altLang="zh-CN" b="1" baseline="30000" dirty="0">
+                <a:latin typeface="微软雅黑" panose="020B0503020204020204" pitchFamily="34" charset="-122"/>
+                <a:ea typeface="微软雅黑" panose="020B0503020204020204" pitchFamily="34" charset="-122"/>
+                <a:cs typeface="Arial" panose="020B0604020202020204" pitchFamily="34" charset="0"/>
+              </a:rPr>
+              <a:t>1</a:t>
+            </a:r>
+            <a:r>
               <a:rPr lang="en-US" altLang="zh-CN" dirty="0">
                 <a:latin typeface="微软雅黑" panose="020B0503020204020204" pitchFamily="34" charset="-122"/>
                 <a:ea typeface="微软雅黑" panose="020B0503020204020204" pitchFamily="34" charset="-122"/>
@@ -4236,7 +4405,23 @@
                 <a:ea typeface="微软雅黑" panose="020B0503020204020204" pitchFamily="34" charset="-122"/>
                 <a:cs typeface="Arial" panose="020B0604020202020204" pitchFamily="34" charset="0"/>
               </a:rPr>
-              <a:t> Chen, </a:t>
+              <a:t> Chen</a:t>
+            </a:r>
+            <a:r>
+              <a:rPr lang="en-US" altLang="zh-CN" baseline="30000" dirty="0">
+                <a:latin typeface="微软雅黑" panose="020B0503020204020204" pitchFamily="34" charset="-122"/>
+                <a:ea typeface="微软雅黑" panose="020B0503020204020204" pitchFamily="34" charset="-122"/>
+                <a:cs typeface="Arial" panose="020B0604020202020204" pitchFamily="34" charset="0"/>
+              </a:rPr>
+              <a:t>1</a:t>
+            </a:r>
+            <a:r>
+              <a:rPr lang="en-US" altLang="zh-CN" dirty="0">
+                <a:latin typeface="微软雅黑" panose="020B0503020204020204" pitchFamily="34" charset="-122"/>
+                <a:ea typeface="微软雅黑" panose="020B0503020204020204" pitchFamily="34" charset="-122"/>
+                <a:cs typeface="Arial" panose="020B0604020202020204" pitchFamily="34" charset="0"/>
+              </a:rPr>
+              <a:t>, </a:t>
             </a:r>
             <a:r>
               <a:rPr lang="en-US" altLang="zh-CN" dirty="0" err="1">
@@ -4252,7 +4437,31 @@
                 <a:ea typeface="微软雅黑" panose="020B0503020204020204" pitchFamily="34" charset="-122"/>
                 <a:cs typeface="Arial" panose="020B0604020202020204" pitchFamily="34" charset="0"/>
               </a:rPr>
-              <a:t> Xiao, Fang Liu</a:t>
+              <a:t> Xiao</a:t>
+            </a:r>
+            <a:r>
+              <a:rPr lang="en-US" altLang="zh-CN" baseline="30000" dirty="0">
+                <a:latin typeface="微软雅黑" panose="020B0503020204020204" pitchFamily="34" charset="-122"/>
+                <a:ea typeface="微软雅黑" panose="020B0503020204020204" pitchFamily="34" charset="-122"/>
+                <a:cs typeface="Arial" panose="020B0604020202020204" pitchFamily="34" charset="0"/>
+              </a:rPr>
+              <a:t>1,2</a:t>
+            </a:r>
+            <a:r>
+              <a:rPr lang="en-US" altLang="zh-CN" dirty="0">
+                <a:latin typeface="微软雅黑" panose="020B0503020204020204" pitchFamily="34" charset="-122"/>
+                <a:ea typeface="微软雅黑" panose="020B0503020204020204" pitchFamily="34" charset="-122"/>
+                <a:cs typeface="Arial" panose="020B0604020202020204" pitchFamily="34" charset="0"/>
+              </a:rPr>
+              <a:t>, Fang Liu</a:t>
+            </a:r>
+            <a:r>
+              <a:rPr lang="en-US" altLang="zh-CN" baseline="30000" dirty="0">
+                <a:latin typeface="微软雅黑" panose="020B0503020204020204" pitchFamily="34" charset="-122"/>
+                <a:ea typeface="微软雅黑" panose="020B0503020204020204" pitchFamily="34" charset="-122"/>
+                <a:cs typeface="Arial" panose="020B0604020202020204" pitchFamily="34" charset="0"/>
+              </a:rPr>
+              <a:t>1</a:t>
             </a:r>
           </a:p>
           <a:p>
@@ -4268,8 +4477,8 @@
         </p:nvSpPr>
         <p:spPr>
           <a:xfrm>
-            <a:off x="1606336" y="4530508"/>
-            <a:ext cx="6288774" cy="923330"/>
+            <a:off x="194310" y="4530508"/>
+            <a:ext cx="8949690" cy="923330"/>
           </a:xfrm>
           <a:prstGeom prst="rect">
             <a:avLst/>
@@ -4277,30 +4486,27 @@
           <a:noFill/>
         </p:spPr>
         <p:txBody>
-          <a:bodyPr wrap="none" rtlCol="0">
+          <a:bodyPr wrap="square" rtlCol="0">
             <a:spAutoFit/>
           </a:bodyPr>
           <a:lstStyle/>
           <a:p>
             <a:pPr algn="ctr"/>
+            <a:r>
+              <a:rPr lang="en-US" altLang="zh-CN" baseline="30000" dirty="0">
+                <a:latin typeface="微软雅黑" panose="020B0503020204020204" pitchFamily="34" charset="-122"/>
+                <a:ea typeface="微软雅黑" panose="020B0503020204020204" pitchFamily="34" charset="-122"/>
+                <a:cs typeface="Arial" panose="020B0604020202020204" pitchFamily="34" charset="0"/>
+              </a:rPr>
+              <a:t>1</a:t>
+            </a:r>
             <a:r>
               <a:rPr lang="en-US" altLang="zh-CN" dirty="0">
                 <a:latin typeface="微软雅黑" panose="020B0503020204020204" pitchFamily="34" charset="-122"/>
                 <a:ea typeface="微软雅黑" panose="020B0503020204020204" pitchFamily="34" charset="-122"/>
                 <a:cs typeface="Arial" panose="020B0604020202020204" pitchFamily="34" charset="0"/>
               </a:rPr>
-              <a:t>State Key Laboratory of High Performance Computing, </a:t>
-            </a:r>
-          </a:p>
-          <a:p>
-            <a:pPr algn="ctr"/>
-            <a:r>
-              <a:rPr lang="en-US" altLang="zh-CN" dirty="0">
-                <a:latin typeface="微软雅黑" panose="020B0503020204020204" pitchFamily="34" charset="-122"/>
-                <a:ea typeface="微软雅黑" panose="020B0503020204020204" pitchFamily="34" charset="-122"/>
-                <a:cs typeface="Arial" panose="020B0604020202020204" pitchFamily="34" charset="0"/>
-              </a:rPr>
-              <a:t>College of Computer, </a:t>
+              <a:t>State Key Laboratory of High Performance Computing, College of Computer, </a:t>
             </a:r>
           </a:p>
           <a:p>
@@ -4312,6 +4518,37 @@
                 <a:cs typeface="Arial" panose="020B0604020202020204" pitchFamily="34" charset="0"/>
               </a:rPr>
               <a:t>National University of Defense Technology, China</a:t>
+            </a:r>
+          </a:p>
+          <a:p>
+            <a:pPr algn="ctr"/>
+            <a:r>
+              <a:rPr lang="en-US" altLang="zh-CN" baseline="30000" dirty="0">
+                <a:latin typeface="微软雅黑" panose="020B0503020204020204" pitchFamily="34" charset="-122"/>
+                <a:ea typeface="微软雅黑" panose="020B0503020204020204" pitchFamily="34" charset="-122"/>
+              </a:rPr>
+              <a:t>2</a:t>
+            </a:r>
+            <a:r>
+              <a:rPr lang="en-US" altLang="zh-CN" dirty="0">
+                <a:latin typeface="微软雅黑" panose="020B0503020204020204" pitchFamily="34" charset="-122"/>
+                <a:ea typeface="微软雅黑" panose="020B0503020204020204" pitchFamily="34" charset="-122"/>
+              </a:rPr>
+              <a:t>School of Data and Computer Science, Sun </a:t>
+            </a:r>
+            <a:r>
+              <a:rPr lang="en-US" altLang="zh-CN" dirty="0" err="1">
+                <a:latin typeface="微软雅黑" panose="020B0503020204020204" pitchFamily="34" charset="-122"/>
+                <a:ea typeface="微软雅黑" panose="020B0503020204020204" pitchFamily="34" charset="-122"/>
+              </a:rPr>
+              <a:t>Yat-sen</a:t>
+            </a:r>
+            <a:r>
+              <a:rPr lang="en-US" altLang="zh-CN" dirty="0">
+                <a:latin typeface="微软雅黑" panose="020B0503020204020204" pitchFamily="34" charset="-122"/>
+                <a:ea typeface="微软雅黑" panose="020B0503020204020204" pitchFamily="34" charset="-122"/>
+              </a:rPr>
+              <a:t> University</a:t>
             </a:r>
             <a:endParaRPr lang="zh-CN" altLang="en-US" dirty="0">
               <a:latin typeface="微软雅黑" panose="020B0503020204020204" pitchFamily="34" charset="-122"/>
@@ -4369,16 +4606,14 @@
         </p:nvSpPr>
         <p:spPr/>
         <p:txBody>
-          <a:bodyPr>
-            <a:normAutofit/>
-          </a:bodyPr>
+          <a:bodyPr/>
           <a:lstStyle/>
           <a:p>
             <a:r>
-              <a:rPr lang="en-US" altLang="zh-CN" sz="3200" dirty="0"/>
-              <a:t>A lightweight compression framework</a:t>
-            </a:r>
-            <a:endParaRPr lang="zh-CN" altLang="en-US" sz="3200" dirty="0"/>
+              <a:rPr lang="en-US" altLang="zh-CN" dirty="0"/>
+              <a:t>Write driver enhancement</a:t>
+            </a:r>
+            <a:endParaRPr lang="zh-CN" altLang="en-US" dirty="0"/>
           </a:p>
         </p:txBody>
       </p:sp>
@@ -4392,105 +4627,86 @@
             <p:ph idx="1"/>
           </p:nvPr>
         </p:nvSpPr>
-        <p:spPr>
-          <a:xfrm>
-            <a:off x="628649" y="1571105"/>
-            <a:ext cx="6759122" cy="4605858"/>
-          </a:xfrm>
-        </p:spPr>
+        <p:spPr/>
         <p:txBody>
           <a:bodyPr/>
           <a:lstStyle/>
           <a:p>
             <a:r>
               <a:rPr lang="en-US" altLang="zh-CN" dirty="0"/>
-              <a:t>Base-Delta-Intermediate (BDI) compression</a:t>
+              <a:t>Fine grained write driver control</a:t>
             </a:r>
           </a:p>
           <a:p>
             <a:pPr lvl="1"/>
             <a:r>
               <a:rPr lang="en-US" altLang="zh-CN" dirty="0"/>
-              <a:t>lightweight: 1 cycle compress/decompression</a:t>
+              <a:t>32 groups for 1024-bit register </a:t>
+            </a:r>
+            <a:r>
+              <a:rPr lang="en-US" altLang="zh-CN" dirty="0" smtClean="0"/>
+              <a:t>entry</a:t>
             </a:r>
           </a:p>
           <a:p>
             <a:pPr lvl="1"/>
             <a:r>
+              <a:rPr lang="en-US" altLang="zh-CN" dirty="0" smtClean="0"/>
+              <a:t>32-bits per group are controlled together</a:t>
+            </a:r>
+            <a:endParaRPr lang="en-US" altLang="zh-CN" dirty="0"/>
+          </a:p>
+          <a:p>
+            <a:pPr lvl="1"/>
+            <a:r>
               <a:rPr lang="en-US" altLang="zh-CN" dirty="0"/>
-              <a:t>high compression ratio: when data are similar </a:t>
+              <a:t>e</a:t>
+            </a:r>
+            <a:r>
+              <a:rPr lang="en-US" altLang="zh-CN" dirty="0" smtClean="0"/>
+              <a:t>nable signals are </a:t>
+            </a:r>
+            <a:r>
+              <a:rPr lang="en-US" altLang="zh-CN" dirty="0"/>
+              <a:t>from the compression </a:t>
+            </a:r>
+            <a:r>
+              <a:rPr lang="en-US" altLang="zh-CN" dirty="0" smtClean="0"/>
+              <a:t>engine</a:t>
             </a:r>
           </a:p>
           <a:p>
             <a:pPr lvl="2"/>
             <a:r>
               <a:rPr lang="en-US" altLang="zh-CN" dirty="0"/>
-              <a:t>Value similarity on SIMT</a:t>
-            </a:r>
-            <a:r>
-              <a:rPr lang="zh-CN" altLang="en-US" dirty="0"/>
-              <a:t> </a:t>
-            </a:r>
-            <a:r>
-              <a:rPr lang="en-US" altLang="zh-CN" dirty="0"/>
-              <a:t>architecture</a:t>
-            </a:r>
-          </a:p>
-          <a:p>
-            <a:pPr lvl="1"/>
-            <a:endParaRPr lang="en-US" altLang="zh-CN" dirty="0"/>
-          </a:p>
-          <a:p>
-            <a:r>
-              <a:rPr lang="en-US" altLang="zh-CN" dirty="0"/>
-              <a:t>If a data word can be compressed</a:t>
-            </a:r>
-          </a:p>
-          <a:p>
-            <a:pPr lvl="1"/>
-            <a:r>
-              <a:rPr lang="en-US" altLang="zh-CN" dirty="0"/>
-              <a:t>Base: first data chunk </a:t>
-            </a:r>
-          </a:p>
-          <a:p>
-            <a:pPr lvl="1"/>
-            <a:r>
-              <a:rPr lang="en-US" altLang="zh-CN" dirty="0"/>
-              <a:t>Delta: difference with base</a:t>
-            </a:r>
-          </a:p>
-          <a:p>
-            <a:pPr lvl="1"/>
-            <a:r>
-              <a:rPr lang="en-US" altLang="zh-CN" dirty="0"/>
-              <a:t>Intermediate </a:t>
-            </a:r>
-          </a:p>
-          <a:p>
-            <a:pPr lvl="1"/>
+              <a:t>c</a:t>
+            </a:r>
+            <a:r>
+              <a:rPr lang="en-US" altLang="zh-CN" dirty="0" smtClean="0"/>
+              <a:t>ontrol which part of the groups are read/write </a:t>
+            </a:r>
             <a:endParaRPr lang="zh-CN" altLang="en-US" dirty="0"/>
           </a:p>
         </p:txBody>
       </p:sp>
       <p:pic>
         <p:nvPicPr>
-          <p:cNvPr id="5" name="图片 4"/>
+          <p:cNvPr id="6" name="图片 5"/>
           <p:cNvPicPr>
             <a:picLocks noChangeAspect="1"/>
           </p:cNvPicPr>
           <p:nvPr/>
         </p:nvPicPr>
         <p:blipFill>
-          <a:blip r:embed="rId2"/>
+          <a:blip r:embed="rId3"/>
           <a:stretch>
             <a:fillRect/>
           </a:stretch>
         </p:blipFill>
         <p:spPr>
           <a:xfrm>
-            <a:off x="4572000" y="3679700"/>
-            <a:ext cx="3619629" cy="2497263"/>
+            <a:off x="1788049" y="3311611"/>
+            <a:ext cx="5929121" cy="3546389"/>
           </a:xfrm>
           <a:prstGeom prst="rect">
             <a:avLst/>
@@ -4523,7 +4739,7 @@
     </p:spTree>
     <p:extLst>
       <p:ext uri="{BB962C8B-B14F-4D97-AF65-F5344CB8AC3E}">
-        <p14:creationId xmlns:p14="http://schemas.microsoft.com/office/powerpoint/2010/main" val="2319854809"/>
+        <p14:creationId xmlns:p14="http://schemas.microsoft.com/office/powerpoint/2010/main" val="3740589667"/>
       </p:ext>
     </p:extLst>
   </p:cSld>
@@ -4533,7 +4749,208 @@
   <p:timing>
     <p:tnLst>
       <p:par>
-        <p:cTn id="1" dur="indefinite" restart="never" nodeType="tmRoot"/>
+        <p:cTn id="1" dur="indefinite" restart="never" nodeType="tmRoot">
+          <p:childTnLst>
+            <p:seq concurrent="1" nextAc="seek">
+              <p:cTn id="2" dur="indefinite" nodeType="mainSeq">
+                <p:childTnLst>
+                  <p:par>
+                    <p:cTn id="3" fill="hold">
+                      <p:stCondLst>
+                        <p:cond delay="indefinite"/>
+                      </p:stCondLst>
+                      <p:childTnLst>
+                        <p:par>
+                          <p:cTn id="4" fill="hold">
+                            <p:stCondLst>
+                              <p:cond delay="0"/>
+                            </p:stCondLst>
+                            <p:childTnLst>
+                              <p:par>
+                                <p:cTn id="5" presetID="1" presetClass="entr" presetSubtype="0" fill="hold" nodeType="clickEffect">
+                                  <p:stCondLst>
+                                    <p:cond delay="0"/>
+                                  </p:stCondLst>
+                                  <p:childTnLst>
+                                    <p:set>
+                                      <p:cBhvr>
+                                        <p:cTn id="6" dur="1" fill="hold">
+                                          <p:stCondLst>
+                                            <p:cond delay="0"/>
+                                          </p:stCondLst>
+                                        </p:cTn>
+                                        <p:tgtEl>
+                                          <p:spTgt spid="3">
+                                            <p:txEl>
+                                              <p:pRg st="1" end="1"/>
+                                            </p:txEl>
+                                          </p:spTgt>
+                                        </p:tgtEl>
+                                        <p:attrNameLst>
+                                          <p:attrName>style.visibility</p:attrName>
+                                        </p:attrNameLst>
+                                      </p:cBhvr>
+                                      <p:to>
+                                        <p:strVal val="visible"/>
+                                      </p:to>
+                                    </p:set>
+                                  </p:childTnLst>
+                                </p:cTn>
+                              </p:par>
+                            </p:childTnLst>
+                          </p:cTn>
+                        </p:par>
+                      </p:childTnLst>
+                    </p:cTn>
+                  </p:par>
+                  <p:par>
+                    <p:cTn id="7" fill="hold">
+                      <p:stCondLst>
+                        <p:cond delay="indefinite"/>
+                      </p:stCondLst>
+                      <p:childTnLst>
+                        <p:par>
+                          <p:cTn id="8" fill="hold">
+                            <p:stCondLst>
+                              <p:cond delay="0"/>
+                            </p:stCondLst>
+                            <p:childTnLst>
+                              <p:par>
+                                <p:cTn id="9" presetID="1" presetClass="entr" presetSubtype="0" fill="hold" nodeType="clickEffect">
+                                  <p:stCondLst>
+                                    <p:cond delay="0"/>
+                                  </p:stCondLst>
+                                  <p:childTnLst>
+                                    <p:set>
+                                      <p:cBhvr>
+                                        <p:cTn id="10" dur="1" fill="hold">
+                                          <p:stCondLst>
+                                            <p:cond delay="0"/>
+                                          </p:stCondLst>
+                                        </p:cTn>
+                                        <p:tgtEl>
+                                          <p:spTgt spid="3">
+                                            <p:txEl>
+                                              <p:pRg st="2" end="2"/>
+                                            </p:txEl>
+                                          </p:spTgt>
+                                        </p:tgtEl>
+                                        <p:attrNameLst>
+                                          <p:attrName>style.visibility</p:attrName>
+                                        </p:attrNameLst>
+                                      </p:cBhvr>
+                                      <p:to>
+                                        <p:strVal val="visible"/>
+                                      </p:to>
+                                    </p:set>
+                                  </p:childTnLst>
+                                </p:cTn>
+                              </p:par>
+                            </p:childTnLst>
+                          </p:cTn>
+                        </p:par>
+                      </p:childTnLst>
+                    </p:cTn>
+                  </p:par>
+                  <p:par>
+                    <p:cTn id="11" fill="hold">
+                      <p:stCondLst>
+                        <p:cond delay="indefinite"/>
+                      </p:stCondLst>
+                      <p:childTnLst>
+                        <p:par>
+                          <p:cTn id="12" fill="hold">
+                            <p:stCondLst>
+                              <p:cond delay="0"/>
+                            </p:stCondLst>
+                            <p:childTnLst>
+                              <p:par>
+                                <p:cTn id="13" presetID="1" presetClass="entr" presetSubtype="0" fill="hold" nodeType="clickEffect">
+                                  <p:stCondLst>
+                                    <p:cond delay="0"/>
+                                  </p:stCondLst>
+                                  <p:childTnLst>
+                                    <p:set>
+                                      <p:cBhvr>
+                                        <p:cTn id="14" dur="1" fill="hold">
+                                          <p:stCondLst>
+                                            <p:cond delay="0"/>
+                                          </p:stCondLst>
+                                        </p:cTn>
+                                        <p:tgtEl>
+                                          <p:spTgt spid="3">
+                                            <p:txEl>
+                                              <p:pRg st="3" end="3"/>
+                                            </p:txEl>
+                                          </p:spTgt>
+                                        </p:tgtEl>
+                                        <p:attrNameLst>
+                                          <p:attrName>style.visibility</p:attrName>
+                                        </p:attrNameLst>
+                                      </p:cBhvr>
+                                      <p:to>
+                                        <p:strVal val="visible"/>
+                                      </p:to>
+                                    </p:set>
+                                  </p:childTnLst>
+                                </p:cTn>
+                              </p:par>
+                              <p:par>
+                                <p:cTn id="15" presetID="1" presetClass="entr" presetSubtype="0" fill="hold" nodeType="withEffect">
+                                  <p:stCondLst>
+                                    <p:cond delay="0"/>
+                                  </p:stCondLst>
+                                  <p:childTnLst>
+                                    <p:set>
+                                      <p:cBhvr>
+                                        <p:cTn id="16" dur="1" fill="hold">
+                                          <p:stCondLst>
+                                            <p:cond delay="0"/>
+                                          </p:stCondLst>
+                                        </p:cTn>
+                                        <p:tgtEl>
+                                          <p:spTgt spid="3">
+                                            <p:txEl>
+                                              <p:pRg st="4" end="4"/>
+                                            </p:txEl>
+                                          </p:spTgt>
+                                        </p:tgtEl>
+                                        <p:attrNameLst>
+                                          <p:attrName>style.visibility</p:attrName>
+                                        </p:attrNameLst>
+                                      </p:cBhvr>
+                                      <p:to>
+                                        <p:strVal val="visible"/>
+                                      </p:to>
+                                    </p:set>
+                                  </p:childTnLst>
+                                </p:cTn>
+                              </p:par>
+                            </p:childTnLst>
+                          </p:cTn>
+                        </p:par>
+                      </p:childTnLst>
+                    </p:cTn>
+                  </p:par>
+                </p:childTnLst>
+              </p:cTn>
+              <p:prevCondLst>
+                <p:cond evt="onPrev" delay="0">
+                  <p:tgtEl>
+                    <p:sldTgt/>
+                  </p:tgtEl>
+                </p:cond>
+              </p:prevCondLst>
+              <p:nextCondLst>
+                <p:cond evt="onNext" delay="0">
+                  <p:tgtEl>
+                    <p:sldTgt/>
+                  </p:tgtEl>
+                </p:cond>
+              </p:nextCondLst>
+            </p:seq>
+          </p:childTnLst>
+        </p:cTn>
       </p:par>
     </p:tnLst>
   </p:timing>
@@ -4559,150 +4976,6 @@
       </p:grpSpPr>
       <p:sp>
         <p:nvSpPr>
-          <p:cNvPr id="2" name="标题 1"/>
-          <p:cNvSpPr>
-            <a:spLocks noGrp="1"/>
-          </p:cNvSpPr>
-          <p:nvPr>
-            <p:ph type="title"/>
-          </p:nvPr>
-        </p:nvSpPr>
-        <p:spPr/>
-        <p:txBody>
-          <a:bodyPr/>
-          <a:lstStyle/>
-          <a:p>
-            <a:r>
-              <a:rPr lang="en-US" altLang="zh-CN" dirty="0"/>
-              <a:t>Write driver enhancement</a:t>
-            </a:r>
-            <a:endParaRPr lang="zh-CN" altLang="en-US" dirty="0"/>
-          </a:p>
-        </p:txBody>
-      </p:sp>
-      <p:sp>
-        <p:nvSpPr>
-          <p:cNvPr id="3" name="内容占位符 2"/>
-          <p:cNvSpPr>
-            <a:spLocks noGrp="1"/>
-          </p:cNvSpPr>
-          <p:nvPr>
-            <p:ph idx="1"/>
-          </p:nvPr>
-        </p:nvSpPr>
-        <p:spPr/>
-        <p:txBody>
-          <a:bodyPr/>
-          <a:lstStyle/>
-          <a:p>
-            <a:r>
-              <a:rPr lang="en-US" altLang="zh-CN" dirty="0"/>
-              <a:t>Fine Grained Write Driver Control</a:t>
-            </a:r>
-          </a:p>
-          <a:p>
-            <a:pPr lvl="1"/>
-            <a:r>
-              <a:rPr lang="en-US" altLang="zh-CN" dirty="0"/>
-              <a:t>32 groups for 1024-bit register entry</a:t>
-            </a:r>
-          </a:p>
-          <a:p>
-            <a:pPr lvl="1"/>
-            <a:r>
-              <a:rPr lang="en-US" altLang="zh-CN" dirty="0"/>
-              <a:t>Enable signals from the compression engine</a:t>
-            </a:r>
-            <a:endParaRPr lang="zh-CN" altLang="en-US" dirty="0"/>
-          </a:p>
-        </p:txBody>
-      </p:sp>
-      <p:pic>
-        <p:nvPicPr>
-          <p:cNvPr id="6" name="图片 5"/>
-          <p:cNvPicPr>
-            <a:picLocks noChangeAspect="1"/>
-          </p:cNvPicPr>
-          <p:nvPr/>
-        </p:nvPicPr>
-        <p:blipFill>
-          <a:blip r:embed="rId3"/>
-          <a:stretch>
-            <a:fillRect/>
-          </a:stretch>
-        </p:blipFill>
-        <p:spPr>
-          <a:xfrm>
-            <a:off x="2087419" y="2655769"/>
-            <a:ext cx="5469003" cy="3271179"/>
-          </a:xfrm>
-          <a:prstGeom prst="rect">
-            <a:avLst/>
-          </a:prstGeom>
-        </p:spPr>
-      </p:pic>
-      <p:sp>
-        <p:nvSpPr>
-          <p:cNvPr id="4" name="灯片编号占位符 3"/>
-          <p:cNvSpPr>
-            <a:spLocks noGrp="1"/>
-          </p:cNvSpPr>
-          <p:nvPr>
-            <p:ph type="sldNum" sz="quarter" idx="12"/>
-          </p:nvPr>
-        </p:nvSpPr>
-        <p:spPr/>
-        <p:txBody>
-          <a:bodyPr/>
-          <a:lstStyle/>
-          <a:p>
-            <a:fld id="{378697A6-3D32-4AE2-8A24-FFFF79AA4288}" type="slidenum">
-              <a:rPr lang="zh-CN" altLang="en-US" smtClean="0"/>
-              <a:t>11</a:t>
-            </a:fld>
-            <a:endParaRPr lang="zh-CN" altLang="en-US"/>
-          </a:p>
-        </p:txBody>
-      </p:sp>
-    </p:spTree>
-    <p:extLst>
-      <p:ext uri="{BB962C8B-B14F-4D97-AF65-F5344CB8AC3E}">
-        <p14:creationId xmlns:p14="http://schemas.microsoft.com/office/powerpoint/2010/main" val="3740589667"/>
-      </p:ext>
-    </p:extLst>
-  </p:cSld>
-  <p:clrMapOvr>
-    <a:masterClrMapping/>
-  </p:clrMapOvr>
-  <p:timing>
-    <p:tnLst>
-      <p:par>
-        <p:cTn id="1" dur="indefinite" restart="never" nodeType="tmRoot"/>
-      </p:par>
-    </p:tnLst>
-  </p:timing>
-</p:sld>
-</file>
-
-<file path=ppt/slides/slide12.xml><?xml version="1.0" encoding="utf-8"?>
-<p:sld xmlns:a="http://schemas.openxmlformats.org/drawingml/2006/main" xmlns:r="http://schemas.openxmlformats.org/officeDocument/2006/relationships" xmlns:p="http://schemas.openxmlformats.org/presentationml/2006/main">
-  <p:cSld>
-    <p:spTree>
-      <p:nvGrpSpPr>
-        <p:cNvPr id="1" name=""/>
-        <p:cNvGrpSpPr/>
-        <p:nvPr/>
-      </p:nvGrpSpPr>
-      <p:grpSpPr>
-        <a:xfrm>
-          <a:off x="0" y="0"/>
-          <a:ext cx="0" cy="0"/>
-          <a:chOff x="0" y="0"/>
-          <a:chExt cx="0" cy="0"/>
-        </a:xfrm>
-      </p:grpSpPr>
-      <p:sp>
-        <p:nvSpPr>
           <p:cNvPr id="31" name="内容占位符 2"/>
           <p:cNvSpPr>
             <a:spLocks noGrp="1"/>
@@ -4722,14 +4995,14 @@
           <a:lstStyle/>
           <a:p>
             <a:r>
-              <a:rPr lang="en-US" altLang="zh-CN" dirty="0"/>
+              <a:rPr lang="en-US" altLang="zh-CN" dirty="0" smtClean="0"/>
               <a:t>Prior SRAM buffer design</a:t>
             </a:r>
           </a:p>
           <a:p>
             <a:pPr lvl="1"/>
             <a:r>
-              <a:rPr lang="en-US" altLang="zh-CN" dirty="0"/>
+              <a:rPr lang="en-US" altLang="zh-CN" dirty="0" smtClean="0"/>
               <a:t>Each bank has its own write buffer</a:t>
             </a:r>
             <a:endParaRPr lang="zh-CN" altLang="en-US" dirty="0"/>
@@ -4773,7 +5046,7 @@
           <a:p>
             <a:pPr algn="ctr"/>
             <a:r>
-              <a:rPr lang="en-US" altLang="zh-CN" sz="1600" dirty="0"/>
+              <a:rPr lang="en-US" altLang="zh-CN" sz="1600" dirty="0" smtClean="0"/>
               <a:t>A</a:t>
             </a:r>
             <a:endParaRPr lang="zh-CN" altLang="en-US" sz="1600" dirty="0"/>
@@ -4820,7 +5093,7 @@
           <a:p>
             <a:fld id="{378697A6-3D32-4AE2-8A24-FFFF79AA4288}" type="slidenum">
               <a:rPr lang="zh-CN" altLang="en-US" smtClean="0"/>
-              <a:t>12</a:t>
+              <a:t>11</a:t>
             </a:fld>
             <a:endParaRPr lang="zh-CN" altLang="en-US"/>
           </a:p>
@@ -4861,7 +5134,7 @@
           <a:p>
             <a:pPr algn="ctr"/>
             <a:r>
-              <a:rPr lang="en-US" altLang="zh-CN" dirty="0"/>
+              <a:rPr lang="en-US" altLang="zh-CN" dirty="0" smtClean="0"/>
               <a:t>Bank1</a:t>
             </a:r>
             <a:endParaRPr lang="zh-CN" altLang="en-US" dirty="0"/>
@@ -4905,7 +5178,7 @@
           <a:p>
             <a:pPr algn="ctr"/>
             <a:r>
-              <a:rPr lang="en-US" altLang="zh-CN" sz="1600" dirty="0"/>
+              <a:rPr lang="en-US" altLang="zh-CN" sz="1600" dirty="0" smtClean="0"/>
               <a:t>Buffer1</a:t>
             </a:r>
             <a:endParaRPr lang="zh-CN" altLang="en-US" sz="1600" dirty="0"/>
@@ -4947,7 +5220,7 @@
           <a:p>
             <a:pPr algn="ctr"/>
             <a:r>
-              <a:rPr lang="en-US" altLang="zh-CN" dirty="0"/>
+              <a:rPr lang="en-US" altLang="zh-CN" dirty="0" smtClean="0"/>
               <a:t>Bank2</a:t>
             </a:r>
             <a:endParaRPr lang="zh-CN" altLang="en-US" dirty="0"/>
@@ -4991,7 +5264,7 @@
           <a:p>
             <a:pPr algn="ctr"/>
             <a:r>
-              <a:rPr lang="en-US" altLang="zh-CN" sz="1600" dirty="0"/>
+              <a:rPr lang="en-US" altLang="zh-CN" sz="1600" dirty="0" smtClean="0"/>
               <a:t>Buffer2</a:t>
             </a:r>
             <a:endParaRPr lang="zh-CN" altLang="en-US" sz="1600" dirty="0"/>
@@ -5033,7 +5306,7 @@
           <a:p>
             <a:pPr algn="ctr"/>
             <a:r>
-              <a:rPr lang="en-US" altLang="zh-CN" dirty="0"/>
+              <a:rPr lang="en-US" altLang="zh-CN" dirty="0" smtClean="0"/>
               <a:t>Bank3</a:t>
             </a:r>
             <a:endParaRPr lang="zh-CN" altLang="en-US" dirty="0"/>
@@ -5077,8 +5350,8 @@
           <a:p>
             <a:pPr algn="ctr"/>
             <a:r>
-              <a:rPr lang="en-US" altLang="zh-CN" sz="1600" dirty="0"/>
-              <a:t>Buffer2</a:t>
+              <a:rPr lang="en-US" altLang="zh-CN" sz="1600" dirty="0" smtClean="0"/>
+              <a:t>Buffer3</a:t>
             </a:r>
             <a:endParaRPr lang="zh-CN" altLang="en-US" sz="1600" dirty="0"/>
           </a:p>
@@ -5121,7 +5394,7 @@
           <a:p>
             <a:pPr algn="ctr"/>
             <a:r>
-              <a:rPr lang="en-US" altLang="zh-CN" dirty="0"/>
+              <a:rPr lang="en-US" altLang="zh-CN" dirty="0" smtClean="0"/>
               <a:t>A</a:t>
             </a:r>
             <a:endParaRPr lang="zh-CN" altLang="en-US" dirty="0"/>
@@ -5248,7 +5521,7 @@
           <a:p>
             <a:pPr algn="ctr"/>
             <a:r>
-              <a:rPr lang="en-US" altLang="zh-CN" dirty="0"/>
+              <a:rPr lang="en-US" altLang="zh-CN" dirty="0" smtClean="0"/>
               <a:t>Bank1</a:t>
             </a:r>
             <a:endParaRPr lang="zh-CN" altLang="en-US" dirty="0"/>
@@ -5292,7 +5565,7 @@
           <a:p>
             <a:pPr algn="ctr"/>
             <a:r>
-              <a:rPr lang="en-US" altLang="zh-CN" dirty="0"/>
+              <a:rPr lang="en-US" altLang="zh-CN" dirty="0" smtClean="0"/>
               <a:t>Bank1</a:t>
             </a:r>
             <a:endParaRPr lang="zh-CN" altLang="en-US" dirty="0"/>
@@ -5322,7 +5595,7 @@
           <a:lstStyle/>
           <a:p>
             <a:r>
-              <a:rPr lang="en-US" altLang="zh-CN" dirty="0">
+              <a:rPr lang="en-US" altLang="zh-CN" dirty="0" smtClean="0">
                 <a:solidFill>
                   <a:srgbClr val="FF0000"/>
                 </a:solidFill>
@@ -5362,7 +5635,7 @@
           <a:lstStyle/>
           <a:p>
             <a:r>
-              <a:rPr lang="en-US" altLang="zh-CN" dirty="0">
+              <a:rPr lang="en-US" altLang="zh-CN" dirty="0" smtClean="0">
                 <a:latin typeface="Helvetica" panose="020B0604020202030204" pitchFamily="34" charset="0"/>
               </a:rPr>
               <a:t>Register  Requests</a:t>
@@ -5396,7 +5669,7 @@
           <a:lstStyle/>
           <a:p>
             <a:r>
-              <a:rPr lang="en-US" altLang="zh-CN" dirty="0">
+              <a:rPr lang="en-US" altLang="zh-CN" dirty="0" smtClean="0">
                 <a:solidFill>
                   <a:schemeClr val="accent5"/>
                 </a:solidFill>
@@ -5486,7 +5759,7 @@
     </p:spTree>
     <p:extLst>
       <p:ext uri="{BB962C8B-B14F-4D97-AF65-F5344CB8AC3E}">
-        <p14:creationId xmlns:p14="http://schemas.microsoft.com/office/powerpoint/2010/main" val="1738592295"/>
+        <p14:creationId xmlns:p14="http://schemas.microsoft.com/office/powerpoint/2010/main" val="184501218"/>
       </p:ext>
     </p:extLst>
   </p:cSld>
@@ -5941,7 +6214,7 @@
 </p:sld>
 </file>
 
-<file path=ppt/slides/slide13.xml><?xml version="1.0" encoding="utf-8"?>
+<file path=ppt/slides/slide12.xml><?xml version="1.0" encoding="utf-8"?>
 <p:sld xmlns:a="http://schemas.openxmlformats.org/drawingml/2006/main" xmlns:r="http://schemas.openxmlformats.org/officeDocument/2006/relationships" xmlns:p="http://schemas.openxmlformats.org/presentationml/2006/main">
   <p:cSld>
     <p:spTree>
@@ -5998,7 +6271,7 @@
           <a:p>
             <a:fld id="{378697A6-3D32-4AE2-8A24-FFFF79AA4288}" type="slidenum">
               <a:rPr lang="zh-CN" altLang="en-US" smtClean="0"/>
-              <a:t>13</a:t>
+              <a:t>12</a:t>
             </a:fld>
             <a:endParaRPr lang="zh-CN" altLang="en-US"/>
           </a:p>
@@ -6849,7 +7122,7 @@
 </p:sld>
 </file>
 
-<file path=ppt/slides/slide14.xml><?xml version="1.0" encoding="utf-8"?>
+<file path=ppt/slides/slide13.xml><?xml version="1.0" encoding="utf-8"?>
 <p:sld xmlns:a="http://schemas.openxmlformats.org/drawingml/2006/main" xmlns:r="http://schemas.openxmlformats.org/officeDocument/2006/relationships" xmlns:p="http://schemas.openxmlformats.org/presentationml/2006/main">
   <p:cSld>
     <p:spTree>
@@ -7191,7 +7464,7 @@
           <a:p>
             <a:fld id="{378697A6-3D32-4AE2-8A24-FFFF79AA4288}" type="slidenum">
               <a:rPr lang="zh-CN" altLang="en-US" smtClean="0"/>
-              <a:t>14</a:t>
+              <a:t>13</a:t>
             </a:fld>
             <a:endParaRPr lang="zh-CN" altLang="en-US"/>
           </a:p>
@@ -7811,14 +8084,26 @@
             <a:pPr lvl="1"/>
             <a:r>
               <a:rPr lang="en-US" altLang="zh-CN" dirty="0"/>
-              <a:t>Better utilization</a:t>
+              <a:t>b</a:t>
+            </a:r>
+            <a:r>
+              <a:rPr lang="en-US" altLang="zh-CN" dirty="0" smtClean="0"/>
+              <a:t>etter </a:t>
+            </a:r>
+            <a:r>
+              <a:rPr lang="en-US" altLang="zh-CN" dirty="0"/>
+              <a:t>utilization</a:t>
             </a:r>
           </a:p>
           <a:p>
             <a:pPr lvl="1"/>
             <a:r>
+              <a:rPr lang="en-US" altLang="zh-CN" dirty="0" smtClean="0"/>
+              <a:t>smaller </a:t>
+            </a:r>
+            <a:r>
               <a:rPr lang="en-US" altLang="zh-CN" dirty="0"/>
-              <a:t>Smaller total capacity (SRAM)</a:t>
+              <a:t>total capacity (SRAM)</a:t>
             </a:r>
           </a:p>
           <a:p>
@@ -8245,7 +8530,7 @@
 </p:sld>
 </file>
 
-<file path=ppt/slides/slide15.xml><?xml version="1.0" encoding="utf-8"?>
+<file path=ppt/slides/slide14.xml><?xml version="1.0" encoding="utf-8"?>
 <p:sld xmlns:a="http://schemas.openxmlformats.org/drawingml/2006/main" xmlns:r="http://schemas.openxmlformats.org/officeDocument/2006/relationships" xmlns:p="http://schemas.openxmlformats.org/presentationml/2006/main">
   <p:cSld>
     <p:spTree>
@@ -8304,7 +8589,7 @@
           <a:p>
             <a:fld id="{378697A6-3D32-4AE2-8A24-FFFF79AA4288}" type="slidenum">
               <a:rPr lang="zh-CN" altLang="en-US" smtClean="0"/>
-              <a:t>15</a:t>
+              <a:t>14</a:t>
             </a:fld>
             <a:endParaRPr lang="zh-CN" altLang="en-US" dirty="0"/>
           </a:p>
@@ -8334,80 +8619,6 @@
           </a:graphicData>
         </a:graphic>
       </p:graphicFrame>
-      <p:cxnSp>
-        <p:nvCxnSpPr>
-          <p:cNvPr id="6" name="Straight Arrow Connector 6"/>
-          <p:cNvCxnSpPr/>
-          <p:nvPr/>
-        </p:nvCxnSpPr>
-        <p:spPr bwMode="auto">
-          <a:xfrm rot="10800000" flipV="1">
-            <a:off x="6233173" y="1884243"/>
-            <a:ext cx="1008944" cy="649111"/>
-          </a:xfrm>
-          <a:prstGeom prst="straightConnector1">
-            <a:avLst/>
-          </a:prstGeom>
-          <a:solidFill>
-            <a:schemeClr val="accent1"/>
-          </a:solidFill>
-          <a:ln w="19050" cap="flat" cmpd="sng" algn="ctr">
-            <a:solidFill>
-              <a:schemeClr val="accent1"/>
-            </a:solidFill>
-            <a:prstDash val="solid"/>
-            <a:round/>
-            <a:headEnd type="none" w="med" len="med"/>
-            <a:tailEnd type="arrow"/>
-          </a:ln>
-          <a:effectLst/>
-        </p:spPr>
-      </p:cxnSp>
-      <p:sp>
-        <p:nvSpPr>
-          <p:cNvPr id="7" name="Rectangle 10"/>
-          <p:cNvSpPr/>
-          <p:nvPr/>
-        </p:nvSpPr>
-        <p:spPr bwMode="auto">
-          <a:xfrm>
-            <a:off x="6978038" y="1393380"/>
-            <a:ext cx="1588510" cy="718145"/>
-          </a:xfrm>
-          <a:prstGeom prst="rect">
-            <a:avLst/>
-          </a:prstGeom>
-          <a:noFill/>
-          <a:ln w="19050" cap="flat" cmpd="sng" algn="ctr">
-            <a:noFill/>
-            <a:prstDash val="solid"/>
-            <a:round/>
-            <a:headEnd type="none" w="med" len="med"/>
-            <a:tailEnd type="none" w="med" len="med"/>
-          </a:ln>
-          <a:effectLst/>
-        </p:spPr>
-        <p:txBody>
-          <a:bodyPr vert="horz" wrap="square" lIns="101600" tIns="50800" rIns="101600" bIns="50800" numCol="1" rtlCol="0" anchor="ctr" anchorCtr="0" compatLnSpc="1">
-            <a:prstTxWarp prst="textNoShape">
-              <a:avLst/>
-            </a:prstTxWarp>
-            <a:spAutoFit/>
-          </a:bodyPr>
-          <a:lstStyle/>
-          <a:p>
-            <a:pPr algn="ctr" defTabSz="1015990">
-              <a:lnSpc>
-                <a:spcPct val="90000"/>
-              </a:lnSpc>
-            </a:pPr>
-            <a:r>
-              <a:rPr lang="en-US" sz="2222" dirty="0"/>
-              <a:t>Operating Point</a:t>
-            </a:r>
-          </a:p>
-        </p:txBody>
-      </p:sp>
       <p:cxnSp>
         <p:nvCxnSpPr>
           <p:cNvPr id="8" name="Straight Arrow Connector 12"/>
@@ -8568,14 +8779,14 @@
                 <a:gridCol w="1525792">
                   <a:extLst>
                     <a:ext uri="{9D8B030D-6E8A-4147-A177-3AD203B41FA5}">
-                      <a16:colId xmlns="" xmlns:a16="http://schemas.microsoft.com/office/drawing/2014/main" val="20000"/>
+                      <a16:colId xmlns:a16="http://schemas.microsoft.com/office/drawing/2014/main" xmlns="" val="20000"/>
                     </a:ext>
                   </a:extLst>
                 </a:gridCol>
                 <a:gridCol w="1525792">
                   <a:extLst>
                     <a:ext uri="{9D8B030D-6E8A-4147-A177-3AD203B41FA5}">
-                      <a16:colId xmlns="" xmlns:a16="http://schemas.microsoft.com/office/drawing/2014/main" val="20001"/>
+                      <a16:colId xmlns:a16="http://schemas.microsoft.com/office/drawing/2014/main" xmlns="" val="20001"/>
                     </a:ext>
                   </a:extLst>
                 </a:gridCol>
@@ -8635,7 +8846,7 @@
                 </a:tc>
                 <a:extLst>
                   <a:ext uri="{0D108BD9-81ED-4DB2-BD59-A6C34878D82A}">
-                    <a16:rowId xmlns="" xmlns:a16="http://schemas.microsoft.com/office/drawing/2014/main" val="10000"/>
+                    <a16:rowId xmlns:a16="http://schemas.microsoft.com/office/drawing/2014/main" xmlns="" val="10000"/>
                   </a:ext>
                 </a:extLst>
               </a:tr>
@@ -8673,7 +8884,7 @@
                 </a:tc>
                 <a:extLst>
                   <a:ext uri="{0D108BD9-81ED-4DB2-BD59-A6C34878D82A}">
-                    <a16:rowId xmlns="" xmlns:a16="http://schemas.microsoft.com/office/drawing/2014/main" val="10001"/>
+                    <a16:rowId xmlns:a16="http://schemas.microsoft.com/office/drawing/2014/main" xmlns="" val="10001"/>
                   </a:ext>
                 </a:extLst>
               </a:tr>
@@ -8711,7 +8922,7 @@
                 </a:tc>
                 <a:extLst>
                   <a:ext uri="{0D108BD9-81ED-4DB2-BD59-A6C34878D82A}">
-                    <a16:rowId xmlns="" xmlns:a16="http://schemas.microsoft.com/office/drawing/2014/main" val="10002"/>
+                    <a16:rowId xmlns:a16="http://schemas.microsoft.com/office/drawing/2014/main" xmlns="" val="10002"/>
                   </a:ext>
                 </a:extLst>
               </a:tr>
@@ -8749,7 +8960,7 @@
                 </a:tc>
                 <a:extLst>
                   <a:ext uri="{0D108BD9-81ED-4DB2-BD59-A6C34878D82A}">
-                    <a16:rowId xmlns="" xmlns:a16="http://schemas.microsoft.com/office/drawing/2014/main" val="10003"/>
+                    <a16:rowId xmlns:a16="http://schemas.microsoft.com/office/drawing/2014/main" xmlns="" val="10003"/>
                   </a:ext>
                 </a:extLst>
               </a:tr>
@@ -8989,7 +9200,7 @@
         </p:nvSpPr>
         <p:spPr bwMode="auto">
           <a:xfrm>
-            <a:off x="2220580" y="1138119"/>
+            <a:off x="2220580" y="1179414"/>
             <a:ext cx="3185082" cy="410369"/>
           </a:xfrm>
           <a:prstGeom prst="rect">
@@ -9060,8 +9271,8 @@
         </p:nvSpPr>
         <p:spPr>
           <a:xfrm>
-            <a:off x="5169089" y="4998128"/>
-            <a:ext cx="3661536" cy="937128"/>
+            <a:off x="4979602" y="4998128"/>
+            <a:ext cx="3974912" cy="937128"/>
           </a:xfrm>
           <a:prstGeom prst="rect">
             <a:avLst/>
@@ -9087,18 +9298,45 @@
           <a:bodyPr rtlCol="0" anchor="ctr"/>
           <a:lstStyle/>
           <a:p>
-            <a:pPr algn="ctr"/>
             <a:r>
               <a:rPr lang="en-US" altLang="zh-CN" dirty="0"/>
               <a:t>10ms retention time equals</a:t>
             </a:r>
             <a:r>
               <a:rPr lang="zh-CN" altLang="en-US" dirty="0"/>
-              <a:t> 7000000 cycles on GPUs and is far more than 789 cycles </a:t>
+              <a:t> </a:t>
+            </a:r>
+            <a:r>
+              <a:rPr lang="zh-CN" altLang="en-US" dirty="0" smtClean="0"/>
+              <a:t>7</a:t>
+            </a:r>
+            <a:r>
+              <a:rPr lang="en-US" altLang="zh-CN" dirty="0" smtClean="0"/>
+              <a:t>,</a:t>
+            </a:r>
+            <a:r>
+              <a:rPr lang="zh-CN" altLang="en-US" dirty="0" smtClean="0"/>
+              <a:t>000</a:t>
+            </a:r>
+            <a:r>
+              <a:rPr lang="en-US" altLang="zh-CN" dirty="0" smtClean="0"/>
+              <a:t>,</a:t>
+            </a:r>
+            <a:r>
+              <a:rPr lang="zh-CN" altLang="en-US" dirty="0" smtClean="0"/>
+              <a:t>000 </a:t>
+            </a:r>
+            <a:r>
+              <a:rPr lang="zh-CN" altLang="en-US" dirty="0"/>
+              <a:t>cycles on GPUs and is far more than 789 cycles </a:t>
+            </a:r>
+            <a:r>
+              <a:rPr lang="en-US" altLang="zh-CN" dirty="0" smtClean="0"/>
+              <a:t>(the average inter-access </a:t>
             </a:r>
             <a:r>
               <a:rPr lang="en-US" altLang="zh-CN" dirty="0"/>
-              <a:t>(inter-access distance)</a:t>
+              <a:t>distance)</a:t>
             </a:r>
             <a:endParaRPr lang="zh-CN" altLang="en-US" dirty="0"/>
           </a:p>
@@ -9162,7 +9400,7 @@
                                 </p:cTn>
                               </p:par>
                               <p:par>
-                                <p:cTn id="7" presetID="1" presetClass="entr" presetSubtype="0" fill="hold" nodeType="withEffect">
+                                <p:cTn id="7" presetID="1" presetClass="entr" presetSubtype="0" fill="hold" grpId="0" nodeType="withEffect">
                                   <p:stCondLst>
                                     <p:cond delay="0"/>
                                   </p:stCondLst>
@@ -9175,7 +9413,7 @@
                                           </p:stCondLst>
                                         </p:cTn>
                                         <p:tgtEl>
-                                          <p:spTgt spid="6"/>
+                                          <p:spTgt spid="5"/>
                                         </p:tgtEl>
                                         <p:attrNameLst>
                                           <p:attrName>style.visibility</p:attrName>
@@ -9202,60 +9440,6 @@
                                           </p:stCondLst>
                                         </p:cTn>
                                         <p:tgtEl>
-                                          <p:spTgt spid="7"/>
-                                        </p:tgtEl>
-                                        <p:attrNameLst>
-                                          <p:attrName>style.visibility</p:attrName>
-                                        </p:attrNameLst>
-                                      </p:cBhvr>
-                                      <p:to>
-                                        <p:strVal val="visible"/>
-                                      </p:to>
-                                    </p:set>
-                                  </p:childTnLst>
-                                </p:cTn>
-                              </p:par>
-                              <p:par>
-                                <p:cTn id="11" presetID="1" presetClass="entr" presetSubtype="0" fill="hold" grpId="0" nodeType="withEffect">
-                                  <p:stCondLst>
-                                    <p:cond delay="0"/>
-                                  </p:stCondLst>
-                                  <p:childTnLst>
-                                    <p:set>
-                                      <p:cBhvr>
-                                        <p:cTn id="12" dur="1" fill="hold">
-                                          <p:stCondLst>
-                                            <p:cond delay="0"/>
-                                          </p:stCondLst>
-                                        </p:cTn>
-                                        <p:tgtEl>
-                                          <p:spTgt spid="5"/>
-                                        </p:tgtEl>
-                                        <p:attrNameLst>
-                                          <p:attrName>style.visibility</p:attrName>
-                                        </p:attrNameLst>
-                                      </p:cBhvr>
-                                      <p:to>
-                                        <p:strVal val="visible"/>
-                                      </p:to>
-                                    </p:set>
-                                  </p:childTnLst>
-                                </p:cTn>
-                              </p:par>
-                              <p:par>
-                                <p:cTn id="13" presetID="1" presetClass="entr" presetSubtype="0" fill="hold" grpId="0" nodeType="withEffect">
-                                  <p:stCondLst>
-                                    <p:cond delay="0"/>
-                                  </p:stCondLst>
-                                  <p:childTnLst>
-                                    <p:set>
-                                      <p:cBhvr>
-                                        <p:cTn id="14" dur="1" fill="hold">
-                                          <p:stCondLst>
-                                            <p:cond delay="0"/>
-                                          </p:stCondLst>
-                                        </p:cTn>
-                                        <p:tgtEl>
                                           <p:spTgt spid="17"/>
                                         </p:tgtEl>
                                         <p:attrNameLst>
@@ -9276,19 +9460,73 @@
                     </p:cTn>
                   </p:par>
                   <p:par>
-                    <p:cTn id="15" fill="hold">
+                    <p:cTn id="11" fill="hold">
                       <p:stCondLst>
                         <p:cond delay="indefinite"/>
                       </p:stCondLst>
                       <p:childTnLst>
                         <p:par>
-                          <p:cTn id="16" fill="hold">
+                          <p:cTn id="12" fill="hold">
                             <p:stCondLst>
                               <p:cond delay="0"/>
                             </p:stCondLst>
                             <p:childTnLst>
                               <p:par>
-                                <p:cTn id="17" presetID="1" presetClass="entr" presetSubtype="0" fill="hold" grpId="0" nodeType="clickEffect">
+                                <p:cTn id="13" presetID="1" presetClass="entr" presetSubtype="0" fill="hold" grpId="0" nodeType="clickEffect">
+                                  <p:stCondLst>
+                                    <p:cond delay="0"/>
+                                  </p:stCondLst>
+                                  <p:childTnLst>
+                                    <p:set>
+                                      <p:cBhvr>
+                                        <p:cTn id="14" dur="1" fill="hold">
+                                          <p:stCondLst>
+                                            <p:cond delay="0"/>
+                                          </p:stCondLst>
+                                        </p:cTn>
+                                        <p:tgtEl>
+                                          <p:spTgt spid="16"/>
+                                        </p:tgtEl>
+                                        <p:attrNameLst>
+                                          <p:attrName>style.visibility</p:attrName>
+                                        </p:attrNameLst>
+                                      </p:cBhvr>
+                                      <p:to>
+                                        <p:strVal val="visible"/>
+                                      </p:to>
+                                    </p:set>
+                                  </p:childTnLst>
+                                </p:cTn>
+                              </p:par>
+                              <p:par>
+                                <p:cTn id="15" presetID="1" presetClass="entr" presetSubtype="0" fill="hold" grpId="0" nodeType="withEffect">
+                                  <p:stCondLst>
+                                    <p:cond delay="0"/>
+                                  </p:stCondLst>
+                                  <p:childTnLst>
+                                    <p:set>
+                                      <p:cBhvr>
+                                        <p:cTn id="16" dur="1" fill="hold">
+                                          <p:stCondLst>
+                                            <p:cond delay="0"/>
+                                          </p:stCondLst>
+                                        </p:cTn>
+                                        <p:tgtEl>
+                                          <p:spTgt spid="15"/>
+                                        </p:tgtEl>
+                                        <p:attrNameLst>
+                                          <p:attrName>style.visibility</p:attrName>
+                                        </p:attrNameLst>
+                                      </p:cBhvr>
+                                      <p:to>
+                                        <p:strVal val="visible"/>
+                                      </p:to>
+                                    </p:set>
+                                  </p:childTnLst>
+                                </p:cTn>
+                              </p:par>
+                              <p:par>
+                                <p:cTn id="17" presetID="1" presetClass="entr" presetSubtype="0" fill="hold" nodeType="withEffect">
                                   <p:stCondLst>
                                     <p:cond delay="0"/>
                                   </p:stCondLst>
@@ -9301,7 +9539,7 @@
                                           </p:stCondLst>
                                         </p:cTn>
                                         <p:tgtEl>
-                                          <p:spTgt spid="16"/>
+                                          <p:spTgt spid="10"/>
                                         </p:tgtEl>
                                         <p:attrNameLst>
                                           <p:attrName>style.visibility</p:attrName>
@@ -9328,7 +9566,7 @@
                                           </p:stCondLst>
                                         </p:cTn>
                                         <p:tgtEl>
-                                          <p:spTgt spid="15"/>
+                                          <p:spTgt spid="9"/>
                                         </p:tgtEl>
                                         <p:attrNameLst>
                                           <p:attrName>style.visibility</p:attrName>
@@ -9355,60 +9593,6 @@
                                           </p:stCondLst>
                                         </p:cTn>
                                         <p:tgtEl>
-                                          <p:spTgt spid="10"/>
-                                        </p:tgtEl>
-                                        <p:attrNameLst>
-                                          <p:attrName>style.visibility</p:attrName>
-                                        </p:attrNameLst>
-                                      </p:cBhvr>
-                                      <p:to>
-                                        <p:strVal val="visible"/>
-                                      </p:to>
-                                    </p:set>
-                                  </p:childTnLst>
-                                </p:cTn>
-                              </p:par>
-                              <p:par>
-                                <p:cTn id="23" presetID="1" presetClass="entr" presetSubtype="0" fill="hold" grpId="0" nodeType="withEffect">
-                                  <p:stCondLst>
-                                    <p:cond delay="0"/>
-                                  </p:stCondLst>
-                                  <p:childTnLst>
-                                    <p:set>
-                                      <p:cBhvr>
-                                        <p:cTn id="24" dur="1" fill="hold">
-                                          <p:stCondLst>
-                                            <p:cond delay="0"/>
-                                          </p:stCondLst>
-                                        </p:cTn>
-                                        <p:tgtEl>
-                                          <p:spTgt spid="9"/>
-                                        </p:tgtEl>
-                                        <p:attrNameLst>
-                                          <p:attrName>style.visibility</p:attrName>
-                                        </p:attrNameLst>
-                                      </p:cBhvr>
-                                      <p:to>
-                                        <p:strVal val="visible"/>
-                                      </p:to>
-                                    </p:set>
-                                  </p:childTnLst>
-                                </p:cTn>
-                              </p:par>
-                              <p:par>
-                                <p:cTn id="25" presetID="1" presetClass="entr" presetSubtype="0" fill="hold" nodeType="withEffect">
-                                  <p:stCondLst>
-                                    <p:cond delay="0"/>
-                                  </p:stCondLst>
-                                  <p:childTnLst>
-                                    <p:set>
-                                      <p:cBhvr>
-                                        <p:cTn id="26" dur="1" fill="hold">
-                                          <p:stCondLst>
-                                            <p:cond delay="0"/>
-                                          </p:stCondLst>
-                                        </p:cTn>
-                                        <p:tgtEl>
                                           <p:spTgt spid="8"/>
                                         </p:tgtEl>
                                         <p:attrNameLst>
@@ -9429,26 +9613,26 @@
                     </p:cTn>
                   </p:par>
                   <p:par>
-                    <p:cTn id="27" fill="hold">
+                    <p:cTn id="23" fill="hold">
                       <p:stCondLst>
                         <p:cond delay="indefinite"/>
                       </p:stCondLst>
                       <p:childTnLst>
                         <p:par>
-                          <p:cTn id="28" fill="hold">
+                          <p:cTn id="24" fill="hold">
                             <p:stCondLst>
                               <p:cond delay="0"/>
                             </p:stCondLst>
                             <p:childTnLst>
                               <p:par>
-                                <p:cTn id="29" presetID="1" presetClass="entr" presetSubtype="0" fill="hold" nodeType="clickEffect">
+                                <p:cTn id="25" presetID="1" presetClass="entr" presetSubtype="0" fill="hold" nodeType="clickEffect">
                                   <p:stCondLst>
                                     <p:cond delay="0"/>
                                   </p:stCondLst>
                                   <p:childTnLst>
                                     <p:set>
                                       <p:cBhvr>
-                                        <p:cTn id="30" dur="1" fill="hold">
+                                        <p:cTn id="26" dur="1" fill="hold">
                                           <p:stCondLst>
                                             <p:cond delay="0"/>
                                           </p:stCondLst>
@@ -9468,14 +9652,14 @@
                                 </p:cTn>
                               </p:par>
                               <p:par>
-                                <p:cTn id="31" presetID="1" presetClass="entr" presetSubtype="0" fill="hold" grpId="0" nodeType="withEffect">
+                                <p:cTn id="27" presetID="1" presetClass="entr" presetSubtype="0" fill="hold" grpId="0" nodeType="withEffect">
                                   <p:stCondLst>
                                     <p:cond delay="0"/>
                                   </p:stCondLst>
                                   <p:childTnLst>
                                     <p:set>
                                       <p:cBhvr>
-                                        <p:cTn id="32" dur="1" fill="hold">
+                                        <p:cTn id="28" dur="1" fill="hold">
                                           <p:stCondLst>
                                             <p:cond delay="0"/>
                                           </p:stCondLst>
@@ -9495,14 +9679,14 @@
                                 </p:cTn>
                               </p:par>
                               <p:par>
-                                <p:cTn id="33" presetID="1" presetClass="entr" presetSubtype="0" fill="hold" grpId="0" nodeType="withEffect">
+                                <p:cTn id="29" presetID="1" presetClass="entr" presetSubtype="0" fill="hold" grpId="0" nodeType="withEffect">
                                   <p:stCondLst>
                                     <p:cond delay="0"/>
                                   </p:stCondLst>
                                   <p:childTnLst>
                                     <p:set>
                                       <p:cBhvr>
-                                        <p:cTn id="34" dur="1" fill="hold">
+                                        <p:cTn id="30" dur="1" fill="hold">
                                           <p:stCondLst>
                                             <p:cond delay="0"/>
                                           </p:stCondLst>
@@ -9528,26 +9712,26 @@
                     </p:cTn>
                   </p:par>
                   <p:par>
-                    <p:cTn id="35" fill="hold">
+                    <p:cTn id="31" fill="hold">
                       <p:stCondLst>
                         <p:cond delay="indefinite"/>
                       </p:stCondLst>
                       <p:childTnLst>
                         <p:par>
-                          <p:cTn id="36" fill="hold">
+                          <p:cTn id="32" fill="hold">
                             <p:stCondLst>
                               <p:cond delay="0"/>
                             </p:stCondLst>
                             <p:childTnLst>
                               <p:par>
-                                <p:cTn id="37" presetID="1" presetClass="entr" presetSubtype="0" fill="hold" grpId="0" nodeType="clickEffect">
+                                <p:cTn id="33" presetID="1" presetClass="entr" presetSubtype="0" fill="hold" grpId="0" nodeType="clickEffect">
                                   <p:stCondLst>
                                     <p:cond delay="0"/>
                                   </p:stCondLst>
                                   <p:childTnLst>
                                     <p:set>
                                       <p:cBhvr>
-                                        <p:cTn id="38" dur="1" fill="hold">
+                                        <p:cTn id="34" dur="1" fill="hold">
                                           <p:stCondLst>
                                             <p:cond delay="0"/>
                                           </p:stCondLst>
@@ -9597,7 +9781,6 @@
       <p:bldGraphic spid="5" grpId="0">
         <p:bldAsOne/>
       </p:bldGraphic>
-      <p:bldP spid="7" grpId="0"/>
       <p:bldP spid="9" grpId="0" animBg="1"/>
       <p:bldP spid="12" grpId="0" animBg="1"/>
       <p:bldP spid="13" grpId="0" animBg="1"/>
@@ -9611,7 +9794,7 @@
 </p:sld>
 </file>
 
-<file path=ppt/slides/slide16.xml><?xml version="1.0" encoding="utf-8"?>
+<file path=ppt/slides/slide15.xml><?xml version="1.0" encoding="utf-8"?>
 <p:sld xmlns:a="http://schemas.openxmlformats.org/drawingml/2006/main" xmlns:r="http://schemas.openxmlformats.org/officeDocument/2006/relationships" xmlns:p="http://schemas.openxmlformats.org/presentationml/2006/main">
   <p:cSld>
     <p:spTree>
@@ -9687,20 +9870,24 @@
           <a:p>
             <a:pPr lvl="1"/>
             <a:r>
-              <a:rPr lang="en-US" altLang="zh-CN" dirty="0" err="1"/>
+              <a:rPr lang="en-US" altLang="zh-CN" dirty="0" err="1" smtClean="0"/>
               <a:t>Nvsim</a:t>
             </a:r>
+            <a:r>
+              <a:rPr lang="en-US" altLang="zh-CN" dirty="0" smtClean="0"/>
+              <a:t>: model STT-RAM</a:t>
+            </a:r>
             <a:endParaRPr lang="en-US" altLang="zh-CN" dirty="0"/>
           </a:p>
           <a:p>
             <a:pPr lvl="1"/>
             <a:r>
               <a:rPr lang="en-US" altLang="zh-CN" dirty="0"/>
-              <a:t>NVIDIA GTX </a:t>
-            </a:r>
-            <a:r>
-              <a:rPr lang="en-US" altLang="zh-CN"/>
-              <a:t>480 architecture</a:t>
+              <a:t>NVIDIA GTX 480 </a:t>
+            </a:r>
+            <a:r>
+              <a:rPr lang="en-US" altLang="zh-CN" dirty="0" smtClean="0"/>
+              <a:t>architecture (Fermi)</a:t>
             </a:r>
             <a:endParaRPr lang="en-US" altLang="zh-CN" dirty="0"/>
           </a:p>
@@ -9775,7 +9962,7 @@
           <a:p>
             <a:fld id="{378697A6-3D32-4AE2-8A24-FFFF79AA4288}" type="slidenum">
               <a:rPr lang="zh-CN" altLang="en-US" smtClean="0"/>
-              <a:t>16</a:t>
+              <a:t>15</a:t>
             </a:fld>
             <a:endParaRPr lang="zh-CN" altLang="en-US"/>
           </a:p>
@@ -9801,7 +9988,7 @@
 </p:sld>
 </file>
 
-<file path=ppt/slides/slide17.xml><?xml version="1.0" encoding="utf-8"?>
+<file path=ppt/slides/slide16.xml><?xml version="1.0" encoding="utf-8"?>
 <p:sld xmlns:a="http://schemas.openxmlformats.org/drawingml/2006/main" xmlns:r="http://schemas.openxmlformats.org/officeDocument/2006/relationships" xmlns:p="http://schemas.openxmlformats.org/presentationml/2006/main">
   <p:cSld>
     <p:spTree>
@@ -9836,8 +10023,16 @@
           <a:lstStyle/>
           <a:p>
             <a:r>
+              <a:rPr lang="en-US" altLang="zh-CN" sz="3200" dirty="0" smtClean="0"/>
+              <a:t>Register </a:t>
+            </a:r>
+            <a:r>
               <a:rPr lang="en-US" altLang="zh-CN" sz="3200" dirty="0"/>
-              <a:t>Evaluation: Register File Energy</a:t>
+              <a:t>File </a:t>
+            </a:r>
+            <a:r>
+              <a:rPr lang="en-US" altLang="zh-CN" sz="3200" dirty="0" smtClean="0"/>
+              <a:t>Energy Consumption</a:t>
             </a:r>
             <a:endParaRPr lang="zh-CN" altLang="en-US" sz="3200" dirty="0"/>
           </a:p>
@@ -9903,7 +10098,7 @@
           <a:p>
             <a:fld id="{378697A6-3D32-4AE2-8A24-FFFF79AA4288}" type="slidenum">
               <a:rPr lang="zh-CN" altLang="en-US" smtClean="0"/>
-              <a:t>17</a:t>
+              <a:t>16</a:t>
             </a:fld>
             <a:endParaRPr lang="zh-CN" altLang="en-US"/>
           </a:p>
@@ -9964,16 +10159,28 @@
               <a:t>consum</a:t>
             </a:r>
             <a:r>
-              <a:rPr lang="en-US" altLang="zh-CN" dirty="0">
+              <a:rPr lang="en-US" altLang="zh-CN" dirty="0" err="1" smtClean="0">
                 <a:latin typeface="Helvetica" panose="020B0604020202030204" pitchFamily="34" charset="0"/>
               </a:rPr>
-              <a:t>e</a:t>
+              <a:t>es</a:t>
+            </a:r>
+            <a:r>
+              <a:rPr lang="zh-CN" altLang="en-US" dirty="0" smtClean="0">
+                <a:latin typeface="Helvetica" panose="020B0604020202030204" pitchFamily="34" charset="0"/>
+              </a:rPr>
+              <a:t> </a:t>
             </a:r>
             <a:r>
               <a:rPr lang="zh-CN" altLang="en-US" dirty="0">
                 <a:latin typeface="Helvetica" panose="020B0604020202030204" pitchFamily="34" charset="0"/>
               </a:rPr>
-              <a:t> only 37.4 % </a:t>
+              <a:t>only </a:t>
+            </a:r>
+            <a:r>
+              <a:rPr lang="zh-CN" altLang="en-US" dirty="0" smtClean="0">
+                <a:latin typeface="Helvetica" panose="020B0604020202030204" pitchFamily="34" charset="0"/>
+              </a:rPr>
+              <a:t>37.4% </a:t>
             </a:r>
             <a:r>
               <a:rPr lang="en-US" altLang="zh-CN" dirty="0">
@@ -10144,7 +10351,7 @@
 </p:sld>
 </file>
 
-<file path=ppt/slides/slide18.xml><?xml version="1.0" encoding="utf-8"?>
+<file path=ppt/slides/slide17.xml><?xml version="1.0" encoding="utf-8"?>
 <p:sld xmlns:a="http://schemas.openxmlformats.org/drawingml/2006/main" xmlns:r="http://schemas.openxmlformats.org/officeDocument/2006/relationships" xmlns:p="http://schemas.openxmlformats.org/presentationml/2006/main">
   <p:cSld>
     <p:spTree>
@@ -10250,7 +10457,7 @@
           <a:p>
             <a:fld id="{378697A6-3D32-4AE2-8A24-FFFF79AA4288}" type="slidenum">
               <a:rPr lang="zh-CN" altLang="en-US" smtClean="0"/>
-              <a:t>18</a:t>
+              <a:t>17</a:t>
             </a:fld>
             <a:endParaRPr lang="zh-CN" altLang="en-US"/>
           </a:p>
@@ -10305,7 +10512,19 @@
               <a:rPr lang="en-US" altLang="zh-CN" dirty="0">
                 <a:latin typeface="Helvetica" panose="020B0604020202030204" pitchFamily="34" charset="0"/>
               </a:rPr>
-              <a:t>2. Compression is good at reducing dynamic energy</a:t>
+              <a:t>2. d</a:t>
+            </a:r>
+            <a:r>
+              <a:rPr lang="en-US" altLang="zh-CN" dirty="0" smtClean="0">
+                <a:latin typeface="Helvetica" panose="020B0604020202030204" pitchFamily="34" charset="0"/>
+              </a:rPr>
+              <a:t>elta compression </a:t>
+            </a:r>
+            <a:r>
+              <a:rPr lang="en-US" altLang="zh-CN" dirty="0">
+                <a:latin typeface="Helvetica" panose="020B0604020202030204" pitchFamily="34" charset="0"/>
+              </a:rPr>
+              <a:t>is good at reducing dynamic energy</a:t>
             </a:r>
             <a:endParaRPr lang="zh-CN" altLang="en-US" dirty="0">
               <a:latin typeface="Helvetica" panose="020B0604020202030204" pitchFamily="34" charset="0"/>
@@ -10818,7 +11037,7 @@
 </p:sld>
 </file>
 
-<file path=ppt/slides/slide19.xml><?xml version="1.0" encoding="utf-8"?>
+<file path=ppt/slides/slide18.xml><?xml version="1.0" encoding="utf-8"?>
 <p:sld xmlns:a="http://schemas.openxmlformats.org/drawingml/2006/main" xmlns:r="http://schemas.openxmlformats.org/officeDocument/2006/relationships" xmlns:p="http://schemas.openxmlformats.org/presentationml/2006/main">
   <p:cSld>
     <p:spTree>
@@ -10918,7 +11137,7 @@
           <a:p>
             <a:fld id="{378697A6-3D32-4AE2-8A24-FFFF79AA4288}" type="slidenum">
               <a:rPr lang="zh-CN" altLang="en-US" smtClean="0"/>
-              <a:t>19</a:t>
+              <a:t>18</a:t>
             </a:fld>
             <a:endParaRPr lang="zh-CN" altLang="en-US"/>
           </a:p>
@@ -10932,8 +11151,8 @@
         </p:nvSpPr>
         <p:spPr>
           <a:xfrm>
-            <a:off x="1600755" y="5071856"/>
-            <a:ext cx="5885895" cy="914400"/>
+            <a:off x="372107" y="5045964"/>
+            <a:ext cx="8399786" cy="914400"/>
           </a:xfrm>
           <a:prstGeom prst="rect">
             <a:avLst/>
@@ -10961,12 +11180,12 @@
           <a:p>
             <a:pPr algn="ctr"/>
             <a:r>
-              <a:rPr lang="en-US" altLang="zh-CN" dirty="0">
+              <a:rPr lang="en-US" altLang="zh-CN" sz="2000" dirty="0">
                 <a:latin typeface="Helvetica" panose="020B0604020202030204" pitchFamily="34" charset="0"/>
               </a:rPr>
               <a:t>Our scheme can achieve near 99% performance of the SRAM baseline</a:t>
             </a:r>
-            <a:endParaRPr lang="zh-CN" altLang="en-US" dirty="0">
+            <a:endParaRPr lang="zh-CN" altLang="en-US" sz="2000" dirty="0">
               <a:latin typeface="Helvetica" panose="020B0604020202030204" pitchFamily="34" charset="0"/>
             </a:endParaRPr>
           </a:p>
@@ -11063,7 +11282,7 @@
 </p:sld>
 </file>
 
-<file path=ppt/slides/slide2.xml><?xml version="1.0" encoding="utf-8"?>
+<file path=ppt/slides/slide19.xml><?xml version="1.0" encoding="utf-8"?>
 <p:sld xmlns:a="http://schemas.openxmlformats.org/drawingml/2006/main" xmlns:r="http://schemas.openxmlformats.org/officeDocument/2006/relationships" xmlns:p="http://schemas.openxmlformats.org/presentationml/2006/main">
   <p:cSld>
     <p:spTree>
@@ -11096,10 +11315,10 @@
           <a:lstStyle/>
           <a:p>
             <a:r>
-              <a:rPr lang="en-US" altLang="zh-CN" dirty="0"/>
-              <a:t>Overview</a:t>
-            </a:r>
-            <a:endParaRPr lang="zh-CN" altLang="en-US" dirty="0"/>
+              <a:rPr kumimoji="1" lang="en-US" altLang="zh-CN" dirty="0" smtClean="0"/>
+              <a:t>Conclusion</a:t>
+            </a:r>
+            <a:endParaRPr kumimoji="1" lang="zh-CN" altLang="en-US" dirty="0"/>
           </a:p>
         </p:txBody>
       </p:sp>
@@ -11119,43 +11338,49 @@
           <a:lstStyle/>
           <a:p>
             <a:r>
-              <a:rPr lang="en-US" altLang="zh-CN" dirty="0"/>
-              <a:t>Background</a:t>
-            </a:r>
-          </a:p>
-          <a:p>
-            <a:r>
-              <a:rPr lang="en-US" altLang="zh-CN" dirty="0"/>
-              <a:t>Motivation</a:t>
-            </a:r>
-          </a:p>
-          <a:p>
-            <a:r>
-              <a:rPr lang="en-US" altLang="zh-CN" dirty="0"/>
-              <a:t>Design Details</a:t>
-            </a:r>
-          </a:p>
-          <a:p>
-            <a:r>
-              <a:rPr lang="en-US" altLang="zh-CN" dirty="0"/>
-              <a:t>Experimental Evaluation</a:t>
-            </a:r>
-          </a:p>
-          <a:p>
-            <a:r>
-              <a:rPr lang="en-US" altLang="zh-CN" dirty="0"/>
-              <a:t>Conclusion</a:t>
-            </a:r>
-            <a:endParaRPr lang="zh-CN" altLang="en-US" dirty="0"/>
-          </a:p>
-          <a:p>
-            <a:endParaRPr lang="zh-CN" altLang="en-US" dirty="0"/>
-          </a:p>
-        </p:txBody>
-      </p:sp>
-      <p:sp>
-        <p:nvSpPr>
-          <p:cNvPr id="4" name="灯片编号占位符 3"/>
+              <a:rPr kumimoji="1" lang="en-US" altLang="zh-CN" dirty="0"/>
+              <a:t>T</a:t>
+            </a:r>
+            <a:r>
+              <a:rPr kumimoji="1" lang="en-US" altLang="zh-CN" dirty="0" smtClean="0"/>
+              <a:t>he energy-efficiency of the register file plays a vital role for GPGPU architecture</a:t>
+            </a:r>
+          </a:p>
+          <a:p>
+            <a:r>
+              <a:rPr kumimoji="1" lang="en-US" altLang="zh-CN" dirty="0"/>
+              <a:t>L</a:t>
+            </a:r>
+            <a:r>
+              <a:rPr kumimoji="1" lang="en-US" altLang="zh-CN" dirty="0" smtClean="0"/>
+              <a:t>eakage problem can be solved by STT-RAM, however, the dynamic energy consumption should be minimized</a:t>
+            </a:r>
+          </a:p>
+          <a:p>
+            <a:r>
+              <a:rPr kumimoji="1" lang="en-US" altLang="zh-CN" dirty="0" smtClean="0"/>
+              <a:t>Delta compression is effective to optimize dynamic energy consumption of STT-RAM based register file. </a:t>
+            </a:r>
+          </a:p>
+          <a:p>
+            <a:r>
+              <a:rPr kumimoji="1" lang="en-US" altLang="zh-CN" dirty="0" smtClean="0"/>
+              <a:t>Centralized write buffer design can improve the utilization of SRAM buffer. </a:t>
+            </a:r>
+            <a:endParaRPr kumimoji="1" lang="en-US" altLang="zh-CN" dirty="0"/>
+          </a:p>
+          <a:p>
+            <a:r>
+              <a:rPr kumimoji="1" lang="en-US" altLang="zh-CN" dirty="0" smtClean="0"/>
+              <a:t>The STT-RAM based register file is promising for future GPU architectures.</a:t>
+            </a:r>
+            <a:endParaRPr kumimoji="1" lang="zh-CN" altLang="en-US" dirty="0"/>
+          </a:p>
+        </p:txBody>
+      </p:sp>
+      <p:sp>
+        <p:nvSpPr>
+          <p:cNvPr id="4" name="幻灯片编号占位符 3"/>
           <p:cNvSpPr>
             <a:spLocks noGrp="1"/>
           </p:cNvSpPr>
@@ -11170,166 +11395,17 @@
           <a:p>
             <a:fld id="{378697A6-3D32-4AE2-8A24-FFFF79AA4288}" type="slidenum">
               <a:rPr lang="zh-CN" altLang="en-US" smtClean="0"/>
-              <a:t>2</a:t>
+              <a:pPr/>
+              <a:t>19</a:t>
             </a:fld>
-            <a:endParaRPr lang="zh-CN" altLang="en-US"/>
+            <a:endParaRPr lang="zh-CN" altLang="en-US" dirty="0"/>
           </a:p>
         </p:txBody>
       </p:sp>
     </p:spTree>
     <p:extLst>
       <p:ext uri="{BB962C8B-B14F-4D97-AF65-F5344CB8AC3E}">
-        <p14:creationId xmlns:p14="http://schemas.microsoft.com/office/powerpoint/2010/main" val="1887884094"/>
-      </p:ext>
-    </p:extLst>
-  </p:cSld>
-  <p:clrMapOvr>
-    <a:masterClrMapping/>
-  </p:clrMapOvr>
-  <p:timing>
-    <p:tnLst>
-      <p:par>
-        <p:cTn id="1" dur="indefinite" restart="never" nodeType="tmRoot"/>
-      </p:par>
-    </p:tnLst>
-  </p:timing>
-</p:sld>
-</file>
-
-<file path=ppt/slides/slide20.xml><?xml version="1.0" encoding="utf-8"?>
-<p:sld xmlns:a="http://schemas.openxmlformats.org/drawingml/2006/main" xmlns:r="http://schemas.openxmlformats.org/officeDocument/2006/relationships" xmlns:p="http://schemas.openxmlformats.org/presentationml/2006/main">
-  <p:cSld>
-    <p:spTree>
-      <p:nvGrpSpPr>
-        <p:cNvPr id="1" name=""/>
-        <p:cNvGrpSpPr/>
-        <p:nvPr/>
-      </p:nvGrpSpPr>
-      <p:grpSpPr>
-        <a:xfrm>
-          <a:off x="0" y="0"/>
-          <a:ext cx="0" cy="0"/>
-          <a:chOff x="0" y="0"/>
-          <a:chExt cx="0" cy="0"/>
-        </a:xfrm>
-      </p:grpSpPr>
-      <p:sp>
-        <p:nvSpPr>
-          <p:cNvPr id="2" name="标题 1"/>
-          <p:cNvSpPr>
-            <a:spLocks noGrp="1"/>
-          </p:cNvSpPr>
-          <p:nvPr>
-            <p:ph type="title"/>
-          </p:nvPr>
-        </p:nvSpPr>
-        <p:spPr/>
-        <p:txBody>
-          <a:bodyPr/>
-          <a:lstStyle/>
-          <a:p>
-            <a:r>
-              <a:rPr lang="en-US" altLang="zh-CN" dirty="0" smtClean="0"/>
-              <a:t>Conclusion</a:t>
-            </a:r>
-            <a:endParaRPr lang="zh-CN" altLang="en-US" dirty="0"/>
-          </a:p>
-        </p:txBody>
-      </p:sp>
-      <p:sp>
-        <p:nvSpPr>
-          <p:cNvPr id="3" name="内容占位符 2"/>
-          <p:cNvSpPr>
-            <a:spLocks noGrp="1"/>
-          </p:cNvSpPr>
-          <p:nvPr>
-            <p:ph idx="1"/>
-          </p:nvPr>
-        </p:nvSpPr>
-        <p:spPr/>
-        <p:txBody>
-          <a:bodyPr>
-            <a:normAutofit/>
-          </a:bodyPr>
-          <a:lstStyle/>
-          <a:p>
-            <a:r>
-              <a:rPr lang="en-US" altLang="zh-CN" dirty="0" smtClean="0"/>
-              <a:t>Register files on GPU becomes the key design consideration for future GPU architecture.</a:t>
-            </a:r>
-            <a:endParaRPr lang="en-US" altLang="zh-CN" dirty="0" smtClean="0"/>
-          </a:p>
-          <a:p>
-            <a:r>
-              <a:rPr lang="en-US" altLang="zh-CN" dirty="0" smtClean="0"/>
-              <a:t>STT-RAM </a:t>
-            </a:r>
-            <a:r>
-              <a:rPr lang="en-US" altLang="zh-CN" dirty="0" smtClean="0"/>
-              <a:t>is a promising candidate for </a:t>
-            </a:r>
-            <a:r>
-              <a:rPr lang="en-US" altLang="zh-CN" dirty="0" smtClean="0"/>
-              <a:t>building GPU register files, if write operations</a:t>
-            </a:r>
-            <a:r>
-              <a:rPr lang="en-US" altLang="zh-CN" dirty="0" smtClean="0"/>
-              <a:t> </a:t>
-            </a:r>
-            <a:r>
-              <a:rPr lang="en-US" altLang="zh-CN" dirty="0" smtClean="0"/>
-              <a:t>are optimized well.</a:t>
-            </a:r>
-          </a:p>
-          <a:p>
-            <a:r>
-              <a:rPr lang="en-US" altLang="zh-CN" dirty="0" smtClean="0"/>
-              <a:t> The value similarity makes the delta compression effective to reduce the dynamic energy overheads associated with STT-RAM write.</a:t>
-            </a:r>
-          </a:p>
-          <a:p>
-            <a:r>
-              <a:rPr lang="en-US" altLang="zh-CN" dirty="0" smtClean="0"/>
-              <a:t>Centralized write buffer design can better utilize the SRAM write buffer. </a:t>
-            </a:r>
-          </a:p>
-          <a:p>
-            <a:r>
-              <a:rPr lang="en-US" altLang="zh-CN" dirty="0" smtClean="0"/>
-              <a:t>Our proposed design can achieve 37.4% energy consumption of the SRAM based design, with negligible performance overheads.</a:t>
-            </a:r>
-            <a:endParaRPr lang="zh-CN" altLang="en-US" dirty="0"/>
-          </a:p>
-        </p:txBody>
-      </p:sp>
-      <p:sp>
-        <p:nvSpPr>
-          <p:cNvPr id="4" name="灯片编号占位符 3"/>
-          <p:cNvSpPr>
-            <a:spLocks noGrp="1"/>
-          </p:cNvSpPr>
-          <p:nvPr>
-            <p:ph type="sldNum" sz="quarter" idx="12"/>
-          </p:nvPr>
-        </p:nvSpPr>
-        <p:spPr/>
-        <p:txBody>
-          <a:bodyPr/>
-          <a:lstStyle/>
-          <a:p>
-            <a:fld id="{378697A6-3D32-4AE2-8A24-FFFF79AA4288}" type="slidenum">
-              <a:rPr lang="zh-CN" altLang="en-US" smtClean="0"/>
-              <a:pPr/>
-              <a:t>20</a:t>
-            </a:fld>
-            <a:endParaRPr lang="zh-CN" altLang="en-US" dirty="0"/>
-          </a:p>
-        </p:txBody>
-      </p:sp>
-    </p:spTree>
-    <p:extLst>
-      <p:ext uri="{BB962C8B-B14F-4D97-AF65-F5344CB8AC3E}">
-        <p14:creationId xmlns:p14="http://schemas.microsoft.com/office/powerpoint/2010/main" val="2680964569"/>
+        <p14:creationId xmlns:p14="http://schemas.microsoft.com/office/powerpoint/2010/main" val="894114516"/>
       </p:ext>
     </p:extLst>
   </p:cSld>
@@ -11614,7 +11690,7 @@
 </p:sld>
 </file>
 
-<file path=ppt/slides/slide21.xml><?xml version="1.0" encoding="utf-8"?>
+<file path=ppt/slides/slide2.xml><?xml version="1.0" encoding="utf-8"?>
 <p:sld xmlns:a="http://schemas.openxmlformats.org/drawingml/2006/main" xmlns:r="http://schemas.openxmlformats.org/officeDocument/2006/relationships" xmlns:p="http://schemas.openxmlformats.org/presentationml/2006/main">
   <p:cSld>
     <p:spTree>
@@ -11646,7 +11722,11 @@
           <a:bodyPr/>
           <a:lstStyle/>
           <a:p>
-            <a:endParaRPr lang="zh-CN" altLang="en-US"/>
+            <a:r>
+              <a:rPr lang="en-US" altLang="zh-CN" dirty="0"/>
+              <a:t>Overview</a:t>
+            </a:r>
+            <a:endParaRPr lang="zh-CN" altLang="en-US" dirty="0"/>
           </a:p>
         </p:txBody>
       </p:sp>
@@ -11665,6 +11745,202 @@
           <a:bodyPr/>
           <a:lstStyle/>
           <a:p>
+            <a:r>
+              <a:rPr lang="en-US" altLang="zh-CN" dirty="0" smtClean="0"/>
+              <a:t>Background</a:t>
+            </a:r>
+          </a:p>
+          <a:p>
+            <a:pPr lvl="1"/>
+            <a:r>
+              <a:rPr lang="en-US" altLang="zh-CN" dirty="0" smtClean="0"/>
+              <a:t>GPGPU, STT-RAM</a:t>
+            </a:r>
+            <a:endParaRPr lang="en-US" altLang="zh-CN" dirty="0"/>
+          </a:p>
+          <a:p>
+            <a:r>
+              <a:rPr lang="en-US" altLang="zh-CN" dirty="0" smtClean="0"/>
+              <a:t>Motivation</a:t>
+            </a:r>
+          </a:p>
+          <a:p>
+            <a:pPr lvl="1"/>
+            <a:r>
+              <a:rPr lang="en-US" altLang="zh-CN" dirty="0" smtClean="0"/>
+              <a:t>Register value similarity on SIMT</a:t>
+            </a:r>
+            <a:endParaRPr lang="en-US" altLang="zh-CN" dirty="0"/>
+          </a:p>
+          <a:p>
+            <a:r>
+              <a:rPr lang="en-US" altLang="zh-CN" dirty="0"/>
+              <a:t>Design </a:t>
+            </a:r>
+            <a:r>
+              <a:rPr lang="en-US" altLang="zh-CN" dirty="0" smtClean="0"/>
+              <a:t>Details</a:t>
+            </a:r>
+          </a:p>
+          <a:p>
+            <a:pPr lvl="1"/>
+            <a:r>
+              <a:rPr lang="en-US" altLang="zh-CN" dirty="0" smtClean="0"/>
+              <a:t>delta compression engine</a:t>
+            </a:r>
+          </a:p>
+          <a:p>
+            <a:pPr lvl="1"/>
+            <a:r>
+              <a:rPr lang="en-US" altLang="zh-CN" dirty="0"/>
+              <a:t>c</a:t>
+            </a:r>
+            <a:r>
+              <a:rPr lang="en-US" altLang="zh-CN" dirty="0" smtClean="0"/>
+              <a:t>entralized write buffer</a:t>
+            </a:r>
+            <a:endParaRPr lang="en-US" altLang="zh-CN" dirty="0"/>
+          </a:p>
+          <a:p>
+            <a:pPr lvl="1"/>
+            <a:r>
+              <a:rPr lang="en-US" altLang="zh-CN" dirty="0"/>
+              <a:t>r</a:t>
+            </a:r>
+            <a:r>
+              <a:rPr lang="en-US" altLang="zh-CN" dirty="0" smtClean="0"/>
+              <a:t>elaxed retention time </a:t>
+            </a:r>
+            <a:endParaRPr lang="en-US" altLang="zh-CN" dirty="0"/>
+          </a:p>
+          <a:p>
+            <a:r>
+              <a:rPr lang="en-US" altLang="zh-CN" dirty="0"/>
+              <a:t>Experimental </a:t>
+            </a:r>
+            <a:r>
+              <a:rPr lang="en-US" altLang="zh-CN" dirty="0" smtClean="0"/>
+              <a:t>Evaluation</a:t>
+            </a:r>
+          </a:p>
+          <a:p>
+            <a:pPr lvl="1"/>
+            <a:r>
+              <a:rPr lang="en-US" altLang="zh-CN" dirty="0"/>
+              <a:t>p</a:t>
+            </a:r>
+            <a:r>
+              <a:rPr lang="en-US" altLang="zh-CN" dirty="0" smtClean="0"/>
+              <a:t>erformance and energy consumption</a:t>
+            </a:r>
+            <a:endParaRPr lang="en-US" altLang="zh-CN" dirty="0"/>
+          </a:p>
+          <a:p>
+            <a:r>
+              <a:rPr lang="en-US" altLang="zh-CN" dirty="0"/>
+              <a:t>Conclusion</a:t>
+            </a:r>
+            <a:endParaRPr lang="zh-CN" altLang="en-US" dirty="0"/>
+          </a:p>
+          <a:p>
+            <a:endParaRPr lang="zh-CN" altLang="en-US" dirty="0"/>
+          </a:p>
+        </p:txBody>
+      </p:sp>
+      <p:sp>
+        <p:nvSpPr>
+          <p:cNvPr id="4" name="灯片编号占位符 3"/>
+          <p:cNvSpPr>
+            <a:spLocks noGrp="1"/>
+          </p:cNvSpPr>
+          <p:nvPr>
+            <p:ph type="sldNum" sz="quarter" idx="12"/>
+          </p:nvPr>
+        </p:nvSpPr>
+        <p:spPr/>
+        <p:txBody>
+          <a:bodyPr/>
+          <a:lstStyle/>
+          <a:p>
+            <a:fld id="{378697A6-3D32-4AE2-8A24-FFFF79AA4288}" type="slidenum">
+              <a:rPr lang="zh-CN" altLang="en-US" smtClean="0"/>
+              <a:t>2</a:t>
+            </a:fld>
+            <a:endParaRPr lang="zh-CN" altLang="en-US"/>
+          </a:p>
+        </p:txBody>
+      </p:sp>
+    </p:spTree>
+    <p:extLst>
+      <p:ext uri="{BB962C8B-B14F-4D97-AF65-F5344CB8AC3E}">
+        <p14:creationId xmlns:p14="http://schemas.microsoft.com/office/powerpoint/2010/main" val="1887884094"/>
+      </p:ext>
+    </p:extLst>
+  </p:cSld>
+  <p:clrMapOvr>
+    <a:masterClrMapping/>
+  </p:clrMapOvr>
+  <p:timing>
+    <p:tnLst>
+      <p:par>
+        <p:cTn id="1" dur="indefinite" restart="never" nodeType="tmRoot"/>
+      </p:par>
+    </p:tnLst>
+  </p:timing>
+</p:sld>
+</file>
+
+<file path=ppt/slides/slide20.xml><?xml version="1.0" encoding="utf-8"?>
+<p:sld xmlns:a="http://schemas.openxmlformats.org/drawingml/2006/main" xmlns:r="http://schemas.openxmlformats.org/officeDocument/2006/relationships" xmlns:p="http://schemas.openxmlformats.org/presentationml/2006/main">
+  <p:cSld>
+    <p:spTree>
+      <p:nvGrpSpPr>
+        <p:cNvPr id="1" name=""/>
+        <p:cNvGrpSpPr/>
+        <p:nvPr/>
+      </p:nvGrpSpPr>
+      <p:grpSpPr>
+        <a:xfrm>
+          <a:off x="0" y="0"/>
+          <a:ext cx="0" cy="0"/>
+          <a:chOff x="0" y="0"/>
+          <a:chExt cx="0" cy="0"/>
+        </a:xfrm>
+      </p:grpSpPr>
+      <p:sp>
+        <p:nvSpPr>
+          <p:cNvPr id="2" name="标题 1"/>
+          <p:cNvSpPr>
+            <a:spLocks noGrp="1"/>
+          </p:cNvSpPr>
+          <p:nvPr>
+            <p:ph type="title"/>
+          </p:nvPr>
+        </p:nvSpPr>
+        <p:spPr/>
+        <p:txBody>
+          <a:bodyPr/>
+          <a:lstStyle/>
+          <a:p>
+            <a:endParaRPr lang="zh-CN" altLang="en-US"/>
+          </a:p>
+        </p:txBody>
+      </p:sp>
+      <p:sp>
+        <p:nvSpPr>
+          <p:cNvPr id="3" name="内容占位符 2"/>
+          <p:cNvSpPr>
+            <a:spLocks noGrp="1"/>
+          </p:cNvSpPr>
+          <p:nvPr>
+            <p:ph idx="1"/>
+          </p:nvPr>
+        </p:nvSpPr>
+        <p:spPr/>
+        <p:txBody>
+          <a:bodyPr/>
+          <a:lstStyle/>
+          <a:p>
             <a:endParaRPr lang="zh-CN" altLang="en-US" dirty="0"/>
           </a:p>
         </p:txBody>
@@ -11678,7 +11954,7 @@
         <p:spPr>
           <a:xfrm>
             <a:off x="2609599" y="2289154"/>
-            <a:ext cx="3448301" cy="923330"/>
+            <a:ext cx="3448301" cy="1754326"/>
           </a:xfrm>
           <a:prstGeom prst="rect">
             <a:avLst/>
@@ -11718,7 +11994,66 @@
                   <a:reflection blurRad="6350" stA="53000" endA="300" endPos="35500" dir="5400000" sy="-90000" algn="bl" rotWithShape="0"/>
                 </a:effectLst>
               </a:rPr>
-              <a:t>Thank you!</a:t>
+              <a:t>Thank you</a:t>
+            </a:r>
+            <a:r>
+              <a:rPr lang="en-US" altLang="zh-CN" sz="5400" b="0" cap="none" spc="0" dirty="0" smtClean="0">
+                <a:ln w="0"/>
+                <a:gradFill>
+                  <a:gsLst>
+                    <a:gs pos="0">
+                      <a:schemeClr val="accent5">
+                        <a:lumMod val="50000"/>
+                      </a:schemeClr>
+                    </a:gs>
+                    <a:gs pos="50000">
+                      <a:schemeClr val="accent5"/>
+                    </a:gs>
+                    <a:gs pos="100000">
+                      <a:schemeClr val="accent5">
+                        <a:lumMod val="60000"/>
+                        <a:lumOff val="40000"/>
+                      </a:schemeClr>
+                    </a:gs>
+                  </a:gsLst>
+                  <a:lin ang="5400000"/>
+                </a:gradFill>
+                <a:effectLst>
+                  <a:reflection blurRad="6350" stA="53000" endA="300" endPos="35500" dir="5400000" sy="-90000" algn="bl" rotWithShape="0"/>
+                </a:effectLst>
+              </a:rPr>
+              <a:t>!</a:t>
+            </a:r>
+          </a:p>
+          <a:p>
+            <a:pPr algn="ctr"/>
+            <a:r>
+              <a:rPr lang="en-US" altLang="zh-CN" sz="5400" dirty="0" smtClean="0">
+                <a:ln w="0"/>
+                <a:gradFill>
+                  <a:gsLst>
+                    <a:gs pos="0">
+                      <a:schemeClr val="accent5">
+                        <a:lumMod val="50000"/>
+                      </a:schemeClr>
+                    </a:gs>
+                    <a:gs pos="50000">
+                      <a:schemeClr val="accent5"/>
+                    </a:gs>
+                    <a:gs pos="100000">
+                      <a:schemeClr val="accent5">
+                        <a:lumMod val="60000"/>
+                        <a:lumOff val="40000"/>
+                      </a:schemeClr>
+                    </a:gs>
+                  </a:gsLst>
+                  <a:lin ang="5400000"/>
+                </a:gradFill>
+                <a:effectLst>
+                  <a:reflection blurRad="6350" stA="53000" endA="300" endPos="35500" dir="5400000" sy="-90000" algn="bl" rotWithShape="0"/>
+                </a:effectLst>
+              </a:rPr>
+              <a:t>Q&amp;A</a:t>
             </a:r>
             <a:endParaRPr lang="zh-CN" altLang="en-US" sz="5400" b="0" cap="none" spc="0" dirty="0">
               <a:ln w="0"/>
@@ -11765,7 +12100,7 @@
           <a:p>
             <a:fld id="{378697A6-3D32-4AE2-8A24-FFFF79AA4288}" type="slidenum">
               <a:rPr lang="zh-CN" altLang="en-US" smtClean="0"/>
-              <a:t>21</a:t>
+              <a:t>20</a:t>
             </a:fld>
             <a:endParaRPr lang="zh-CN" altLang="en-US"/>
           </a:p>
@@ -11791,622 +12126,7 @@
 </p:sld>
 </file>
 
-<file path=ppt/slides/slide3.xml><?xml version="1.0" encoding="utf-8"?>
-<p:sld xmlns:a="http://schemas.openxmlformats.org/drawingml/2006/main" xmlns:r="http://schemas.openxmlformats.org/officeDocument/2006/relationships" xmlns:p="http://schemas.openxmlformats.org/presentationml/2006/main">
-  <p:cSld>
-    <p:spTree>
-      <p:nvGrpSpPr>
-        <p:cNvPr id="1" name=""/>
-        <p:cNvGrpSpPr/>
-        <p:nvPr/>
-      </p:nvGrpSpPr>
-      <p:grpSpPr>
-        <a:xfrm>
-          <a:off x="0" y="0"/>
-          <a:ext cx="0" cy="0"/>
-          <a:chOff x="0" y="0"/>
-          <a:chExt cx="0" cy="0"/>
-        </a:xfrm>
-      </p:grpSpPr>
-      <p:sp>
-        <p:nvSpPr>
-          <p:cNvPr id="2" name="标题 1"/>
-          <p:cNvSpPr>
-            <a:spLocks noGrp="1"/>
-          </p:cNvSpPr>
-          <p:nvPr>
-            <p:ph type="title"/>
-          </p:nvPr>
-        </p:nvSpPr>
-        <p:spPr/>
-        <p:txBody>
-          <a:bodyPr>
-            <a:normAutofit/>
-          </a:bodyPr>
-          <a:lstStyle/>
-          <a:p>
-            <a:r>
-              <a:rPr lang="en-US" altLang="zh-CN" sz="3200" dirty="0"/>
-              <a:t>The Processing Engine in Big Data Era</a:t>
-            </a:r>
-            <a:endParaRPr lang="zh-CN" altLang="en-US" sz="3200" dirty="0"/>
-          </a:p>
-        </p:txBody>
-      </p:sp>
-      <p:sp>
-        <p:nvSpPr>
-          <p:cNvPr id="3" name="内容占位符 2"/>
-          <p:cNvSpPr>
-            <a:spLocks noGrp="1"/>
-          </p:cNvSpPr>
-          <p:nvPr>
-            <p:ph idx="1"/>
-          </p:nvPr>
-        </p:nvSpPr>
-        <p:spPr>
-          <a:xfrm>
-            <a:off x="628650" y="1571105"/>
-            <a:ext cx="4662441" cy="2741924"/>
-          </a:xfrm>
-        </p:spPr>
-        <p:txBody>
-          <a:bodyPr>
-            <a:normAutofit/>
-          </a:bodyPr>
-          <a:lstStyle/>
-          <a:p>
-            <a:r>
-              <a:rPr lang="en-US" altLang="zh-CN" dirty="0"/>
-              <a:t>GPGPU (General Purpose Graphic Processing Unit) has been widely employed</a:t>
-            </a:r>
-          </a:p>
-          <a:p>
-            <a:pPr lvl="1"/>
-            <a:r>
-              <a:rPr lang="en-US" altLang="zh-CN" b="1" i="1" dirty="0"/>
-              <a:t>Deep Learning</a:t>
-            </a:r>
-          </a:p>
-          <a:p>
-            <a:pPr lvl="1"/>
-            <a:r>
-              <a:rPr lang="en-US" altLang="zh-CN" dirty="0"/>
-              <a:t>Datacenter </a:t>
-            </a:r>
-          </a:p>
-          <a:p>
-            <a:pPr lvl="1"/>
-            <a:r>
-              <a:rPr lang="en-US" altLang="zh-CN" dirty="0"/>
-              <a:t>Supercomputer</a:t>
-            </a:r>
-          </a:p>
-          <a:p>
-            <a:pPr lvl="1"/>
-            <a:endParaRPr lang="en-US" altLang="zh-CN" dirty="0"/>
-          </a:p>
-          <a:p>
-            <a:endParaRPr lang="en-US" altLang="zh-CN" dirty="0"/>
-          </a:p>
-          <a:p>
-            <a:pPr lvl="1"/>
-            <a:endParaRPr lang="en-US" altLang="zh-CN" dirty="0"/>
-          </a:p>
-          <a:p>
-            <a:pPr lvl="1"/>
-            <a:endParaRPr lang="en-US" altLang="zh-CN" dirty="0"/>
-          </a:p>
-          <a:p>
-            <a:pPr lvl="1"/>
-            <a:endParaRPr lang="en-US" altLang="zh-CN" dirty="0"/>
-          </a:p>
-          <a:p>
-            <a:pPr lvl="1"/>
-            <a:endParaRPr lang="en-US" altLang="zh-CN" dirty="0"/>
-          </a:p>
-          <a:p>
-            <a:pPr lvl="1"/>
-            <a:endParaRPr lang="zh-CN" altLang="en-US" dirty="0"/>
-          </a:p>
-        </p:txBody>
-      </p:sp>
-      <p:sp>
-        <p:nvSpPr>
-          <p:cNvPr id="4" name="灯片编号占位符 3"/>
-          <p:cNvSpPr>
-            <a:spLocks noGrp="1"/>
-          </p:cNvSpPr>
-          <p:nvPr>
-            <p:ph type="sldNum" sz="quarter" idx="12"/>
-          </p:nvPr>
-        </p:nvSpPr>
-        <p:spPr/>
-        <p:txBody>
-          <a:bodyPr/>
-          <a:lstStyle/>
-          <a:p>
-            <a:fld id="{378697A6-3D32-4AE2-8A24-FFFF79AA4288}" type="slidenum">
-              <a:rPr lang="zh-CN" altLang="en-US" smtClean="0"/>
-              <a:t>3</a:t>
-            </a:fld>
-            <a:endParaRPr lang="zh-CN" altLang="en-US" dirty="0"/>
-          </a:p>
-        </p:txBody>
-      </p:sp>
-      <p:pic>
-        <p:nvPicPr>
-          <p:cNvPr id="5" name="图片 4"/>
-          <p:cNvPicPr>
-            <a:picLocks noChangeAspect="1"/>
-          </p:cNvPicPr>
-          <p:nvPr/>
-        </p:nvPicPr>
-        <p:blipFill>
-          <a:blip r:embed="rId2"/>
-          <a:stretch>
-            <a:fillRect/>
-          </a:stretch>
-        </p:blipFill>
-        <p:spPr>
-          <a:xfrm>
-            <a:off x="5370990" y="1708930"/>
-            <a:ext cx="3298373" cy="1715154"/>
-          </a:xfrm>
-          <a:prstGeom prst="rect">
-            <a:avLst/>
-          </a:prstGeom>
-        </p:spPr>
-      </p:pic>
-      <p:pic>
-        <p:nvPicPr>
-          <p:cNvPr id="6" name="图片 5"/>
-          <p:cNvPicPr>
-            <a:picLocks noChangeAspect="1"/>
-          </p:cNvPicPr>
-          <p:nvPr/>
-        </p:nvPicPr>
-        <p:blipFill>
-          <a:blip r:embed="rId3"/>
-          <a:stretch>
-            <a:fillRect/>
-          </a:stretch>
-        </p:blipFill>
-        <p:spPr>
-          <a:xfrm>
-            <a:off x="5658090" y="4375616"/>
-            <a:ext cx="2972383" cy="805945"/>
-          </a:xfrm>
-          <a:prstGeom prst="rect">
-            <a:avLst/>
-          </a:prstGeom>
-        </p:spPr>
-      </p:pic>
-      <p:sp>
-        <p:nvSpPr>
-          <p:cNvPr id="7" name="矩形 6"/>
-          <p:cNvSpPr/>
-          <p:nvPr/>
-        </p:nvSpPr>
-        <p:spPr>
-          <a:xfrm>
-            <a:off x="5370990" y="5181561"/>
-            <a:ext cx="3643728" cy="1477328"/>
-          </a:xfrm>
-          <a:prstGeom prst="rect">
-            <a:avLst/>
-          </a:prstGeom>
-        </p:spPr>
-        <p:txBody>
-          <a:bodyPr wrap="square">
-            <a:spAutoFit/>
-          </a:bodyPr>
-          <a:lstStyle/>
-          <a:p>
-            <a:pPr algn="ctr"/>
-            <a:r>
-              <a:rPr lang="en-US" altLang="zh-CN" dirty="0"/>
-              <a:t>“We also implemented a distributed version of </a:t>
-            </a:r>
-            <a:r>
-              <a:rPr lang="en-US" altLang="zh-CN" dirty="0" err="1"/>
-              <a:t>AlphaGo</a:t>
-            </a:r>
-            <a:r>
-              <a:rPr lang="en-US" altLang="zh-CN" dirty="0"/>
-              <a:t> that exploited multiple machines, 40 search threads, 1,202 CPUs and 176 GPUs” – Nature, 2016</a:t>
-            </a:r>
-          </a:p>
-        </p:txBody>
-      </p:sp>
-      <p:sp>
-        <p:nvSpPr>
-          <p:cNvPr id="8" name="矩形 7"/>
-          <p:cNvSpPr/>
-          <p:nvPr/>
-        </p:nvSpPr>
-        <p:spPr>
-          <a:xfrm>
-            <a:off x="1753340" y="4735799"/>
-            <a:ext cx="4572000" cy="369332"/>
-          </a:xfrm>
-          <a:prstGeom prst="rect">
-            <a:avLst/>
-          </a:prstGeom>
-        </p:spPr>
-        <p:txBody>
-          <a:bodyPr>
-            <a:spAutoFit/>
-          </a:bodyPr>
-          <a:lstStyle/>
-          <a:p>
-            <a:endParaRPr lang="en-US" altLang="zh-CN" dirty="0"/>
-          </a:p>
-        </p:txBody>
-      </p:sp>
-      <p:sp>
-        <p:nvSpPr>
-          <p:cNvPr id="9" name="内容占位符 2"/>
-          <p:cNvSpPr txBox="1">
-            <a:spLocks/>
-          </p:cNvSpPr>
-          <p:nvPr/>
-        </p:nvSpPr>
-        <p:spPr>
-          <a:xfrm>
-            <a:off x="628650" y="4116076"/>
-            <a:ext cx="4662441" cy="1725431"/>
-          </a:xfrm>
-          <a:prstGeom prst="rect">
-            <a:avLst/>
-          </a:prstGeom>
-        </p:spPr>
-        <p:txBody>
-          <a:bodyPr vert="horz" lIns="91440" tIns="45720" rIns="91440" bIns="45720" rtlCol="0">
-            <a:normAutofit fontScale="92500" lnSpcReduction="20000"/>
-          </a:bodyPr>
-          <a:lstStyle>
-            <a:lvl1pPr marL="228600" indent="-228600" algn="l" defTabSz="914400" rtl="0" eaLnBrk="1" latinLnBrk="0" hangingPunct="1">
-              <a:lnSpc>
-                <a:spcPct val="90000"/>
-              </a:lnSpc>
-              <a:spcBef>
-                <a:spcPts val="1000"/>
-              </a:spcBef>
-              <a:buFont typeface="Wingdings" panose="05000000000000000000" pitchFamily="2" charset="2"/>
-              <a:buChar char="Ø"/>
-              <a:defRPr sz="2400" kern="1200">
-                <a:solidFill>
-                  <a:schemeClr val="tx1"/>
-                </a:solidFill>
-                <a:latin typeface="Arial" panose="020B0604020202020204" pitchFamily="34" charset="0"/>
-                <a:ea typeface="+mn-ea"/>
-                <a:cs typeface="Arial" panose="020B0604020202020204" pitchFamily="34" charset="0"/>
-              </a:defRPr>
-            </a:lvl1pPr>
-            <a:lvl2pPr marL="685800" indent="-228600" algn="l" defTabSz="914400" rtl="0" eaLnBrk="1" latinLnBrk="0" hangingPunct="1">
-              <a:lnSpc>
-                <a:spcPct val="90000"/>
-              </a:lnSpc>
-              <a:spcBef>
-                <a:spcPts val="500"/>
-              </a:spcBef>
-              <a:buFont typeface="Wingdings" panose="05000000000000000000" pitchFamily="2" charset="2"/>
-              <a:buChar char="u"/>
-              <a:defRPr sz="2000" kern="1200">
-                <a:solidFill>
-                  <a:schemeClr val="tx1"/>
-                </a:solidFill>
-                <a:latin typeface="Arial" panose="020B0604020202020204" pitchFamily="34" charset="0"/>
-                <a:ea typeface="+mn-ea"/>
-                <a:cs typeface="Arial" panose="020B0604020202020204" pitchFamily="34" charset="0"/>
-              </a:defRPr>
-            </a:lvl2pPr>
-            <a:lvl3pPr marL="1143000" indent="-228600" algn="l" defTabSz="914400" rtl="0" eaLnBrk="1" latinLnBrk="0" hangingPunct="1">
-              <a:lnSpc>
-                <a:spcPct val="90000"/>
-              </a:lnSpc>
-              <a:spcBef>
-                <a:spcPts val="500"/>
-              </a:spcBef>
-              <a:buFont typeface="Arial" panose="020B0604020202020204" pitchFamily="34" charset="0"/>
-              <a:buChar char="•"/>
-              <a:defRPr sz="1800" kern="1200">
-                <a:solidFill>
-                  <a:schemeClr val="tx1"/>
-                </a:solidFill>
-                <a:latin typeface="+mn-lt"/>
-                <a:ea typeface="+mn-ea"/>
-                <a:cs typeface="+mn-cs"/>
-              </a:defRPr>
-            </a:lvl3pPr>
-            <a:lvl4pPr marL="1600200" indent="-228600" algn="l" defTabSz="914400" rtl="0" eaLnBrk="1" latinLnBrk="0" hangingPunct="1">
-              <a:lnSpc>
-                <a:spcPct val="90000"/>
-              </a:lnSpc>
-              <a:spcBef>
-                <a:spcPts val="500"/>
-              </a:spcBef>
-              <a:buFont typeface="Arial" panose="020B0604020202020204" pitchFamily="34" charset="0"/>
-              <a:buChar char="•"/>
-              <a:defRPr sz="1800" kern="1200">
-                <a:solidFill>
-                  <a:schemeClr val="tx1"/>
-                </a:solidFill>
-                <a:latin typeface="+mn-lt"/>
-                <a:ea typeface="+mn-ea"/>
-                <a:cs typeface="+mn-cs"/>
-              </a:defRPr>
-            </a:lvl4pPr>
-            <a:lvl5pPr marL="2057400" indent="-228600" algn="l" defTabSz="914400" rtl="0" eaLnBrk="1" latinLnBrk="0" hangingPunct="1">
-              <a:lnSpc>
-                <a:spcPct val="90000"/>
-              </a:lnSpc>
-              <a:spcBef>
-                <a:spcPts val="500"/>
-              </a:spcBef>
-              <a:buFont typeface="Arial" panose="020B0604020202020204" pitchFamily="34" charset="0"/>
-              <a:buChar char="•"/>
-              <a:defRPr sz="1800" kern="1200">
-                <a:solidFill>
-                  <a:schemeClr val="tx1"/>
-                </a:solidFill>
-                <a:latin typeface="+mn-lt"/>
-                <a:ea typeface="+mn-ea"/>
-                <a:cs typeface="+mn-cs"/>
-              </a:defRPr>
-            </a:lvl5pPr>
-            <a:lvl6pPr marL="2514600" indent="-228600" algn="l" defTabSz="914400" rtl="0" eaLnBrk="1" latinLnBrk="0" hangingPunct="1">
-              <a:lnSpc>
-                <a:spcPct val="90000"/>
-              </a:lnSpc>
-              <a:spcBef>
-                <a:spcPts val="500"/>
-              </a:spcBef>
-              <a:buFont typeface="Arial" panose="020B0604020202020204" pitchFamily="34" charset="0"/>
-              <a:buChar char="•"/>
-              <a:defRPr sz="1800" kern="1200">
-                <a:solidFill>
-                  <a:schemeClr val="tx1"/>
-                </a:solidFill>
-                <a:latin typeface="+mn-lt"/>
-                <a:ea typeface="+mn-ea"/>
-                <a:cs typeface="+mn-cs"/>
-              </a:defRPr>
-            </a:lvl6pPr>
-            <a:lvl7pPr marL="2971800" indent="-228600" algn="l" defTabSz="914400" rtl="0" eaLnBrk="1" latinLnBrk="0" hangingPunct="1">
-              <a:lnSpc>
-                <a:spcPct val="90000"/>
-              </a:lnSpc>
-              <a:spcBef>
-                <a:spcPts val="500"/>
-              </a:spcBef>
-              <a:buFont typeface="Arial" panose="020B0604020202020204" pitchFamily="34" charset="0"/>
-              <a:buChar char="•"/>
-              <a:defRPr sz="1800" kern="1200">
-                <a:solidFill>
-                  <a:schemeClr val="tx1"/>
-                </a:solidFill>
-                <a:latin typeface="+mn-lt"/>
-                <a:ea typeface="+mn-ea"/>
-                <a:cs typeface="+mn-cs"/>
-              </a:defRPr>
-            </a:lvl7pPr>
-            <a:lvl8pPr marL="3429000" indent="-228600" algn="l" defTabSz="914400" rtl="0" eaLnBrk="1" latinLnBrk="0" hangingPunct="1">
-              <a:lnSpc>
-                <a:spcPct val="90000"/>
-              </a:lnSpc>
-              <a:spcBef>
-                <a:spcPts val="500"/>
-              </a:spcBef>
-              <a:buFont typeface="Arial" panose="020B0604020202020204" pitchFamily="34" charset="0"/>
-              <a:buChar char="•"/>
-              <a:defRPr sz="1800" kern="1200">
-                <a:solidFill>
-                  <a:schemeClr val="tx1"/>
-                </a:solidFill>
-                <a:latin typeface="+mn-lt"/>
-                <a:ea typeface="+mn-ea"/>
-                <a:cs typeface="+mn-cs"/>
-              </a:defRPr>
-            </a:lvl8pPr>
-            <a:lvl9pPr marL="3886200" indent="-228600" algn="l" defTabSz="914400" rtl="0" eaLnBrk="1" latinLnBrk="0" hangingPunct="1">
-              <a:lnSpc>
-                <a:spcPct val="90000"/>
-              </a:lnSpc>
-              <a:spcBef>
-                <a:spcPts val="500"/>
-              </a:spcBef>
-              <a:buFont typeface="Arial" panose="020B0604020202020204" pitchFamily="34" charset="0"/>
-              <a:buChar char="•"/>
-              <a:defRPr sz="1800" kern="1200">
-                <a:solidFill>
-                  <a:schemeClr val="tx1"/>
-                </a:solidFill>
-                <a:latin typeface="+mn-lt"/>
-                <a:ea typeface="+mn-ea"/>
-                <a:cs typeface="+mn-cs"/>
-              </a:defRPr>
-            </a:lvl9pPr>
-          </a:lstStyle>
-          <a:p>
-            <a:r>
-              <a:rPr lang="en-US" altLang="zh-CN" dirty="0"/>
-              <a:t>However, energy-efficiency of GPUs</a:t>
-            </a:r>
-            <a:r>
-              <a:rPr lang="zh-CN" altLang="en-US" dirty="0"/>
-              <a:t> </a:t>
-            </a:r>
-            <a:r>
-              <a:rPr lang="en-US" altLang="zh-CN" dirty="0"/>
-              <a:t>become critical</a:t>
-            </a:r>
-          </a:p>
-          <a:p>
-            <a:pPr lvl="1"/>
-            <a:r>
-              <a:rPr lang="en-US" altLang="zh-CN" dirty="0"/>
-              <a:t>NVIDIA Tesla K80, 300W</a:t>
-            </a:r>
-          </a:p>
-          <a:p>
-            <a:pPr lvl="1"/>
-            <a:r>
-              <a:rPr lang="en-US" altLang="zh-CN" dirty="0"/>
-              <a:t>Core i7-980X Extreme Edition, 130W</a:t>
-            </a:r>
-          </a:p>
-          <a:p>
-            <a:pPr lvl="1"/>
-            <a:r>
-              <a:rPr lang="en-US" altLang="zh-CN" dirty="0"/>
-              <a:t>DOE supercomputer, 20MW</a:t>
-            </a:r>
-          </a:p>
-          <a:p>
-            <a:pPr lvl="1"/>
-            <a:endParaRPr lang="en-US" altLang="zh-CN" dirty="0"/>
-          </a:p>
-        </p:txBody>
-      </p:sp>
-    </p:spTree>
-    <p:extLst>
-      <p:ext uri="{BB962C8B-B14F-4D97-AF65-F5344CB8AC3E}">
-        <p14:creationId xmlns:p14="http://schemas.microsoft.com/office/powerpoint/2010/main" val="2926998817"/>
-      </p:ext>
-    </p:extLst>
-  </p:cSld>
-  <p:clrMapOvr>
-    <a:masterClrMapping/>
-  </p:clrMapOvr>
-  <p:timing>
-    <p:tnLst>
-      <p:par>
-        <p:cTn id="1" dur="indefinite" restart="never" nodeType="tmRoot">
-          <p:childTnLst>
-            <p:seq concurrent="1" nextAc="seek">
-              <p:cTn id="2" dur="indefinite" nodeType="mainSeq">
-                <p:childTnLst>
-                  <p:par>
-                    <p:cTn id="3" fill="hold">
-                      <p:stCondLst>
-                        <p:cond delay="indefinite"/>
-                      </p:stCondLst>
-                      <p:childTnLst>
-                        <p:par>
-                          <p:cTn id="4" fill="hold">
-                            <p:stCondLst>
-                              <p:cond delay="0"/>
-                            </p:stCondLst>
-                            <p:childTnLst>
-                              <p:par>
-                                <p:cTn id="5" presetID="2" presetClass="entr" presetSubtype="4" fill="hold" grpId="0" nodeType="clickEffect">
-                                  <p:stCondLst>
-                                    <p:cond delay="0"/>
-                                  </p:stCondLst>
-                                  <p:childTnLst>
-                                    <p:set>
-                                      <p:cBhvr>
-                                        <p:cTn id="6" dur="1" fill="hold">
-                                          <p:stCondLst>
-                                            <p:cond delay="0"/>
-                                          </p:stCondLst>
-                                        </p:cTn>
-                                        <p:tgtEl>
-                                          <p:spTgt spid="9"/>
-                                        </p:tgtEl>
-                                        <p:attrNameLst>
-                                          <p:attrName>style.visibility</p:attrName>
-                                        </p:attrNameLst>
-                                      </p:cBhvr>
-                                      <p:to>
-                                        <p:strVal val="visible"/>
-                                      </p:to>
-                                    </p:set>
-                                    <p:anim calcmode="lin" valueType="num">
-                                      <p:cBhvr additive="base">
-                                        <p:cTn id="7" dur="500" fill="hold"/>
-                                        <p:tgtEl>
-                                          <p:spTgt spid="9"/>
-                                        </p:tgtEl>
-                                        <p:attrNameLst>
-                                          <p:attrName>ppt_x</p:attrName>
-                                        </p:attrNameLst>
-                                      </p:cBhvr>
-                                      <p:tavLst>
-                                        <p:tav tm="0">
-                                          <p:val>
-                                            <p:strVal val="#ppt_x"/>
-                                          </p:val>
-                                        </p:tav>
-                                        <p:tav tm="100000">
-                                          <p:val>
-                                            <p:strVal val="#ppt_x"/>
-                                          </p:val>
-                                        </p:tav>
-                                      </p:tavLst>
-                                    </p:anim>
-                                    <p:anim calcmode="lin" valueType="num">
-                                      <p:cBhvr additive="base">
-                                        <p:cTn id="8" dur="500" fill="hold"/>
-                                        <p:tgtEl>
-                                          <p:spTgt spid="9"/>
-                                        </p:tgtEl>
-                                        <p:attrNameLst>
-                                          <p:attrName>ppt_y</p:attrName>
-                                        </p:attrNameLst>
-                                      </p:cBhvr>
-                                      <p:tavLst>
-                                        <p:tav tm="0">
-                                          <p:val>
-                                            <p:strVal val="1+#ppt_h/2"/>
-                                          </p:val>
-                                        </p:tav>
-                                        <p:tav tm="100000">
-                                          <p:val>
-                                            <p:strVal val="#ppt_y"/>
-                                          </p:val>
-                                        </p:tav>
-                                      </p:tavLst>
-                                    </p:anim>
-                                  </p:childTnLst>
-                                </p:cTn>
-                              </p:par>
-                            </p:childTnLst>
-                          </p:cTn>
-                        </p:par>
-                      </p:childTnLst>
-                    </p:cTn>
-                  </p:par>
-                </p:childTnLst>
-              </p:cTn>
-              <p:prevCondLst>
-                <p:cond evt="onPrev" delay="0">
-                  <p:tgtEl>
-                    <p:sldTgt/>
-                  </p:tgtEl>
-                </p:cond>
-              </p:prevCondLst>
-              <p:nextCondLst>
-                <p:cond evt="onNext" delay="0">
-                  <p:tgtEl>
-                    <p:sldTgt/>
-                  </p:tgtEl>
-                </p:cond>
-              </p:nextCondLst>
-            </p:seq>
-          </p:childTnLst>
-        </p:cTn>
-      </p:par>
-    </p:tnLst>
-    <p:bldLst>
-      <p:bldP spid="9" grpId="0"/>
-    </p:bldLst>
-  </p:timing>
-</p:sld>
-</file>
-
-<file path=ppt/slides/slide4.xml><?xml version="1.0" encoding="utf-8"?>
+<file path=ppt/slides/slide21.xml><?xml version="1.0" encoding="utf-8"?>
 <p:sld xmlns:a="http://schemas.openxmlformats.org/drawingml/2006/main" xmlns:r="http://schemas.openxmlformats.org/officeDocument/2006/relationships" xmlns:p="http://schemas.openxmlformats.org/presentationml/2006/main" show="0">
   <p:cSld>
     <p:spTree>
@@ -12487,7 +12207,7 @@
           <a:p>
             <a:fld id="{378697A6-3D32-4AE2-8A24-FFFF79AA4288}" type="slidenum">
               <a:rPr lang="zh-CN" altLang="en-US" smtClean="0"/>
-              <a:t>4</a:t>
+              <a:t>21</a:t>
             </a:fld>
             <a:endParaRPr lang="zh-CN" altLang="en-US"/>
           </a:p>
@@ -12671,6 +12391,42 @@
           </a:fontRef>
         </p:style>
       </p:cxnSp>
+      <p:sp>
+        <p:nvSpPr>
+          <p:cNvPr id="11" name="文本框 10"/>
+          <p:cNvSpPr txBox="1"/>
+          <p:nvPr/>
+        </p:nvSpPr>
+        <p:spPr>
+          <a:xfrm>
+            <a:off x="203400" y="6488668"/>
+            <a:ext cx="8737200" cy="369332"/>
+          </a:xfrm>
+          <a:prstGeom prst="rect">
+            <a:avLst/>
+          </a:prstGeom>
+          <a:noFill/>
+        </p:spPr>
+        <p:txBody>
+          <a:bodyPr wrap="none" rtlCol="0">
+            <a:spAutoFit/>
+          </a:bodyPr>
+          <a:lstStyle/>
+          <a:p>
+            <a:r>
+              <a:rPr lang="en-US" altLang="zh-CN" dirty="0">
+                <a:latin typeface="Times New Roman" panose="02020603050405020304" pitchFamily="18" charset="0"/>
+                <a:cs typeface="Times New Roman" panose="02020603050405020304" pitchFamily="18" charset="0"/>
+              </a:rPr>
+              <a:t>ISCA’15 Warped-compression: enabling power efficient GPUs through register compression</a:t>
+            </a:r>
+            <a:endParaRPr lang="zh-CN" altLang="en-US" dirty="0">
+              <a:latin typeface="Times New Roman" panose="02020603050405020304" pitchFamily="18" charset="0"/>
+              <a:cs typeface="Times New Roman" panose="02020603050405020304" pitchFamily="18" charset="0"/>
+            </a:endParaRPr>
+          </a:p>
+        </p:txBody>
+      </p:sp>
     </p:spTree>
     <p:extLst>
       <p:ext uri="{BB962C8B-B14F-4D97-AF65-F5344CB8AC3E}">
@@ -12681,11 +12437,11 @@
   <p:clrMapOvr>
     <a:masterClrMapping/>
   </p:clrMapOvr>
-  <mc:AlternateContent xmlns:mc="http://schemas.openxmlformats.org/markup-compatibility/2006" xmlns:p14="http://schemas.microsoft.com/office/powerpoint/2010/main">
-    <mc:Choice Requires="p14">
+  <mc:AlternateContent xmlns:mc="http://schemas.openxmlformats.org/markup-compatibility/2006">
+    <mc:Choice xmlns:p14="http://schemas.microsoft.com/office/powerpoint/2010/main" Requires="p14">
       <p:transition spd="slow" p14:dur="2000"/>
     </mc:Choice>
-    <mc:Fallback xmlns="">
+    <mc:Fallback>
       <p:transition spd="slow"/>
     </mc:Fallback>
   </mc:AlternateContent>
@@ -12920,7 +12676,7 @@
 </p:sld>
 </file>
 
-<file path=ppt/slides/slide5.xml><?xml version="1.0" encoding="utf-8"?>
+<file path=ppt/slides/slide3.xml><?xml version="1.0" encoding="utf-8"?>
 <p:sld xmlns:a="http://schemas.openxmlformats.org/drawingml/2006/main" xmlns:r="http://schemas.openxmlformats.org/officeDocument/2006/relationships" xmlns:p="http://schemas.openxmlformats.org/presentationml/2006/main">
   <p:cSld>
     <p:spTree>
@@ -12949,14 +12705,16 @@
         </p:nvSpPr>
         <p:spPr/>
         <p:txBody>
-          <a:bodyPr/>
+          <a:bodyPr>
+            <a:normAutofit/>
+          </a:bodyPr>
           <a:lstStyle/>
           <a:p>
             <a:r>
-              <a:rPr lang="en-US" altLang="zh-CN" dirty="0"/>
-              <a:t>GPU Architecture</a:t>
-            </a:r>
-            <a:endParaRPr lang="zh-CN" altLang="en-US" dirty="0"/>
+              <a:rPr lang="en-US" altLang="zh-CN" sz="3200" dirty="0"/>
+              <a:t>The Processing Engine in Big Data Era</a:t>
+            </a:r>
+            <a:endParaRPr lang="zh-CN" altLang="en-US" sz="3200" dirty="0"/>
           </a:p>
         </p:txBody>
       </p:sp>
@@ -12972,40 +12730,53 @@
         </p:nvSpPr>
         <p:spPr>
           <a:xfrm>
-            <a:off x="628650" y="1278142"/>
-            <a:ext cx="7886700" cy="4605858"/>
+            <a:off x="628650" y="1571105"/>
+            <a:ext cx="4662441" cy="2741924"/>
           </a:xfrm>
         </p:spPr>
         <p:txBody>
           <a:bodyPr>
-            <a:normAutofit lnSpcReduction="10000"/>
+            <a:normAutofit/>
           </a:bodyPr>
           <a:lstStyle/>
           <a:p>
             <a:r>
+              <a:rPr lang="en-US" altLang="zh-CN" sz="2000" dirty="0"/>
+              <a:t>GPGPUs (</a:t>
+            </a:r>
+            <a:r>
+              <a:rPr lang="en-US" altLang="zh-CN" sz="2000" i="1" dirty="0"/>
+              <a:t>General Purpose Graphic Processing Unit</a:t>
+            </a:r>
+            <a:r>
+              <a:rPr lang="en-US" altLang="zh-CN" sz="2000" dirty="0"/>
+              <a:t>) have been widely </a:t>
+            </a:r>
+            <a:r>
+              <a:rPr lang="en-US" altLang="zh-CN" sz="2000" dirty="0" smtClean="0"/>
+              <a:t>employed</a:t>
+            </a:r>
+            <a:endParaRPr lang="en-US" altLang="zh-CN" sz="2000" dirty="0"/>
+          </a:p>
+          <a:p>
+            <a:pPr lvl="1"/>
+            <a:r>
+              <a:rPr lang="en-US" altLang="zh-CN" b="1" i="1" dirty="0"/>
+              <a:t>Deep Learning</a:t>
+            </a:r>
+          </a:p>
+          <a:p>
+            <a:pPr lvl="1"/>
+            <a:r>
               <a:rPr lang="en-US" altLang="zh-CN" dirty="0"/>
-              <a:t>SIMT architecture: Single Instruction Multiple Threads</a:t>
+              <a:t>Datacenter </a:t>
             </a:r>
           </a:p>
           <a:p>
             <a:pPr lvl="1"/>
             <a:r>
               <a:rPr lang="en-US" altLang="zh-CN" dirty="0"/>
-              <a:t>thousands of threads running together</a:t>
-            </a:r>
-          </a:p>
-          <a:p>
-            <a:pPr lvl="1"/>
-            <a:r>
-              <a:rPr lang="en-US" altLang="zh-CN" dirty="0"/>
-              <a:t>threads operates on different data</a:t>
-            </a:r>
-          </a:p>
-          <a:p>
-            <a:pPr lvl="1"/>
-            <a:r>
-              <a:rPr lang="en-US" altLang="zh-CN" dirty="0"/>
-              <a:t>hiding long memory access latency</a:t>
+              <a:t>Supercomputer</a:t>
             </a:r>
           </a:p>
           <a:p>
@@ -13013,66 +12784,26 @@
             <a:endParaRPr lang="en-US" altLang="zh-CN" dirty="0"/>
           </a:p>
           <a:p>
-            <a:r>
-              <a:rPr lang="en-US" altLang="zh-CN" dirty="0"/>
-              <a:t>Register file with large capacity</a:t>
-            </a:r>
-          </a:p>
-          <a:p>
-            <a:pPr lvl="1"/>
-            <a:r>
-              <a:rPr lang="en-US" altLang="zh-CN" dirty="0"/>
-              <a:t>save the contexts of threads</a:t>
-            </a:r>
-          </a:p>
-          <a:p>
-            <a:pPr lvl="1"/>
-            <a:r>
-              <a:rPr lang="en-US" altLang="zh-CN" dirty="0"/>
-              <a:t>512KB per SM (streaming multiprocessor) on NVIDIA K80</a:t>
-            </a:r>
-          </a:p>
-          <a:p>
-            <a:pPr lvl="1"/>
-            <a:r>
-              <a:rPr lang="en-US" altLang="zh-CN" dirty="0"/>
-              <a:t>constrain how many threads concurrently running</a:t>
-            </a:r>
+            <a:endParaRPr lang="en-US" altLang="zh-CN" dirty="0"/>
           </a:p>
           <a:p>
             <a:pPr lvl="1"/>
             <a:endParaRPr lang="en-US" altLang="zh-CN" dirty="0"/>
           </a:p>
           <a:p>
-            <a:r>
-              <a:rPr lang="en-US" altLang="zh-CN" dirty="0"/>
-              <a:t>A register read/write operation from a warp</a:t>
-            </a:r>
-          </a:p>
-          <a:p>
             <a:pPr lvl="1"/>
-            <a:r>
-              <a:rPr lang="en-US" altLang="zh-CN" dirty="0"/>
-              <a:t>32 threads / warp </a:t>
-            </a:r>
+            <a:endParaRPr lang="en-US" altLang="zh-CN" dirty="0"/>
           </a:p>
           <a:p>
             <a:pPr lvl="1"/>
-            <a:r>
-              <a:rPr lang="en-US" altLang="zh-CN" dirty="0"/>
-              <a:t>32 * 32 bit = 1024 bit</a:t>
-            </a:r>
-          </a:p>
-          <a:p>
             <a:endParaRPr lang="en-US" altLang="zh-CN" dirty="0"/>
           </a:p>
           <a:p>
+            <a:pPr lvl="1"/>
             <a:endParaRPr lang="en-US" altLang="zh-CN" dirty="0"/>
           </a:p>
           <a:p>
-            <a:pPr marL="457200" lvl="1" indent="0">
-              <a:buNone/>
-            </a:pPr>
+            <a:pPr lvl="1"/>
             <a:endParaRPr lang="zh-CN" altLang="en-US" dirty="0"/>
           </a:p>
         </p:txBody>
@@ -13094,7 +12825,707 @@
           <a:p>
             <a:fld id="{378697A6-3D32-4AE2-8A24-FFFF79AA4288}" type="slidenum">
               <a:rPr lang="zh-CN" altLang="en-US" smtClean="0"/>
-              <a:t>5</a:t>
+              <a:t>3</a:t>
+            </a:fld>
+            <a:endParaRPr lang="zh-CN" altLang="en-US" dirty="0"/>
+          </a:p>
+        </p:txBody>
+      </p:sp>
+      <p:pic>
+        <p:nvPicPr>
+          <p:cNvPr id="6" name="图片 5"/>
+          <p:cNvPicPr>
+            <a:picLocks noChangeAspect="1"/>
+          </p:cNvPicPr>
+          <p:nvPr/>
+        </p:nvPicPr>
+        <p:blipFill>
+          <a:blip r:embed="rId3"/>
+          <a:stretch>
+            <a:fillRect/>
+          </a:stretch>
+        </p:blipFill>
+        <p:spPr>
+          <a:xfrm>
+            <a:off x="5658090" y="4375616"/>
+            <a:ext cx="2972383" cy="805945"/>
+          </a:xfrm>
+          <a:prstGeom prst="rect">
+            <a:avLst/>
+          </a:prstGeom>
+        </p:spPr>
+      </p:pic>
+      <p:sp>
+        <p:nvSpPr>
+          <p:cNvPr id="7" name="矩形 6"/>
+          <p:cNvSpPr/>
+          <p:nvPr/>
+        </p:nvSpPr>
+        <p:spPr>
+          <a:xfrm>
+            <a:off x="5370990" y="5181561"/>
+            <a:ext cx="3643728" cy="1477328"/>
+          </a:xfrm>
+          <a:prstGeom prst="rect">
+            <a:avLst/>
+          </a:prstGeom>
+        </p:spPr>
+        <p:txBody>
+          <a:bodyPr wrap="square">
+            <a:spAutoFit/>
+          </a:bodyPr>
+          <a:lstStyle/>
+          <a:p>
+            <a:pPr algn="ctr"/>
+            <a:r>
+              <a:rPr lang="en-US" altLang="zh-CN" dirty="0"/>
+              <a:t>“We also implemented a distributed version of </a:t>
+            </a:r>
+            <a:r>
+              <a:rPr lang="en-US" altLang="zh-CN" dirty="0" err="1"/>
+              <a:t>AlphaGo</a:t>
+            </a:r>
+            <a:r>
+              <a:rPr lang="en-US" altLang="zh-CN" dirty="0"/>
+              <a:t> that exploited multiple machines, 40 search threads, 1,202 CPUs and 176 GPUs” – Nature, 2016</a:t>
+            </a:r>
+          </a:p>
+        </p:txBody>
+      </p:sp>
+      <p:sp>
+        <p:nvSpPr>
+          <p:cNvPr id="8" name="矩形 7"/>
+          <p:cNvSpPr/>
+          <p:nvPr/>
+        </p:nvSpPr>
+        <p:spPr>
+          <a:xfrm>
+            <a:off x="1753340" y="4735799"/>
+            <a:ext cx="4572000" cy="369332"/>
+          </a:xfrm>
+          <a:prstGeom prst="rect">
+            <a:avLst/>
+          </a:prstGeom>
+        </p:spPr>
+        <p:txBody>
+          <a:bodyPr>
+            <a:spAutoFit/>
+          </a:bodyPr>
+          <a:lstStyle/>
+          <a:p>
+            <a:endParaRPr lang="en-US" altLang="zh-CN" dirty="0"/>
+          </a:p>
+        </p:txBody>
+      </p:sp>
+      <p:sp>
+        <p:nvSpPr>
+          <p:cNvPr id="9" name="内容占位符 2"/>
+          <p:cNvSpPr txBox="1">
+            <a:spLocks/>
+          </p:cNvSpPr>
+          <p:nvPr/>
+        </p:nvSpPr>
+        <p:spPr>
+          <a:xfrm>
+            <a:off x="628650" y="4116076"/>
+            <a:ext cx="4662441" cy="1951092"/>
+          </a:xfrm>
+          <a:prstGeom prst="rect">
+            <a:avLst/>
+          </a:prstGeom>
+        </p:spPr>
+        <p:txBody>
+          <a:bodyPr vert="horz" lIns="91440" tIns="45720" rIns="91440" bIns="45720" rtlCol="0">
+            <a:normAutofit/>
+          </a:bodyPr>
+          <a:lstStyle>
+            <a:lvl1pPr marL="228600" indent="-228600" algn="l" defTabSz="914400" rtl="0" eaLnBrk="1" latinLnBrk="0" hangingPunct="1">
+              <a:lnSpc>
+                <a:spcPct val="90000"/>
+              </a:lnSpc>
+              <a:spcBef>
+                <a:spcPts val="1000"/>
+              </a:spcBef>
+              <a:buFont typeface="Wingdings" panose="05000000000000000000" pitchFamily="2" charset="2"/>
+              <a:buChar char="Ø"/>
+              <a:defRPr sz="2400" kern="1200">
+                <a:solidFill>
+                  <a:schemeClr val="tx1"/>
+                </a:solidFill>
+                <a:latin typeface="Arial" panose="020B0604020202020204" pitchFamily="34" charset="0"/>
+                <a:ea typeface="+mn-ea"/>
+                <a:cs typeface="Arial" panose="020B0604020202020204" pitchFamily="34" charset="0"/>
+              </a:defRPr>
+            </a:lvl1pPr>
+            <a:lvl2pPr marL="685800" indent="-228600" algn="l" defTabSz="914400" rtl="0" eaLnBrk="1" latinLnBrk="0" hangingPunct="1">
+              <a:lnSpc>
+                <a:spcPct val="90000"/>
+              </a:lnSpc>
+              <a:spcBef>
+                <a:spcPts val="500"/>
+              </a:spcBef>
+              <a:buFont typeface="Wingdings" panose="05000000000000000000" pitchFamily="2" charset="2"/>
+              <a:buChar char="u"/>
+              <a:defRPr sz="2000" kern="1200">
+                <a:solidFill>
+                  <a:schemeClr val="tx1"/>
+                </a:solidFill>
+                <a:latin typeface="Arial" panose="020B0604020202020204" pitchFamily="34" charset="0"/>
+                <a:ea typeface="+mn-ea"/>
+                <a:cs typeface="Arial" panose="020B0604020202020204" pitchFamily="34" charset="0"/>
+              </a:defRPr>
+            </a:lvl2pPr>
+            <a:lvl3pPr marL="1143000" indent="-228600" algn="l" defTabSz="914400" rtl="0" eaLnBrk="1" latinLnBrk="0" hangingPunct="1">
+              <a:lnSpc>
+                <a:spcPct val="90000"/>
+              </a:lnSpc>
+              <a:spcBef>
+                <a:spcPts val="500"/>
+              </a:spcBef>
+              <a:buFont typeface="Arial" panose="020B0604020202020204" pitchFamily="34" charset="0"/>
+              <a:buChar char="•"/>
+              <a:defRPr sz="1800" kern="1200">
+                <a:solidFill>
+                  <a:schemeClr val="tx1"/>
+                </a:solidFill>
+                <a:latin typeface="+mn-lt"/>
+                <a:ea typeface="+mn-ea"/>
+                <a:cs typeface="+mn-cs"/>
+              </a:defRPr>
+            </a:lvl3pPr>
+            <a:lvl4pPr marL="1600200" indent="-228600" algn="l" defTabSz="914400" rtl="0" eaLnBrk="1" latinLnBrk="0" hangingPunct="1">
+              <a:lnSpc>
+                <a:spcPct val="90000"/>
+              </a:lnSpc>
+              <a:spcBef>
+                <a:spcPts val="500"/>
+              </a:spcBef>
+              <a:buFont typeface="Arial" panose="020B0604020202020204" pitchFamily="34" charset="0"/>
+              <a:buChar char="•"/>
+              <a:defRPr sz="1800" kern="1200">
+                <a:solidFill>
+                  <a:schemeClr val="tx1"/>
+                </a:solidFill>
+                <a:latin typeface="+mn-lt"/>
+                <a:ea typeface="+mn-ea"/>
+                <a:cs typeface="+mn-cs"/>
+              </a:defRPr>
+            </a:lvl4pPr>
+            <a:lvl5pPr marL="2057400" indent="-228600" algn="l" defTabSz="914400" rtl="0" eaLnBrk="1" latinLnBrk="0" hangingPunct="1">
+              <a:lnSpc>
+                <a:spcPct val="90000"/>
+              </a:lnSpc>
+              <a:spcBef>
+                <a:spcPts val="500"/>
+              </a:spcBef>
+              <a:buFont typeface="Arial" panose="020B0604020202020204" pitchFamily="34" charset="0"/>
+              <a:buChar char="•"/>
+              <a:defRPr sz="1800" kern="1200">
+                <a:solidFill>
+                  <a:schemeClr val="tx1"/>
+                </a:solidFill>
+                <a:latin typeface="+mn-lt"/>
+                <a:ea typeface="+mn-ea"/>
+                <a:cs typeface="+mn-cs"/>
+              </a:defRPr>
+            </a:lvl5pPr>
+            <a:lvl6pPr marL="2514600" indent="-228600" algn="l" defTabSz="914400" rtl="0" eaLnBrk="1" latinLnBrk="0" hangingPunct="1">
+              <a:lnSpc>
+                <a:spcPct val="90000"/>
+              </a:lnSpc>
+              <a:spcBef>
+                <a:spcPts val="500"/>
+              </a:spcBef>
+              <a:buFont typeface="Arial" panose="020B0604020202020204" pitchFamily="34" charset="0"/>
+              <a:buChar char="•"/>
+              <a:defRPr sz="1800" kern="1200">
+                <a:solidFill>
+                  <a:schemeClr val="tx1"/>
+                </a:solidFill>
+                <a:latin typeface="+mn-lt"/>
+                <a:ea typeface="+mn-ea"/>
+                <a:cs typeface="+mn-cs"/>
+              </a:defRPr>
+            </a:lvl6pPr>
+            <a:lvl7pPr marL="2971800" indent="-228600" algn="l" defTabSz="914400" rtl="0" eaLnBrk="1" latinLnBrk="0" hangingPunct="1">
+              <a:lnSpc>
+                <a:spcPct val="90000"/>
+              </a:lnSpc>
+              <a:spcBef>
+                <a:spcPts val="500"/>
+              </a:spcBef>
+              <a:buFont typeface="Arial" panose="020B0604020202020204" pitchFamily="34" charset="0"/>
+              <a:buChar char="•"/>
+              <a:defRPr sz="1800" kern="1200">
+                <a:solidFill>
+                  <a:schemeClr val="tx1"/>
+                </a:solidFill>
+                <a:latin typeface="+mn-lt"/>
+                <a:ea typeface="+mn-ea"/>
+                <a:cs typeface="+mn-cs"/>
+              </a:defRPr>
+            </a:lvl7pPr>
+            <a:lvl8pPr marL="3429000" indent="-228600" algn="l" defTabSz="914400" rtl="0" eaLnBrk="1" latinLnBrk="0" hangingPunct="1">
+              <a:lnSpc>
+                <a:spcPct val="90000"/>
+              </a:lnSpc>
+              <a:spcBef>
+                <a:spcPts val="500"/>
+              </a:spcBef>
+              <a:buFont typeface="Arial" panose="020B0604020202020204" pitchFamily="34" charset="0"/>
+              <a:buChar char="•"/>
+              <a:defRPr sz="1800" kern="1200">
+                <a:solidFill>
+                  <a:schemeClr val="tx1"/>
+                </a:solidFill>
+                <a:latin typeface="+mn-lt"/>
+                <a:ea typeface="+mn-ea"/>
+                <a:cs typeface="+mn-cs"/>
+              </a:defRPr>
+            </a:lvl8pPr>
+            <a:lvl9pPr marL="3886200" indent="-228600" algn="l" defTabSz="914400" rtl="0" eaLnBrk="1" latinLnBrk="0" hangingPunct="1">
+              <a:lnSpc>
+                <a:spcPct val="90000"/>
+              </a:lnSpc>
+              <a:spcBef>
+                <a:spcPts val="500"/>
+              </a:spcBef>
+              <a:buFont typeface="Arial" panose="020B0604020202020204" pitchFamily="34" charset="0"/>
+              <a:buChar char="•"/>
+              <a:defRPr sz="1800" kern="1200">
+                <a:solidFill>
+                  <a:schemeClr val="tx1"/>
+                </a:solidFill>
+                <a:latin typeface="+mn-lt"/>
+                <a:ea typeface="+mn-ea"/>
+                <a:cs typeface="+mn-cs"/>
+              </a:defRPr>
+            </a:lvl9pPr>
+          </a:lstStyle>
+          <a:p>
+            <a:r>
+              <a:rPr lang="en-US" altLang="zh-CN" dirty="0"/>
+              <a:t>However, energy-efficiency of GPUs</a:t>
+            </a:r>
+            <a:r>
+              <a:rPr lang="zh-CN" altLang="en-US" dirty="0"/>
+              <a:t> </a:t>
+            </a:r>
+            <a:r>
+              <a:rPr lang="en-US" altLang="zh-CN" dirty="0"/>
+              <a:t>becomes critical</a:t>
+            </a:r>
+          </a:p>
+          <a:p>
+            <a:pPr lvl="1"/>
+            <a:r>
+              <a:rPr lang="en-US" altLang="zh-CN" dirty="0"/>
+              <a:t>NVIDIA Tesla P100, 300W</a:t>
+            </a:r>
+          </a:p>
+          <a:p>
+            <a:pPr lvl="1"/>
+            <a:r>
+              <a:rPr lang="en-US" altLang="zh-CN" dirty="0" smtClean="0"/>
+              <a:t>Intel Core </a:t>
+            </a:r>
+            <a:r>
+              <a:rPr lang="en-US" altLang="zh-CN" dirty="0"/>
+              <a:t>i7-980X Extreme Edition, </a:t>
+            </a:r>
+            <a:r>
+              <a:rPr lang="en-US" altLang="zh-CN" dirty="0" smtClean="0"/>
+              <a:t>130W</a:t>
+            </a:r>
+          </a:p>
+          <a:p>
+            <a:pPr lvl="1"/>
+            <a:endParaRPr lang="en-US" altLang="zh-CN" dirty="0" smtClean="0"/>
+          </a:p>
+          <a:p>
+            <a:pPr lvl="1"/>
+            <a:endParaRPr lang="en-US" altLang="zh-CN" dirty="0"/>
+          </a:p>
+        </p:txBody>
+      </p:sp>
+      <p:pic>
+        <p:nvPicPr>
+          <p:cNvPr id="10" name="图片 9"/>
+          <p:cNvPicPr>
+            <a:picLocks noChangeAspect="1"/>
+          </p:cNvPicPr>
+          <p:nvPr/>
+        </p:nvPicPr>
+        <p:blipFill>
+          <a:blip r:embed="rId4">
+            <a:extLst>
+              <a:ext uri="{28A0092B-C50C-407E-A947-70E740481C1C}">
+                <a14:useLocalDpi xmlns:a14="http://schemas.microsoft.com/office/drawing/2010/main" val="0"/>
+              </a:ext>
+            </a:extLst>
+          </a:blip>
+          <a:stretch>
+            <a:fillRect/>
+          </a:stretch>
+        </p:blipFill>
+        <p:spPr>
+          <a:xfrm>
+            <a:off x="5230305" y="1935928"/>
+            <a:ext cx="3400168" cy="1886472"/>
+          </a:xfrm>
+          <a:prstGeom prst="rect">
+            <a:avLst/>
+          </a:prstGeom>
+        </p:spPr>
+      </p:pic>
+    </p:spTree>
+    <p:extLst>
+      <p:ext uri="{BB962C8B-B14F-4D97-AF65-F5344CB8AC3E}">
+        <p14:creationId xmlns:p14="http://schemas.microsoft.com/office/powerpoint/2010/main" val="2926998817"/>
+      </p:ext>
+    </p:extLst>
+  </p:cSld>
+  <p:clrMapOvr>
+    <a:masterClrMapping/>
+  </p:clrMapOvr>
+  <p:timing>
+    <p:tnLst>
+      <p:par>
+        <p:cTn id="1" dur="indefinite" restart="never" nodeType="tmRoot">
+          <p:childTnLst>
+            <p:seq concurrent="1" nextAc="seek">
+              <p:cTn id="2" dur="indefinite" nodeType="mainSeq">
+                <p:childTnLst>
+                  <p:par>
+                    <p:cTn id="3" fill="hold">
+                      <p:stCondLst>
+                        <p:cond delay="indefinite"/>
+                      </p:stCondLst>
+                      <p:childTnLst>
+                        <p:par>
+                          <p:cTn id="4" fill="hold">
+                            <p:stCondLst>
+                              <p:cond delay="0"/>
+                            </p:stCondLst>
+                            <p:childTnLst>
+                              <p:par>
+                                <p:cTn id="5" presetID="2" presetClass="entr" presetSubtype="4" fill="hold" grpId="0" nodeType="clickEffect">
+                                  <p:stCondLst>
+                                    <p:cond delay="0"/>
+                                  </p:stCondLst>
+                                  <p:childTnLst>
+                                    <p:set>
+                                      <p:cBhvr>
+                                        <p:cTn id="6" dur="1" fill="hold">
+                                          <p:stCondLst>
+                                            <p:cond delay="0"/>
+                                          </p:stCondLst>
+                                        </p:cTn>
+                                        <p:tgtEl>
+                                          <p:spTgt spid="9"/>
+                                        </p:tgtEl>
+                                        <p:attrNameLst>
+                                          <p:attrName>style.visibility</p:attrName>
+                                        </p:attrNameLst>
+                                      </p:cBhvr>
+                                      <p:to>
+                                        <p:strVal val="visible"/>
+                                      </p:to>
+                                    </p:set>
+                                    <p:anim calcmode="lin" valueType="num">
+                                      <p:cBhvr additive="base">
+                                        <p:cTn id="7" dur="500" fill="hold"/>
+                                        <p:tgtEl>
+                                          <p:spTgt spid="9"/>
+                                        </p:tgtEl>
+                                        <p:attrNameLst>
+                                          <p:attrName>ppt_x</p:attrName>
+                                        </p:attrNameLst>
+                                      </p:cBhvr>
+                                      <p:tavLst>
+                                        <p:tav tm="0">
+                                          <p:val>
+                                            <p:strVal val="#ppt_x"/>
+                                          </p:val>
+                                        </p:tav>
+                                        <p:tav tm="100000">
+                                          <p:val>
+                                            <p:strVal val="#ppt_x"/>
+                                          </p:val>
+                                        </p:tav>
+                                      </p:tavLst>
+                                    </p:anim>
+                                    <p:anim calcmode="lin" valueType="num">
+                                      <p:cBhvr additive="base">
+                                        <p:cTn id="8" dur="500" fill="hold"/>
+                                        <p:tgtEl>
+                                          <p:spTgt spid="9"/>
+                                        </p:tgtEl>
+                                        <p:attrNameLst>
+                                          <p:attrName>ppt_y</p:attrName>
+                                        </p:attrNameLst>
+                                      </p:cBhvr>
+                                      <p:tavLst>
+                                        <p:tav tm="0">
+                                          <p:val>
+                                            <p:strVal val="1+#ppt_h/2"/>
+                                          </p:val>
+                                        </p:tav>
+                                        <p:tav tm="100000">
+                                          <p:val>
+                                            <p:strVal val="#ppt_y"/>
+                                          </p:val>
+                                        </p:tav>
+                                      </p:tavLst>
+                                    </p:anim>
+                                  </p:childTnLst>
+                                </p:cTn>
+                              </p:par>
+                            </p:childTnLst>
+                          </p:cTn>
+                        </p:par>
+                      </p:childTnLst>
+                    </p:cTn>
+                  </p:par>
+                </p:childTnLst>
+              </p:cTn>
+              <p:prevCondLst>
+                <p:cond evt="onPrev" delay="0">
+                  <p:tgtEl>
+                    <p:sldTgt/>
+                  </p:tgtEl>
+                </p:cond>
+              </p:prevCondLst>
+              <p:nextCondLst>
+                <p:cond evt="onNext" delay="0">
+                  <p:tgtEl>
+                    <p:sldTgt/>
+                  </p:tgtEl>
+                </p:cond>
+              </p:nextCondLst>
+            </p:seq>
+          </p:childTnLst>
+        </p:cTn>
+      </p:par>
+    </p:tnLst>
+    <p:bldLst>
+      <p:bldP spid="9" grpId="0"/>
+    </p:bldLst>
+  </p:timing>
+</p:sld>
+</file>
+
+<file path=ppt/slides/slide4.xml><?xml version="1.0" encoding="utf-8"?>
+<p:sld xmlns:a="http://schemas.openxmlformats.org/drawingml/2006/main" xmlns:r="http://schemas.openxmlformats.org/officeDocument/2006/relationships" xmlns:p="http://schemas.openxmlformats.org/presentationml/2006/main">
+  <p:cSld>
+    <p:spTree>
+      <p:nvGrpSpPr>
+        <p:cNvPr id="1" name=""/>
+        <p:cNvGrpSpPr/>
+        <p:nvPr/>
+      </p:nvGrpSpPr>
+      <p:grpSpPr>
+        <a:xfrm>
+          <a:off x="0" y="0"/>
+          <a:ext cx="0" cy="0"/>
+          <a:chOff x="0" y="0"/>
+          <a:chExt cx="0" cy="0"/>
+        </a:xfrm>
+      </p:grpSpPr>
+      <p:sp>
+        <p:nvSpPr>
+          <p:cNvPr id="2" name="标题 1"/>
+          <p:cNvSpPr>
+            <a:spLocks noGrp="1"/>
+          </p:cNvSpPr>
+          <p:nvPr>
+            <p:ph type="title"/>
+          </p:nvPr>
+        </p:nvSpPr>
+        <p:spPr/>
+        <p:txBody>
+          <a:bodyPr/>
+          <a:lstStyle/>
+          <a:p>
+            <a:r>
+              <a:rPr lang="en-US" altLang="zh-CN" dirty="0"/>
+              <a:t>GPU Architecture</a:t>
+            </a:r>
+            <a:endParaRPr lang="zh-CN" altLang="en-US" dirty="0"/>
+          </a:p>
+        </p:txBody>
+      </p:sp>
+      <p:sp>
+        <p:nvSpPr>
+          <p:cNvPr id="3" name="内容占位符 2"/>
+          <p:cNvSpPr>
+            <a:spLocks noGrp="1"/>
+          </p:cNvSpPr>
+          <p:nvPr>
+            <p:ph idx="1"/>
+          </p:nvPr>
+        </p:nvSpPr>
+        <p:spPr>
+          <a:xfrm>
+            <a:off x="628650" y="1278141"/>
+            <a:ext cx="7886700" cy="4813739"/>
+          </a:xfrm>
+        </p:spPr>
+        <p:txBody>
+          <a:bodyPr>
+            <a:normAutofit fontScale="92500" lnSpcReduction="10000"/>
+          </a:bodyPr>
+          <a:lstStyle/>
+          <a:p>
+            <a:r>
+              <a:rPr lang="en-US" altLang="zh-CN" dirty="0"/>
+              <a:t>SIMT architecture: Single Instruction Multiple Threads</a:t>
+            </a:r>
+          </a:p>
+          <a:p>
+            <a:pPr lvl="1"/>
+            <a:r>
+              <a:rPr lang="en-US" altLang="zh-CN" dirty="0"/>
+              <a:t>thousands of threads running together</a:t>
+            </a:r>
+          </a:p>
+          <a:p>
+            <a:pPr lvl="1"/>
+            <a:r>
+              <a:rPr lang="en-US" altLang="zh-CN" dirty="0"/>
+              <a:t>threads operates on different data</a:t>
+            </a:r>
+          </a:p>
+          <a:p>
+            <a:pPr lvl="1"/>
+            <a:r>
+              <a:rPr lang="en-US" altLang="zh-CN" dirty="0"/>
+              <a:t>hiding long memory access latency</a:t>
+            </a:r>
+          </a:p>
+          <a:p>
+            <a:pPr lvl="1"/>
+            <a:r>
+              <a:rPr lang="en-US" altLang="zh-CN" dirty="0"/>
+              <a:t>h</a:t>
+            </a:r>
+            <a:r>
+              <a:rPr lang="en-US" altLang="zh-CN" dirty="0" smtClean="0"/>
+              <a:t>igh</a:t>
+            </a:r>
+            <a:r>
+              <a:rPr lang="zh-CN" altLang="en-US" dirty="0" smtClean="0"/>
+              <a:t> </a:t>
+            </a:r>
+            <a:r>
+              <a:rPr lang="en-US" altLang="zh-CN" dirty="0" smtClean="0"/>
+              <a:t>throughput can be achieved </a:t>
+            </a:r>
+          </a:p>
+          <a:p>
+            <a:pPr lvl="1"/>
+            <a:endParaRPr lang="en-US" altLang="zh-CN" dirty="0"/>
+          </a:p>
+          <a:p>
+            <a:r>
+              <a:rPr lang="en-US" altLang="zh-CN" dirty="0" smtClean="0"/>
+              <a:t>Register </a:t>
+            </a:r>
+            <a:r>
+              <a:rPr lang="en-US" altLang="zh-CN" dirty="0"/>
+              <a:t>file with large capacity</a:t>
+            </a:r>
+          </a:p>
+          <a:p>
+            <a:pPr lvl="1"/>
+            <a:r>
+              <a:rPr lang="en-US" altLang="zh-CN" dirty="0"/>
+              <a:t>save the contexts of threads</a:t>
+            </a:r>
+          </a:p>
+          <a:p>
+            <a:pPr lvl="1"/>
+            <a:r>
+              <a:rPr lang="en-US" altLang="zh-CN" dirty="0"/>
+              <a:t>512KB per SM (streaming multiprocessor) on NVIDIA </a:t>
+            </a:r>
+            <a:r>
+              <a:rPr lang="en-US" altLang="zh-CN" dirty="0" smtClean="0"/>
+              <a:t>K80</a:t>
+            </a:r>
+            <a:r>
+              <a:rPr lang="zh-CN" altLang="en-US" dirty="0" smtClean="0"/>
+              <a:t> </a:t>
+            </a:r>
+            <a:r>
+              <a:rPr lang="en-US" altLang="zh-CN" dirty="0" smtClean="0"/>
+              <a:t>GPU</a:t>
+            </a:r>
+            <a:endParaRPr lang="en-US" altLang="zh-CN" dirty="0"/>
+          </a:p>
+          <a:p>
+            <a:pPr lvl="1"/>
+            <a:r>
+              <a:rPr lang="en-US" altLang="zh-CN" dirty="0"/>
+              <a:t>constrain how many threads concurrently running</a:t>
+            </a:r>
+          </a:p>
+          <a:p>
+            <a:pPr lvl="1"/>
+            <a:endParaRPr lang="en-US" altLang="zh-CN" dirty="0"/>
+          </a:p>
+          <a:p>
+            <a:r>
+              <a:rPr lang="en-US" altLang="zh-CN" dirty="0"/>
+              <a:t>A register read/write operation from a warp</a:t>
+            </a:r>
+          </a:p>
+          <a:p>
+            <a:pPr lvl="1"/>
+            <a:r>
+              <a:rPr lang="en-US" altLang="zh-CN" dirty="0"/>
+              <a:t>32 threads / warp </a:t>
+            </a:r>
+          </a:p>
+          <a:p>
+            <a:pPr lvl="1"/>
+            <a:r>
+              <a:rPr lang="en-US" altLang="zh-CN" dirty="0"/>
+              <a:t>32 * 32 bit = 1024 bit</a:t>
+            </a:r>
+          </a:p>
+          <a:p>
+            <a:endParaRPr lang="en-US" altLang="zh-CN" dirty="0"/>
+          </a:p>
+          <a:p>
+            <a:endParaRPr lang="en-US" altLang="zh-CN" dirty="0"/>
+          </a:p>
+          <a:p>
+            <a:pPr marL="457200" lvl="1" indent="0">
+              <a:buNone/>
+            </a:pPr>
+            <a:endParaRPr lang="zh-CN" altLang="en-US" dirty="0"/>
+          </a:p>
+        </p:txBody>
+      </p:sp>
+      <p:sp>
+        <p:nvSpPr>
+          <p:cNvPr id="4" name="灯片编号占位符 3"/>
+          <p:cNvSpPr>
+            <a:spLocks noGrp="1"/>
+          </p:cNvSpPr>
+          <p:nvPr>
+            <p:ph type="sldNum" sz="quarter" idx="12"/>
+          </p:nvPr>
+        </p:nvSpPr>
+        <p:spPr/>
+        <p:txBody>
+          <a:bodyPr/>
+          <a:lstStyle/>
+          <a:p>
+            <a:fld id="{378697A6-3D32-4AE2-8A24-FFFF79AA4288}" type="slidenum">
+              <a:rPr lang="zh-CN" altLang="en-US" smtClean="0"/>
+              <a:t>4</a:t>
             </a:fld>
             <a:endParaRPr lang="zh-CN" altLang="en-US"/>
           </a:p>
@@ -13146,7 +13577,7 @@
                                         <p:tgtEl>
                                           <p:spTgt spid="3">
                                             <p:txEl>
-                                              <p:pRg st="5" end="5"/>
+                                              <p:pRg st="6" end="6"/>
                                             </p:txEl>
                                           </p:spTgt>
                                         </p:tgtEl>
@@ -13177,7 +13608,7 @@
                                         <p:tgtEl>
                                           <p:spTgt spid="3">
                                             <p:txEl>
-                                              <p:pRg st="6" end="6"/>
+                                              <p:pRg st="7" end="7"/>
                                             </p:txEl>
                                           </p:spTgt>
                                         </p:tgtEl>
@@ -13208,7 +13639,7 @@
                                         <p:tgtEl>
                                           <p:spTgt spid="3">
                                             <p:txEl>
-                                              <p:pRg st="7" end="7"/>
+                                              <p:pRg st="8" end="8"/>
                                             </p:txEl>
                                           </p:spTgt>
                                         </p:tgtEl>
@@ -13239,7 +13670,7 @@
                                         <p:tgtEl>
                                           <p:spTgt spid="3">
                                             <p:txEl>
-                                              <p:pRg st="8" end="8"/>
+                                              <p:pRg st="9" end="9"/>
                                             </p:txEl>
                                           </p:spTgt>
                                         </p:tgtEl>
@@ -13288,7 +13719,7 @@
                                         <p:tgtEl>
                                           <p:spTgt spid="3">
                                             <p:txEl>
-                                              <p:pRg st="10" end="10"/>
+                                              <p:pRg st="11" end="11"/>
                                             </p:txEl>
                                           </p:spTgt>
                                         </p:tgtEl>
@@ -13319,7 +13750,7 @@
                                         <p:tgtEl>
                                           <p:spTgt spid="3">
                                             <p:txEl>
-                                              <p:pRg st="11" end="11"/>
+                                              <p:pRg st="12" end="12"/>
                                             </p:txEl>
                                           </p:spTgt>
                                         </p:tgtEl>
@@ -13350,7 +13781,7 @@
                                         <p:tgtEl>
                                           <p:spTgt spid="3">
                                             <p:txEl>
-                                              <p:pRg st="12" end="12"/>
+                                              <p:pRg st="13" end="13"/>
                                             </p:txEl>
                                           </p:spTgt>
                                         </p:tgtEl>
@@ -13396,7 +13827,7 @@
 </p:sld>
 </file>
 
-<file path=ppt/slides/slide6.xml><?xml version="1.0" encoding="utf-8"?>
+<file path=ppt/slides/slide5.xml><?xml version="1.0" encoding="utf-8"?>
 <p:sld xmlns:a="http://schemas.openxmlformats.org/drawingml/2006/main" xmlns:r="http://schemas.openxmlformats.org/officeDocument/2006/relationships" xmlns:p="http://schemas.openxmlformats.org/presentationml/2006/main">
   <p:cSld>
     <p:spTree>
@@ -13425,14 +13856,20 @@
         </p:nvSpPr>
         <p:spPr/>
         <p:txBody>
-          <a:bodyPr/>
+          <a:bodyPr>
+            <a:normAutofit/>
+          </a:bodyPr>
           <a:lstStyle/>
           <a:p>
             <a:r>
-              <a:rPr lang="en-US" altLang="zh-CN" dirty="0"/>
-              <a:t>SRAM is the bottleneck </a:t>
-            </a:r>
-            <a:endParaRPr lang="zh-CN" altLang="en-US" dirty="0"/>
+              <a:rPr lang="en-US" altLang="zh-CN" sz="2800" dirty="0"/>
+              <a:t>SRAM </a:t>
+            </a:r>
+            <a:r>
+              <a:rPr lang="en-US" altLang="zh-CN" sz="2800" dirty="0" smtClean="0"/>
+              <a:t>becomes the energy bottleneck </a:t>
+            </a:r>
+            <a:endParaRPr lang="zh-CN" altLang="en-US" sz="2800" dirty="0"/>
           </a:p>
         </p:txBody>
       </p:sp>
@@ -13449,7 +13886,7 @@
         <p:spPr>
           <a:xfrm>
             <a:off x="628650" y="1571105"/>
-            <a:ext cx="7886700" cy="4605858"/>
+            <a:ext cx="7886700" cy="4113003"/>
           </a:xfrm>
         </p:spPr>
         <p:txBody>
@@ -13458,7 +13895,58 @@
           <a:p>
             <a:r>
               <a:rPr lang="en-US" altLang="zh-CN" dirty="0"/>
-              <a:t>Energy-efficiency of the register file</a:t>
+              <a:t>High </a:t>
+            </a:r>
+            <a:r>
+              <a:rPr lang="en-US" altLang="zh-CN" dirty="0" smtClean="0"/>
+              <a:t>leakage SRAM cell</a:t>
+            </a:r>
+            <a:endParaRPr lang="en-US" altLang="zh-CN" dirty="0"/>
+          </a:p>
+          <a:p>
+            <a:pPr lvl="1"/>
+            <a:r>
+              <a:rPr lang="en-US" altLang="zh-CN" dirty="0"/>
+              <a:t>high leakage power consumption</a:t>
+            </a:r>
+          </a:p>
+          <a:p>
+            <a:pPr lvl="2"/>
+            <a:r>
+              <a:rPr lang="en-US" altLang="zh-CN" dirty="0"/>
+              <a:t>escalated leakage power as technology scales</a:t>
+            </a:r>
+          </a:p>
+          <a:p>
+            <a:pPr lvl="1"/>
+            <a:r>
+              <a:rPr lang="en-US" altLang="zh-CN" dirty="0"/>
+              <a:t>low density, e.g. </a:t>
+            </a:r>
+            <a:r>
+              <a:rPr lang="en-US" altLang="zh-CN" dirty="0" smtClean="0"/>
+              <a:t>137F</a:t>
+            </a:r>
+            <a:r>
+              <a:rPr lang="en-US" altLang="zh-CN" baseline="30000" dirty="0" smtClean="0"/>
+              <a:t>2</a:t>
+            </a:r>
+            <a:endParaRPr lang="en-US" altLang="zh-CN" dirty="0" smtClean="0"/>
+          </a:p>
+          <a:p>
+            <a:endParaRPr lang="en-US" altLang="zh-CN" dirty="0" smtClean="0"/>
+          </a:p>
+          <a:p>
+            <a:endParaRPr lang="en-US" altLang="zh-CN" dirty="0"/>
+          </a:p>
+          <a:p>
+            <a:r>
+              <a:rPr lang="en-US" altLang="zh-CN" dirty="0" smtClean="0"/>
+              <a:t>Energy-efficiency </a:t>
+            </a:r>
+            <a:r>
+              <a:rPr lang="en-US" altLang="zh-CN" dirty="0"/>
+              <a:t>of the register file</a:t>
             </a:r>
           </a:p>
           <a:p>
@@ -13471,51 +13959,19 @@
           <a:p>
             <a:pPr lvl="1"/>
             <a:r>
-              <a:rPr lang="en-US" altLang="zh-CN" dirty="0"/>
-              <a:t>consume a great portion of GPU total Energy, 15-20%</a:t>
+              <a:rPr lang="en-US" altLang="zh-CN" dirty="0" smtClean="0"/>
+              <a:t>consume a great portion of GPU total power, 15-20%</a:t>
             </a:r>
           </a:p>
           <a:p>
             <a:pPr lvl="1"/>
             <a:r>
-              <a:rPr lang="en-US" altLang="zh-CN" dirty="0"/>
-              <a:t>Impediment for scaling up GPUs in future generation</a:t>
+              <a:rPr lang="en-US" altLang="zh-CN" dirty="0" smtClean="0"/>
+              <a:t>impediment for scaling up GPUs in future generation</a:t>
             </a:r>
           </a:p>
           <a:p>
             <a:endParaRPr lang="en-US" altLang="zh-CN" dirty="0"/>
-          </a:p>
-          <a:p>
-            <a:r>
-              <a:rPr lang="en-US" altLang="zh-CN" dirty="0"/>
-              <a:t>High Leakage SRAM</a:t>
-            </a:r>
-          </a:p>
-          <a:p>
-            <a:pPr lvl="1"/>
-            <a:r>
-              <a:rPr lang="en-US" altLang="zh-CN" dirty="0"/>
-              <a:t>high leakage power consumption</a:t>
-            </a:r>
-          </a:p>
-          <a:p>
-            <a:pPr lvl="2"/>
-            <a:r>
-              <a:rPr lang="en-US" altLang="zh-CN" dirty="0"/>
-              <a:t>escalated leakage power as technology scales</a:t>
-            </a:r>
-          </a:p>
-          <a:p>
-            <a:pPr lvl="1"/>
-            <a:r>
-              <a:rPr lang="en-US" altLang="zh-CN" dirty="0"/>
-              <a:t>low density, e.g. 137F</a:t>
-            </a:r>
-            <a:r>
-              <a:rPr lang="en-US" altLang="zh-CN" baseline="30000" dirty="0"/>
-              <a:t>2</a:t>
-            </a:r>
-            <a:endParaRPr lang="zh-CN" altLang="en-US" baseline="30000" dirty="0"/>
           </a:p>
         </p:txBody>
       </p:sp>
@@ -13535,7 +13991,7 @@
         </p:blipFill>
         <p:spPr>
           <a:xfrm>
-            <a:off x="6154115" y="3622135"/>
+            <a:off x="6115925" y="1391717"/>
             <a:ext cx="2741449" cy="2281515"/>
           </a:xfrm>
           <a:prstGeom prst="rect">
@@ -13551,7 +14007,7 @@
         </p:nvSpPr>
         <p:spPr>
           <a:xfrm>
-            <a:off x="6932369" y="6063449"/>
+            <a:off x="6908952" y="3846632"/>
             <a:ext cx="1184940" cy="369332"/>
           </a:xfrm>
           <a:prstGeom prst="rect">
@@ -13594,9 +14050,9 @@
           <a:p>
             <a:fld id="{378697A6-3D32-4AE2-8A24-FFFF79AA4288}" type="slidenum">
               <a:rPr lang="zh-CN" altLang="en-US" smtClean="0"/>
-              <a:t>6</a:t>
+              <a:t>5</a:t>
             </a:fld>
-            <a:endParaRPr lang="zh-CN" altLang="en-US"/>
+            <a:endParaRPr lang="zh-CN" altLang="en-US" dirty="0"/>
           </a:p>
         </p:txBody>
       </p:sp>
@@ -13646,7 +14102,7 @@
                                         <p:tgtEl>
                                           <p:spTgt spid="3">
                                             <p:txEl>
-                                              <p:pRg st="5" end="5"/>
+                                              <p:pRg st="0" end="0"/>
                                             </p:txEl>
                                           </p:spTgt>
                                         </p:tgtEl>
@@ -13677,7 +14133,7 @@
                                         <p:tgtEl>
                                           <p:spTgt spid="3">
                                             <p:txEl>
-                                              <p:pRg st="6" end="6"/>
+                                              <p:pRg st="1" end="1"/>
                                             </p:txEl>
                                           </p:spTgt>
                                         </p:tgtEl>
@@ -13708,7 +14164,7 @@
                                         <p:tgtEl>
                                           <p:spTgt spid="3">
                                             <p:txEl>
-                                              <p:pRg st="7" end="7"/>
+                                              <p:pRg st="2" end="2"/>
                                             </p:txEl>
                                           </p:spTgt>
                                         </p:tgtEl>
@@ -13739,7 +14195,7 @@
                                         <p:tgtEl>
                                           <p:spTgt spid="3">
                                             <p:txEl>
-                                              <p:pRg st="8" end="8"/>
+                                              <p:pRg st="3" end="3"/>
                                             </p:txEl>
                                           </p:spTgt>
                                         </p:tgtEl>
@@ -13814,6 +14270,148 @@
                       </p:childTnLst>
                     </p:cTn>
                   </p:par>
+                  <p:par>
+                    <p:cTn id="17" fill="hold">
+                      <p:stCondLst>
+                        <p:cond delay="indefinite"/>
+                      </p:stCondLst>
+                      <p:childTnLst>
+                        <p:par>
+                          <p:cTn id="18" fill="hold">
+                            <p:stCondLst>
+                              <p:cond delay="0"/>
+                            </p:stCondLst>
+                            <p:childTnLst>
+                              <p:par>
+                                <p:cTn id="19" presetID="1" presetClass="entr" presetSubtype="0" fill="hold" nodeType="clickEffect">
+                                  <p:stCondLst>
+                                    <p:cond delay="0"/>
+                                  </p:stCondLst>
+                                  <p:childTnLst>
+                                    <p:set>
+                                      <p:cBhvr>
+                                        <p:cTn id="20" dur="1" fill="hold">
+                                          <p:stCondLst>
+                                            <p:cond delay="0"/>
+                                          </p:stCondLst>
+                                        </p:cTn>
+                                        <p:tgtEl>
+                                          <p:spTgt spid="3">
+                                            <p:txEl>
+                                              <p:pRg st="6" end="6"/>
+                                            </p:txEl>
+                                          </p:spTgt>
+                                        </p:tgtEl>
+                                        <p:attrNameLst>
+                                          <p:attrName>style.visibility</p:attrName>
+                                        </p:attrNameLst>
+                                      </p:cBhvr>
+                                      <p:to>
+                                        <p:strVal val="visible"/>
+                                      </p:to>
+                                    </p:set>
+                                  </p:childTnLst>
+                                </p:cTn>
+                              </p:par>
+                              <p:par>
+                                <p:cTn id="21" presetID="1" presetClass="entr" presetSubtype="0" fill="hold" nodeType="withEffect">
+                                  <p:stCondLst>
+                                    <p:cond delay="0"/>
+                                  </p:stCondLst>
+                                  <p:childTnLst>
+                                    <p:set>
+                                      <p:cBhvr>
+                                        <p:cTn id="22" dur="1" fill="hold">
+                                          <p:stCondLst>
+                                            <p:cond delay="0"/>
+                                          </p:stCondLst>
+                                        </p:cTn>
+                                        <p:tgtEl>
+                                          <p:spTgt spid="3">
+                                            <p:txEl>
+                                              <p:pRg st="7" end="7"/>
+                                            </p:txEl>
+                                          </p:spTgt>
+                                        </p:tgtEl>
+                                        <p:attrNameLst>
+                                          <p:attrName>style.visibility</p:attrName>
+                                        </p:attrNameLst>
+                                      </p:cBhvr>
+                                      <p:to>
+                                        <p:strVal val="visible"/>
+                                      </p:to>
+                                    </p:set>
+                                  </p:childTnLst>
+                                </p:cTn>
+                              </p:par>
+                              <p:par>
+                                <p:cTn id="23" presetID="1" presetClass="entr" presetSubtype="0" fill="hold" nodeType="withEffect">
+                                  <p:stCondLst>
+                                    <p:cond delay="0"/>
+                                  </p:stCondLst>
+                                  <p:childTnLst>
+                                    <p:set>
+                                      <p:cBhvr>
+                                        <p:cTn id="24" dur="1" fill="hold">
+                                          <p:stCondLst>
+                                            <p:cond delay="0"/>
+                                          </p:stCondLst>
+                                        </p:cTn>
+                                        <p:tgtEl>
+                                          <p:spTgt spid="3">
+                                            <p:txEl>
+                                              <p:pRg st="8" end="8"/>
+                                            </p:txEl>
+                                          </p:spTgt>
+                                        </p:tgtEl>
+                                        <p:attrNameLst>
+                                          <p:attrName>style.visibility</p:attrName>
+                                        </p:attrNameLst>
+                                      </p:cBhvr>
+                                      <p:to>
+                                        <p:strVal val="visible"/>
+                                      </p:to>
+                                    </p:set>
+                                  </p:childTnLst>
+                                </p:cTn>
+                              </p:par>
+                              <p:par>
+                                <p:cTn id="25" presetID="1" presetClass="entr" presetSubtype="0" fill="hold" nodeType="withEffect">
+                                  <p:stCondLst>
+                                    <p:cond delay="0"/>
+                                  </p:stCondLst>
+                                  <p:childTnLst>
+                                    <p:set>
+                                      <p:cBhvr>
+                                        <p:cTn id="26" dur="1" fill="hold">
+                                          <p:stCondLst>
+                                            <p:cond delay="0"/>
+                                          </p:stCondLst>
+                                        </p:cTn>
+                                        <p:tgtEl>
+                                          <p:spTgt spid="3">
+                                            <p:txEl>
+                                              <p:pRg st="9" end="9"/>
+                                            </p:txEl>
+                                          </p:spTgt>
+                                        </p:tgtEl>
+                                        <p:attrNameLst>
+                                          <p:attrName>style.visibility</p:attrName>
+                                        </p:attrNameLst>
+                                      </p:cBhvr>
+                                      <p:to>
+                                        <p:strVal val="visible"/>
+                                      </p:to>
+                                    </p:set>
+                                  </p:childTnLst>
+                                </p:cTn>
+                              </p:par>
+                            </p:childTnLst>
+                          </p:cTn>
+                        </p:par>
+                      </p:childTnLst>
+                    </p:cTn>
+                  </p:par>
                 </p:childTnLst>
               </p:cTn>
               <p:prevCondLst>
@@ -13842,7 +14440,7 @@
 </p:sld>
 </file>
 
-<file path=ppt/slides/slide7.xml><?xml version="1.0" encoding="utf-8"?>
+<file path=ppt/slides/slide6.xml><?xml version="1.0" encoding="utf-8"?>
 <p:sld xmlns:a="http://schemas.openxmlformats.org/drawingml/2006/main" xmlns:r="http://schemas.openxmlformats.org/officeDocument/2006/relationships" xmlns:p="http://schemas.openxmlformats.org/presentationml/2006/main">
   <p:cSld>
     <p:spTree>
@@ -13979,13 +14577,14 @@
           <a:p>
             <a:pPr lvl="1"/>
             <a:r>
-              <a:rPr lang="en-US" altLang="zh-CN" sz="1900" dirty="0"/>
-              <a:t>Achieve near-z</a:t>
-            </a:r>
-            <a:r>
-              <a:rPr lang="en-US" altLang="zh-CN" dirty="0"/>
-              <a:t>ero Leakage</a:t>
-            </a:r>
+              <a:rPr lang="en-US" altLang="zh-CN" sz="1900" dirty="0" smtClean="0"/>
+              <a:t>Goal:  make use of near-z</a:t>
+            </a:r>
+            <a:r>
+              <a:rPr lang="en-US" altLang="zh-CN" dirty="0" smtClean="0"/>
+              <a:t>ero leakage</a:t>
+            </a:r>
+            <a:endParaRPr lang="en-US" altLang="zh-CN" dirty="0"/>
           </a:p>
           <a:p>
             <a:pPr lvl="1"/>
@@ -13994,7 +14593,15 @@
           <a:p>
             <a:r>
               <a:rPr lang="en-US" altLang="zh-CN" sz="2300" dirty="0"/>
-              <a:t>However, writing STT-RAM cells becomes a problem</a:t>
+              <a:t>However, </a:t>
+            </a:r>
+            <a:r>
+              <a:rPr lang="en-US" altLang="zh-CN" sz="2300" dirty="0" smtClean="0"/>
+              <a:t>now writing </a:t>
+            </a:r>
+            <a:r>
+              <a:rPr lang="en-US" altLang="zh-CN" sz="2300" dirty="0"/>
+              <a:t>STT-RAM cells becomes a problem</a:t>
             </a:r>
           </a:p>
           <a:p>
@@ -14038,7 +14645,7 @@
           <a:p>
             <a:fld id="{378697A6-3D32-4AE2-8A24-FFFF79AA4288}" type="slidenum">
               <a:rPr lang="zh-CN" altLang="en-US" smtClean="0"/>
-              <a:t>7</a:t>
+              <a:t>6</a:t>
             </a:fld>
             <a:endParaRPr lang="zh-CN" altLang="en-US"/>
           </a:p>
@@ -14345,7 +14952,7 @@
 </p:sld>
 </file>
 
-<file path=ppt/slides/slide8.xml><?xml version="1.0" encoding="utf-8"?>
+<file path=ppt/slides/slide7.xml><?xml version="1.0" encoding="utf-8"?>
 <p:sld xmlns:a="http://schemas.openxmlformats.org/drawingml/2006/main" xmlns:r="http://schemas.openxmlformats.org/officeDocument/2006/relationships" xmlns:p="http://schemas.openxmlformats.org/presentationml/2006/main">
   <p:cSld>
     <p:spTree>
@@ -14378,8 +14985,12 @@
           <a:lstStyle/>
           <a:p>
             <a:r>
+              <a:rPr lang="en-US" altLang="zh-CN" dirty="0" smtClean="0"/>
+              <a:t>Our Design </a:t>
+            </a:r>
+            <a:r>
               <a:rPr lang="en-US" altLang="zh-CN" dirty="0"/>
-              <a:t>Design Goal</a:t>
+              <a:t>Goal</a:t>
             </a:r>
             <a:endParaRPr lang="zh-CN" altLang="en-US" dirty="0"/>
           </a:p>
@@ -14401,8 +15012,12 @@
           <a:lstStyle/>
           <a:p>
             <a:r>
+              <a:rPr lang="en-US" altLang="zh-CN" dirty="0"/>
+              <a:t>P</a:t>
+            </a:r>
+            <a:r>
               <a:rPr lang="en-US" altLang="zh-CN" dirty="0" smtClean="0"/>
-              <a:t>Prior </a:t>
+              <a:t>rior </a:t>
             </a:r>
             <a:r>
               <a:rPr lang="en-US" altLang="zh-CN" dirty="0"/>
@@ -14430,8 +15045,13 @@
           <a:p>
             <a:r>
               <a:rPr lang="en-US" altLang="zh-CN" dirty="0"/>
-              <a:t>Our goal</a:t>
-            </a:r>
+              <a:t>Our </a:t>
+            </a:r>
+            <a:r>
+              <a:rPr lang="en-US" altLang="zh-CN" dirty="0" smtClean="0"/>
+              <a:t>solution</a:t>
+            </a:r>
+            <a:endParaRPr lang="en-US" altLang="zh-CN" dirty="0"/>
           </a:p>
           <a:p>
             <a:pPr lvl="1"/>
@@ -14477,7 +15097,7 @@
           <a:p>
             <a:fld id="{378697A6-3D32-4AE2-8A24-FFFF79AA4288}" type="slidenum">
               <a:rPr lang="zh-CN" altLang="en-US" smtClean="0"/>
-              <a:t>8</a:t>
+              <a:t>7</a:t>
             </a:fld>
             <a:endParaRPr lang="zh-CN" altLang="en-US"/>
           </a:p>
@@ -14668,7 +15288,7 @@
 </p:sld>
 </file>
 
-<file path=ppt/slides/slide9.xml><?xml version="1.0" encoding="utf-8"?>
+<file path=ppt/slides/slide8.xml><?xml version="1.0" encoding="utf-8"?>
 <p:sld xmlns:a="http://schemas.openxmlformats.org/drawingml/2006/main" xmlns:r="http://schemas.openxmlformats.org/officeDocument/2006/relationships" xmlns:p="http://schemas.openxmlformats.org/presentationml/2006/main">
   <p:cSld>
     <p:spTree>
@@ -14701,8 +15321,12 @@
           <a:lstStyle/>
           <a:p>
             <a:r>
+              <a:rPr lang="en-US" altLang="zh-CN" dirty="0" smtClean="0"/>
+              <a:t>Motivation: Register </a:t>
+            </a:r>
+            <a:r>
               <a:rPr lang="en-US" altLang="zh-CN" dirty="0"/>
-              <a:t>Register Value Similarity</a:t>
+              <a:t>Value Similarity</a:t>
             </a:r>
             <a:endParaRPr lang="zh-CN" altLang="en-US" dirty="0"/>
           </a:p>
@@ -15355,7 +15979,7 @@
           <a:p>
             <a:fld id="{378697A6-3D32-4AE2-8A24-FFFF79AA4288}" type="slidenum">
               <a:rPr lang="zh-CN" altLang="en-US" smtClean="0"/>
-              <a:t>9</a:t>
+              <a:t>8</a:t>
             </a:fld>
             <a:endParaRPr lang="zh-CN" altLang="en-US"/>
           </a:p>
@@ -15387,50 +16011,14 @@
       </p:pic>
       <p:sp>
         <p:nvSpPr>
-          <p:cNvPr id="10" name="文本框 9"/>
-          <p:cNvSpPr txBox="1"/>
-          <p:nvPr/>
-        </p:nvSpPr>
-        <p:spPr>
-          <a:xfrm>
-            <a:off x="203400" y="6488668"/>
-            <a:ext cx="8737200" cy="369332"/>
-          </a:xfrm>
-          <a:prstGeom prst="rect">
-            <a:avLst/>
-          </a:prstGeom>
-          <a:noFill/>
-        </p:spPr>
-        <p:txBody>
-          <a:bodyPr wrap="none" rtlCol="0">
-            <a:spAutoFit/>
-          </a:bodyPr>
-          <a:lstStyle/>
-          <a:p>
-            <a:r>
-              <a:rPr lang="en-US" altLang="zh-CN" dirty="0">
-                <a:latin typeface="Times New Roman" panose="02020603050405020304" pitchFamily="18" charset="0"/>
-                <a:cs typeface="Times New Roman" panose="02020603050405020304" pitchFamily="18" charset="0"/>
-              </a:rPr>
-              <a:t>ISCA’15 Warped-compression: enabling power efficient GPUs through register compression</a:t>
-            </a:r>
-            <a:endParaRPr lang="zh-CN" altLang="en-US" dirty="0">
-              <a:latin typeface="Times New Roman" panose="02020603050405020304" pitchFamily="18" charset="0"/>
-              <a:cs typeface="Times New Roman" panose="02020603050405020304" pitchFamily="18" charset="0"/>
-            </a:endParaRPr>
-          </a:p>
-        </p:txBody>
-      </p:sp>
-      <p:sp>
-        <p:nvSpPr>
           <p:cNvPr id="8" name="矩形 7"/>
           <p:cNvSpPr/>
           <p:nvPr/>
         </p:nvSpPr>
         <p:spPr>
           <a:xfrm>
-            <a:off x="1346199" y="5616426"/>
-            <a:ext cx="6324601" cy="914400"/>
+            <a:off x="1013255" y="5616426"/>
+            <a:ext cx="6934408" cy="914400"/>
           </a:xfrm>
           <a:prstGeom prst="rect">
             <a:avLst/>
@@ -15479,7 +16067,35 @@
                 <a:latin typeface="Arial" panose="020B0604020202020204" pitchFamily="34" charset="0"/>
                 <a:cs typeface="Arial" panose="020B0604020202020204" pitchFamily="34" charset="0"/>
               </a:rPr>
-              <a:t>2. Compression algorithm can be effective</a:t>
+              <a:t>2. </a:t>
+            </a:r>
+            <a:r>
+              <a:rPr lang="en-US" altLang="zh-CN" sz="2000" dirty="0" smtClean="0">
+                <a:latin typeface="Arial" panose="020B0604020202020204" pitchFamily="34" charset="0"/>
+                <a:cs typeface="Arial" panose="020B0604020202020204" pitchFamily="34" charset="0"/>
+              </a:rPr>
+              <a:t>Similarity-aware compression </a:t>
+            </a:r>
+            <a:r>
+              <a:rPr lang="en-US" altLang="zh-CN" sz="2000" dirty="0">
+                <a:latin typeface="Arial" panose="020B0604020202020204" pitchFamily="34" charset="0"/>
+                <a:cs typeface="Arial" panose="020B0604020202020204" pitchFamily="34" charset="0"/>
+              </a:rPr>
+              <a:t>algorithm </a:t>
+            </a:r>
+            <a:r>
+              <a:rPr lang="en-US" altLang="zh-CN" sz="2000" dirty="0" smtClean="0">
+                <a:latin typeface="Arial" panose="020B0604020202020204" pitchFamily="34" charset="0"/>
+                <a:cs typeface="Arial" panose="020B0604020202020204" pitchFamily="34" charset="0"/>
+              </a:rPr>
+              <a:t>will be </a:t>
+            </a:r>
+            <a:r>
+              <a:rPr lang="en-US" altLang="zh-CN" sz="2000" dirty="0">
+                <a:latin typeface="Arial" panose="020B0604020202020204" pitchFamily="34" charset="0"/>
+                <a:cs typeface="Arial" panose="020B0604020202020204" pitchFamily="34" charset="0"/>
+              </a:rPr>
+              <a:t>effective</a:t>
             </a:r>
             <a:endParaRPr lang="zh-CN" altLang="en-US" sz="2000" dirty="0">
               <a:latin typeface="Arial" panose="020B0604020202020204" pitchFamily="34" charset="0"/>
@@ -15647,6 +16263,620 @@
     <p:bldLst>
       <p:bldP spid="6" grpId="0"/>
       <p:bldP spid="8" grpId="0" animBg="1"/>
+    </p:bldLst>
+  </p:timing>
+</p:sld>
+</file>
+
+<file path=ppt/slides/slide9.xml><?xml version="1.0" encoding="utf-8"?>
+<p:sld xmlns:a="http://schemas.openxmlformats.org/drawingml/2006/main" xmlns:r="http://schemas.openxmlformats.org/officeDocument/2006/relationships" xmlns:p="http://schemas.openxmlformats.org/presentationml/2006/main">
+  <p:cSld>
+    <p:spTree>
+      <p:nvGrpSpPr>
+        <p:cNvPr id="1" name=""/>
+        <p:cNvGrpSpPr/>
+        <p:nvPr/>
+      </p:nvGrpSpPr>
+      <p:grpSpPr>
+        <a:xfrm>
+          <a:off x="0" y="0"/>
+          <a:ext cx="0" cy="0"/>
+          <a:chOff x="0" y="0"/>
+          <a:chExt cx="0" cy="0"/>
+        </a:xfrm>
+      </p:grpSpPr>
+      <p:pic>
+        <p:nvPicPr>
+          <p:cNvPr id="5" name="图片 4"/>
+          <p:cNvPicPr>
+            <a:picLocks noChangeAspect="1"/>
+          </p:cNvPicPr>
+          <p:nvPr/>
+        </p:nvPicPr>
+        <p:blipFill>
+          <a:blip r:embed="rId2"/>
+          <a:stretch>
+            <a:fillRect/>
+          </a:stretch>
+        </p:blipFill>
+        <p:spPr>
+          <a:xfrm>
+            <a:off x="5169531" y="3058487"/>
+            <a:ext cx="3698213" cy="2551480"/>
+          </a:xfrm>
+          <a:prstGeom prst="rect">
+            <a:avLst/>
+          </a:prstGeom>
+        </p:spPr>
+      </p:pic>
+      <p:sp>
+        <p:nvSpPr>
+          <p:cNvPr id="2" name="标题 1"/>
+          <p:cNvSpPr>
+            <a:spLocks noGrp="1"/>
+          </p:cNvSpPr>
+          <p:nvPr>
+            <p:ph type="title"/>
+          </p:nvPr>
+        </p:nvSpPr>
+        <p:spPr/>
+        <p:txBody>
+          <a:bodyPr>
+            <a:normAutofit/>
+          </a:bodyPr>
+          <a:lstStyle/>
+          <a:p>
+            <a:r>
+              <a:rPr lang="en-US" altLang="zh-CN" sz="3200" dirty="0"/>
+              <a:t>A lightweight </a:t>
+            </a:r>
+            <a:r>
+              <a:rPr lang="en-US" altLang="zh-CN" sz="3200"/>
+              <a:t>compression </a:t>
+            </a:r>
+            <a:r>
+              <a:rPr lang="en-US" altLang="zh-CN" sz="3200" smtClean="0"/>
+              <a:t>framework</a:t>
+            </a:r>
+            <a:endParaRPr lang="zh-CN" altLang="en-US" sz="3200" dirty="0"/>
+          </a:p>
+        </p:txBody>
+      </p:sp>
+      <p:sp>
+        <p:nvSpPr>
+          <p:cNvPr id="3" name="内容占位符 2"/>
+          <p:cNvSpPr>
+            <a:spLocks noGrp="1"/>
+          </p:cNvSpPr>
+          <p:nvPr>
+            <p:ph idx="1"/>
+          </p:nvPr>
+        </p:nvSpPr>
+        <p:spPr>
+          <a:xfrm>
+            <a:off x="245590" y="1608176"/>
+            <a:ext cx="6933686" cy="4605858"/>
+          </a:xfrm>
+        </p:spPr>
+        <p:txBody>
+          <a:bodyPr>
+            <a:normAutofit lnSpcReduction="10000"/>
+          </a:bodyPr>
+          <a:lstStyle/>
+          <a:p>
+            <a:r>
+              <a:rPr lang="en-US" altLang="zh-CN" dirty="0"/>
+              <a:t>Base-Delta-Intermediate (BDI) </a:t>
+            </a:r>
+            <a:r>
+              <a:rPr lang="en-US" altLang="zh-CN" dirty="0" smtClean="0"/>
+              <a:t>compression</a:t>
+            </a:r>
+          </a:p>
+          <a:p>
+            <a:pPr lvl="1"/>
+            <a:r>
+              <a:rPr lang="en-US" altLang="zh-CN" dirty="0" smtClean="0"/>
+              <a:t>lightweight</a:t>
+            </a:r>
+            <a:r>
+              <a:rPr lang="en-US" altLang="zh-CN" dirty="0"/>
+              <a:t>: 1 cycle </a:t>
+            </a:r>
+            <a:r>
+              <a:rPr lang="en-US" altLang="zh-CN" dirty="0" smtClean="0"/>
+              <a:t>compress/decompression latency</a:t>
+            </a:r>
+            <a:endParaRPr lang="en-US" altLang="zh-CN" dirty="0"/>
+          </a:p>
+          <a:p>
+            <a:pPr lvl="1"/>
+            <a:r>
+              <a:rPr lang="en-US" altLang="zh-CN" dirty="0"/>
+              <a:t>high compression ratio: when data are similar </a:t>
+            </a:r>
+          </a:p>
+          <a:p>
+            <a:pPr lvl="2"/>
+            <a:r>
+              <a:rPr lang="en-US" altLang="zh-CN" dirty="0"/>
+              <a:t>Value similarity on SIMT</a:t>
+            </a:r>
+            <a:r>
+              <a:rPr lang="zh-CN" altLang="en-US" dirty="0"/>
+              <a:t> </a:t>
+            </a:r>
+            <a:r>
+              <a:rPr lang="en-US" altLang="zh-CN" dirty="0"/>
+              <a:t>architecture</a:t>
+            </a:r>
+          </a:p>
+          <a:p>
+            <a:pPr lvl="1"/>
+            <a:endParaRPr lang="en-US" altLang="zh-CN" dirty="0"/>
+          </a:p>
+          <a:p>
+            <a:r>
+              <a:rPr lang="en-US" altLang="zh-CN" dirty="0" smtClean="0"/>
+              <a:t>The compressed process</a:t>
+            </a:r>
+          </a:p>
+          <a:p>
+            <a:pPr lvl="1"/>
+            <a:r>
+              <a:rPr lang="en-US" altLang="zh-CN" dirty="0" smtClean="0"/>
+              <a:t>A register value is divided into chunks</a:t>
+            </a:r>
+            <a:endParaRPr lang="en-US" altLang="zh-CN" dirty="0"/>
+          </a:p>
+          <a:p>
+            <a:pPr lvl="1"/>
+            <a:r>
+              <a:rPr lang="en-US" altLang="zh-CN" dirty="0"/>
+              <a:t>Base: first data chunk </a:t>
+            </a:r>
+          </a:p>
+          <a:p>
+            <a:pPr lvl="1"/>
+            <a:r>
+              <a:rPr lang="en-US" altLang="zh-CN" dirty="0"/>
+              <a:t>Delta: difference with base</a:t>
+            </a:r>
+          </a:p>
+          <a:p>
+            <a:pPr lvl="1"/>
+            <a:r>
+              <a:rPr lang="en-US" altLang="zh-CN" dirty="0" smtClean="0"/>
+              <a:t>Intermediate: chunk data width (2, 4, 8)</a:t>
+            </a:r>
+          </a:p>
+          <a:p>
+            <a:pPr lvl="1"/>
+            <a:endParaRPr lang="en-US" altLang="zh-CN" dirty="0"/>
+          </a:p>
+          <a:p>
+            <a:r>
+              <a:rPr lang="en-US" altLang="zh-CN" dirty="0" smtClean="0"/>
+              <a:t>STT-RAM writes is reduced</a:t>
+            </a:r>
+          </a:p>
+          <a:p>
+            <a:pPr lvl="1"/>
+            <a:r>
+              <a:rPr lang="en-US" altLang="zh-CN" dirty="0" smtClean="0"/>
+              <a:t> the number of writes is reduced, </a:t>
+            </a:r>
+          </a:p>
+          <a:p>
+            <a:pPr lvl="1"/>
+            <a:endParaRPr lang="zh-CN" altLang="en-US" dirty="0"/>
+          </a:p>
+        </p:txBody>
+      </p:sp>
+      <p:sp>
+        <p:nvSpPr>
+          <p:cNvPr id="4" name="灯片编号占位符 3"/>
+          <p:cNvSpPr>
+            <a:spLocks noGrp="1"/>
+          </p:cNvSpPr>
+          <p:nvPr>
+            <p:ph type="sldNum" sz="quarter" idx="12"/>
+          </p:nvPr>
+        </p:nvSpPr>
+        <p:spPr/>
+        <p:txBody>
+          <a:bodyPr/>
+          <a:lstStyle/>
+          <a:p>
+            <a:fld id="{378697A6-3D32-4AE2-8A24-FFFF79AA4288}" type="slidenum">
+              <a:rPr lang="zh-CN" altLang="en-US" smtClean="0"/>
+              <a:t>9</a:t>
+            </a:fld>
+            <a:endParaRPr lang="zh-CN" altLang="en-US"/>
+          </a:p>
+        </p:txBody>
+      </p:sp>
+      <p:sp>
+        <p:nvSpPr>
+          <p:cNvPr id="6" name="文本框 5"/>
+          <p:cNvSpPr txBox="1"/>
+          <p:nvPr/>
+        </p:nvSpPr>
+        <p:spPr>
+          <a:xfrm>
+            <a:off x="1462642" y="5752833"/>
+            <a:ext cx="3090911" cy="677108"/>
+          </a:xfrm>
+          <a:prstGeom prst="rect">
+            <a:avLst/>
+          </a:prstGeom>
+          <a:noFill/>
+        </p:spPr>
+        <p:txBody>
+          <a:bodyPr wrap="none" rtlCol="0">
+            <a:spAutoFit/>
+          </a:bodyPr>
+          <a:lstStyle/>
+          <a:p>
+            <a:pPr marL="0" lvl="1"/>
+            <a:r>
+              <a:rPr lang="en-US" altLang="zh-CN" sz="2000" dirty="0" smtClean="0">
+                <a:latin typeface="Arial" charset="0"/>
+                <a:ea typeface="Arial" charset="0"/>
+                <a:cs typeface="Arial" charset="0"/>
+              </a:rPr>
+              <a:t>when data is compressed</a:t>
+            </a:r>
+            <a:endParaRPr lang="zh-CN" altLang="en-US" sz="2000" dirty="0">
+              <a:latin typeface="Arial" charset="0"/>
+              <a:ea typeface="Arial" charset="0"/>
+              <a:cs typeface="Arial" charset="0"/>
+            </a:endParaRPr>
+          </a:p>
+          <a:p>
+            <a:endParaRPr kumimoji="1" lang="zh-CN" altLang="en-US" dirty="0"/>
+          </a:p>
+        </p:txBody>
+      </p:sp>
+    </p:spTree>
+    <p:extLst>
+      <p:ext uri="{BB962C8B-B14F-4D97-AF65-F5344CB8AC3E}">
+        <p14:creationId xmlns:p14="http://schemas.microsoft.com/office/powerpoint/2010/main" val="2319854809"/>
+      </p:ext>
+    </p:extLst>
+  </p:cSld>
+  <p:clrMapOvr>
+    <a:masterClrMapping/>
+  </p:clrMapOvr>
+  <p:timing>
+    <p:tnLst>
+      <p:par>
+        <p:cTn id="1" dur="indefinite" restart="never" nodeType="tmRoot">
+          <p:childTnLst>
+            <p:seq concurrent="1" nextAc="seek">
+              <p:cTn id="2" dur="indefinite" nodeType="mainSeq">
+                <p:childTnLst>
+                  <p:par>
+                    <p:cTn id="3" fill="hold">
+                      <p:stCondLst>
+                        <p:cond delay="indefinite"/>
+                      </p:stCondLst>
+                      <p:childTnLst>
+                        <p:par>
+                          <p:cTn id="4" fill="hold">
+                            <p:stCondLst>
+                              <p:cond delay="0"/>
+                            </p:stCondLst>
+                            <p:childTnLst>
+                              <p:par>
+                                <p:cTn id="5" presetID="1" presetClass="entr" presetSubtype="0" fill="hold" nodeType="clickEffect">
+                                  <p:stCondLst>
+                                    <p:cond delay="0"/>
+                                  </p:stCondLst>
+                                  <p:childTnLst>
+                                    <p:set>
+                                      <p:cBhvr>
+                                        <p:cTn id="6" dur="1" fill="hold">
+                                          <p:stCondLst>
+                                            <p:cond delay="0"/>
+                                          </p:stCondLst>
+                                        </p:cTn>
+                                        <p:tgtEl>
+                                          <p:spTgt spid="3">
+                                            <p:txEl>
+                                              <p:pRg st="5" end="5"/>
+                                            </p:txEl>
+                                          </p:spTgt>
+                                        </p:tgtEl>
+                                        <p:attrNameLst>
+                                          <p:attrName>style.visibility</p:attrName>
+                                        </p:attrNameLst>
+                                      </p:cBhvr>
+                                      <p:to>
+                                        <p:strVal val="visible"/>
+                                      </p:to>
+                                    </p:set>
+                                  </p:childTnLst>
+                                </p:cTn>
+                              </p:par>
+                            </p:childTnLst>
+                          </p:cTn>
+                        </p:par>
+                      </p:childTnLst>
+                    </p:cTn>
+                  </p:par>
+                  <p:par>
+                    <p:cTn id="7" fill="hold">
+                      <p:stCondLst>
+                        <p:cond delay="indefinite"/>
+                      </p:stCondLst>
+                      <p:childTnLst>
+                        <p:par>
+                          <p:cTn id="8" fill="hold">
+                            <p:stCondLst>
+                              <p:cond delay="0"/>
+                            </p:stCondLst>
+                            <p:childTnLst>
+                              <p:par>
+                                <p:cTn id="9" presetID="1" presetClass="entr" presetSubtype="0" fill="hold" nodeType="clickEffect">
+                                  <p:stCondLst>
+                                    <p:cond delay="0"/>
+                                  </p:stCondLst>
+                                  <p:childTnLst>
+                                    <p:set>
+                                      <p:cBhvr>
+                                        <p:cTn id="10" dur="1" fill="hold">
+                                          <p:stCondLst>
+                                            <p:cond delay="0"/>
+                                          </p:stCondLst>
+                                        </p:cTn>
+                                        <p:tgtEl>
+                                          <p:spTgt spid="3">
+                                            <p:txEl>
+                                              <p:pRg st="6" end="6"/>
+                                            </p:txEl>
+                                          </p:spTgt>
+                                        </p:tgtEl>
+                                        <p:attrNameLst>
+                                          <p:attrName>style.visibility</p:attrName>
+                                        </p:attrNameLst>
+                                      </p:cBhvr>
+                                      <p:to>
+                                        <p:strVal val="visible"/>
+                                      </p:to>
+                                    </p:set>
+                                  </p:childTnLst>
+                                </p:cTn>
+                              </p:par>
+                              <p:par>
+                                <p:cTn id="11" presetID="1" presetClass="entr" presetSubtype="0" fill="hold" nodeType="withEffect">
+                                  <p:stCondLst>
+                                    <p:cond delay="0"/>
+                                  </p:stCondLst>
+                                  <p:childTnLst>
+                                    <p:set>
+                                      <p:cBhvr>
+                                        <p:cTn id="12" dur="1" fill="hold">
+                                          <p:stCondLst>
+                                            <p:cond delay="0"/>
+                                          </p:stCondLst>
+                                        </p:cTn>
+                                        <p:tgtEl>
+                                          <p:spTgt spid="3">
+                                            <p:txEl>
+                                              <p:pRg st="7" end="7"/>
+                                            </p:txEl>
+                                          </p:spTgt>
+                                        </p:tgtEl>
+                                        <p:attrNameLst>
+                                          <p:attrName>style.visibility</p:attrName>
+                                        </p:attrNameLst>
+                                      </p:cBhvr>
+                                      <p:to>
+                                        <p:strVal val="visible"/>
+                                      </p:to>
+                                    </p:set>
+                                  </p:childTnLst>
+                                </p:cTn>
+                              </p:par>
+                              <p:par>
+                                <p:cTn id="13" presetID="1" presetClass="entr" presetSubtype="0" fill="hold" nodeType="withEffect">
+                                  <p:stCondLst>
+                                    <p:cond delay="0"/>
+                                  </p:stCondLst>
+                                  <p:childTnLst>
+                                    <p:set>
+                                      <p:cBhvr>
+                                        <p:cTn id="14" dur="1" fill="hold">
+                                          <p:stCondLst>
+                                            <p:cond delay="0"/>
+                                          </p:stCondLst>
+                                        </p:cTn>
+                                        <p:tgtEl>
+                                          <p:spTgt spid="3">
+                                            <p:txEl>
+                                              <p:pRg st="8" end="8"/>
+                                            </p:txEl>
+                                          </p:spTgt>
+                                        </p:tgtEl>
+                                        <p:attrNameLst>
+                                          <p:attrName>style.visibility</p:attrName>
+                                        </p:attrNameLst>
+                                      </p:cBhvr>
+                                      <p:to>
+                                        <p:strVal val="visible"/>
+                                      </p:to>
+                                    </p:set>
+                                  </p:childTnLst>
+                                </p:cTn>
+                              </p:par>
+                              <p:par>
+                                <p:cTn id="15" presetID="1" presetClass="entr" presetSubtype="0" fill="hold" nodeType="withEffect">
+                                  <p:stCondLst>
+                                    <p:cond delay="0"/>
+                                  </p:stCondLst>
+                                  <p:childTnLst>
+                                    <p:set>
+                                      <p:cBhvr>
+                                        <p:cTn id="16" dur="1" fill="hold">
+                                          <p:stCondLst>
+                                            <p:cond delay="0"/>
+                                          </p:stCondLst>
+                                        </p:cTn>
+                                        <p:tgtEl>
+                                          <p:spTgt spid="3">
+                                            <p:txEl>
+                                              <p:pRg st="9" end="9"/>
+                                            </p:txEl>
+                                          </p:spTgt>
+                                        </p:tgtEl>
+                                        <p:attrNameLst>
+                                          <p:attrName>style.visibility</p:attrName>
+                                        </p:attrNameLst>
+                                      </p:cBhvr>
+                                      <p:to>
+                                        <p:strVal val="visible"/>
+                                      </p:to>
+                                    </p:set>
+                                  </p:childTnLst>
+                                </p:cTn>
+                              </p:par>
+                            </p:childTnLst>
+                          </p:cTn>
+                        </p:par>
+                      </p:childTnLst>
+                    </p:cTn>
+                  </p:par>
+                  <p:par>
+                    <p:cTn id="17" fill="hold">
+                      <p:stCondLst>
+                        <p:cond delay="indefinite"/>
+                      </p:stCondLst>
+                      <p:childTnLst>
+                        <p:par>
+                          <p:cTn id="18" fill="hold">
+                            <p:stCondLst>
+                              <p:cond delay="0"/>
+                            </p:stCondLst>
+                            <p:childTnLst>
+                              <p:par>
+                                <p:cTn id="19" presetID="1" presetClass="entr" presetSubtype="0" fill="hold" nodeType="clickEffect">
+                                  <p:stCondLst>
+                                    <p:cond delay="0"/>
+                                  </p:stCondLst>
+                                  <p:childTnLst>
+                                    <p:set>
+                                      <p:cBhvr>
+                                        <p:cTn id="20" dur="1" fill="hold">
+                                          <p:stCondLst>
+                                            <p:cond delay="0"/>
+                                          </p:stCondLst>
+                                        </p:cTn>
+                                        <p:tgtEl>
+                                          <p:spTgt spid="3">
+                                            <p:txEl>
+                                              <p:pRg st="11" end="11"/>
+                                            </p:txEl>
+                                          </p:spTgt>
+                                        </p:tgtEl>
+                                        <p:attrNameLst>
+                                          <p:attrName>style.visibility</p:attrName>
+                                        </p:attrNameLst>
+                                      </p:cBhvr>
+                                      <p:to>
+                                        <p:strVal val="visible"/>
+                                      </p:to>
+                                    </p:set>
+                                  </p:childTnLst>
+                                </p:cTn>
+                              </p:par>
+                              <p:par>
+                                <p:cTn id="21" presetID="1" presetClass="entr" presetSubtype="0" fill="hold" nodeType="withEffect">
+                                  <p:stCondLst>
+                                    <p:cond delay="0"/>
+                                  </p:stCondLst>
+                                  <p:childTnLst>
+                                    <p:set>
+                                      <p:cBhvr>
+                                        <p:cTn id="22" dur="1" fill="hold">
+                                          <p:stCondLst>
+                                            <p:cond delay="0"/>
+                                          </p:stCondLst>
+                                        </p:cTn>
+                                        <p:tgtEl>
+                                          <p:spTgt spid="3">
+                                            <p:txEl>
+                                              <p:pRg st="12" end="12"/>
+                                            </p:txEl>
+                                          </p:spTgt>
+                                        </p:tgtEl>
+                                        <p:attrNameLst>
+                                          <p:attrName>style.visibility</p:attrName>
+                                        </p:attrNameLst>
+                                      </p:cBhvr>
+                                      <p:to>
+                                        <p:strVal val="visible"/>
+                                      </p:to>
+                                    </p:set>
+                                  </p:childTnLst>
+                                </p:cTn>
+                              </p:par>
+                              <p:par>
+                                <p:cTn id="23" presetID="1" presetClass="entr" presetSubtype="0" fill="hold" grpId="0" nodeType="withEffect">
+                                  <p:stCondLst>
+                                    <p:cond delay="0"/>
+                                  </p:stCondLst>
+                                  <p:childTnLst>
+                                    <p:set>
+                                      <p:cBhvr>
+                                        <p:cTn id="24" dur="1" fill="hold">
+                                          <p:stCondLst>
+                                            <p:cond delay="0"/>
+                                          </p:stCondLst>
+                                        </p:cTn>
+                                        <p:tgtEl>
+                                          <p:spTgt spid="6"/>
+                                        </p:tgtEl>
+                                        <p:attrNameLst>
+                                          <p:attrName>style.visibility</p:attrName>
+                                        </p:attrNameLst>
+                                      </p:cBhvr>
+                                      <p:to>
+                                        <p:strVal val="visible"/>
+                                      </p:to>
+                                    </p:set>
+                                  </p:childTnLst>
+                                </p:cTn>
+                              </p:par>
+                            </p:childTnLst>
+                          </p:cTn>
+                        </p:par>
+                      </p:childTnLst>
+                    </p:cTn>
+                  </p:par>
+                </p:childTnLst>
+              </p:cTn>
+              <p:prevCondLst>
+                <p:cond evt="onPrev" delay="0">
+                  <p:tgtEl>
+                    <p:sldTgt/>
+                  </p:tgtEl>
+                </p:cond>
+              </p:prevCondLst>
+              <p:nextCondLst>
+                <p:cond evt="onNext" delay="0">
+                  <p:tgtEl>
+                    <p:sldTgt/>
+                  </p:tgtEl>
+                </p:cond>
+              </p:nextCondLst>
+            </p:seq>
+          </p:childTnLst>
+        </p:cTn>
+      </p:par>
+    </p:tnLst>
+    <p:bldLst>
+      <p:bldP spid="6" grpId="0"/>
     </p:bldLst>
   </p:timing>
 </p:sld>
